--- a/simulation.pptx
+++ b/simulation.pptx
@@ -5,36 +5,37 @@
     <p:sldMasterId id="2147483648" r:id="rId1"/>
   </p:sldMasterIdLst>
   <p:notesMasterIdLst>
-    <p:notesMasterId r:id="rId29"/>
+    <p:notesMasterId r:id="rId30"/>
   </p:notesMasterIdLst>
   <p:sldIdLst>
     <p:sldId id="286" r:id="rId2"/>
-    <p:sldId id="264" r:id="rId3"/>
-    <p:sldId id="265" r:id="rId4"/>
-    <p:sldId id="267" r:id="rId5"/>
-    <p:sldId id="269" r:id="rId6"/>
-    <p:sldId id="270" r:id="rId7"/>
-    <p:sldId id="276" r:id="rId8"/>
-    <p:sldId id="282" r:id="rId9"/>
-    <p:sldId id="279" r:id="rId10"/>
-    <p:sldId id="280" r:id="rId11"/>
-    <p:sldId id="263" r:id="rId12"/>
-    <p:sldId id="271" r:id="rId13"/>
-    <p:sldId id="272" r:id="rId14"/>
-    <p:sldId id="281" r:id="rId15"/>
-    <p:sldId id="285" r:id="rId16"/>
-    <p:sldId id="283" r:id="rId17"/>
-    <p:sldId id="289" r:id="rId18"/>
-    <p:sldId id="284" r:id="rId19"/>
-    <p:sldId id="287" r:id="rId20"/>
-    <p:sldId id="288" r:id="rId21"/>
-    <p:sldId id="274" r:id="rId22"/>
-    <p:sldId id="275" r:id="rId23"/>
-    <p:sldId id="277" r:id="rId24"/>
-    <p:sldId id="273" r:id="rId25"/>
-    <p:sldId id="278" r:id="rId26"/>
-    <p:sldId id="266" r:id="rId27"/>
-    <p:sldId id="262" r:id="rId28"/>
+    <p:sldId id="290" r:id="rId3"/>
+    <p:sldId id="264" r:id="rId4"/>
+    <p:sldId id="265" r:id="rId5"/>
+    <p:sldId id="267" r:id="rId6"/>
+    <p:sldId id="269" r:id="rId7"/>
+    <p:sldId id="270" r:id="rId8"/>
+    <p:sldId id="276" r:id="rId9"/>
+    <p:sldId id="282" r:id="rId10"/>
+    <p:sldId id="279" r:id="rId11"/>
+    <p:sldId id="280" r:id="rId12"/>
+    <p:sldId id="263" r:id="rId13"/>
+    <p:sldId id="271" r:id="rId14"/>
+    <p:sldId id="272" r:id="rId15"/>
+    <p:sldId id="281" r:id="rId16"/>
+    <p:sldId id="285" r:id="rId17"/>
+    <p:sldId id="283" r:id="rId18"/>
+    <p:sldId id="289" r:id="rId19"/>
+    <p:sldId id="284" r:id="rId20"/>
+    <p:sldId id="287" r:id="rId21"/>
+    <p:sldId id="288" r:id="rId22"/>
+    <p:sldId id="274" r:id="rId23"/>
+    <p:sldId id="275" r:id="rId24"/>
+    <p:sldId id="277" r:id="rId25"/>
+    <p:sldId id="273" r:id="rId26"/>
+    <p:sldId id="278" r:id="rId27"/>
+    <p:sldId id="266" r:id="rId28"/>
+    <p:sldId id="262" r:id="rId29"/>
   </p:sldIdLst>
   <p:sldSz cx="12192000" cy="6858000"/>
   <p:notesSz cx="6858000" cy="9144000"/>
@@ -223,7 +224,7 @@
           <a:p>
             <a:fld id="{CC7CB2C3-37B5-4BD6-986D-8040C072327A}" type="datetimeFigureOut">
               <a:rPr lang="fr-CA" smtClean="0"/>
-              <a:t>2022-10-14</a:t>
+              <a:t>2022-10-31</a:t>
             </a:fld>
             <a:endParaRPr lang="fr-CA"/>
           </a:p>
@@ -491,6 +492,177 @@
 </p:notesMaster>
 </file>
 
+<file path=ppt/notesSlides/notesSlide1.xml><?xml version="1.0" encoding="utf-8"?>
+<p:notes xmlns:a="http://schemas.openxmlformats.org/drawingml/2006/main" xmlns:r="http://schemas.openxmlformats.org/officeDocument/2006/relationships" xmlns:p="http://schemas.openxmlformats.org/presentationml/2006/main">
+  <p:cSld>
+    <p:spTree>
+      <p:nvGrpSpPr>
+        <p:cNvPr id="1" name=""/>
+        <p:cNvGrpSpPr/>
+        <p:nvPr/>
+      </p:nvGrpSpPr>
+      <p:grpSpPr>
+        <a:xfrm>
+          <a:off x="0" y="0"/>
+          <a:ext cx="0" cy="0"/>
+          <a:chOff x="0" y="0"/>
+          <a:chExt cx="0" cy="0"/>
+        </a:xfrm>
+      </p:grpSpPr>
+      <p:sp>
+        <p:nvSpPr>
+          <p:cNvPr id="2" name="幻灯片图像占位符 1"/>
+          <p:cNvSpPr>
+            <a:spLocks noGrp="1" noRot="1" noChangeAspect="1"/>
+          </p:cNvSpPr>
+          <p:nvPr>
+            <p:ph type="sldImg"/>
+          </p:nvPr>
+        </p:nvSpPr>
+        <p:spPr/>
+      </p:sp>
+      <p:sp>
+        <p:nvSpPr>
+          <p:cNvPr id="3" name="备注占位符 2"/>
+          <p:cNvSpPr>
+            <a:spLocks noGrp="1"/>
+          </p:cNvSpPr>
+          <p:nvPr>
+            <p:ph type="body" idx="1"/>
+          </p:nvPr>
+        </p:nvSpPr>
+        <p:spPr/>
+        <p:txBody>
+          <a:bodyPr/>
+          <a:lstStyle/>
+          <a:p>
+            <a:endParaRPr lang="fr-CA" dirty="0"/>
+          </a:p>
+        </p:txBody>
+      </p:sp>
+      <p:sp>
+        <p:nvSpPr>
+          <p:cNvPr id="4" name="灯片编号占位符 3"/>
+          <p:cNvSpPr>
+            <a:spLocks noGrp="1"/>
+          </p:cNvSpPr>
+          <p:nvPr>
+            <p:ph type="sldNum" sz="quarter" idx="5"/>
+          </p:nvPr>
+        </p:nvSpPr>
+        <p:spPr/>
+        <p:txBody>
+          <a:bodyPr/>
+          <a:lstStyle/>
+          <a:p>
+            <a:fld id="{2C553ADB-DCF5-4083-B0C6-071B2F503C37}" type="slidenum">
+              <a:rPr lang="fr-CA" smtClean="0"/>
+              <a:t>2</a:t>
+            </a:fld>
+            <a:endParaRPr lang="fr-CA"/>
+          </a:p>
+        </p:txBody>
+      </p:sp>
+    </p:spTree>
+    <p:extLst>
+      <p:ext uri="{BB962C8B-B14F-4D97-AF65-F5344CB8AC3E}">
+        <p14:creationId xmlns:p14="http://schemas.microsoft.com/office/powerpoint/2010/main" val="243846154"/>
+      </p:ext>
+    </p:extLst>
+  </p:cSld>
+  <p:clrMapOvr>
+    <a:masterClrMapping/>
+  </p:clrMapOvr>
+</p:notes>
+</file>
+
+<file path=ppt/notesSlides/notesSlide2.xml><?xml version="1.0" encoding="utf-8"?>
+<p:notes xmlns:a="http://schemas.openxmlformats.org/drawingml/2006/main" xmlns:r="http://schemas.openxmlformats.org/officeDocument/2006/relationships" xmlns:p="http://schemas.openxmlformats.org/presentationml/2006/main">
+  <p:cSld>
+    <p:spTree>
+      <p:nvGrpSpPr>
+        <p:cNvPr id="1" name=""/>
+        <p:cNvGrpSpPr/>
+        <p:nvPr/>
+      </p:nvGrpSpPr>
+      <p:grpSpPr>
+        <a:xfrm>
+          <a:off x="0" y="0"/>
+          <a:ext cx="0" cy="0"/>
+          <a:chOff x="0" y="0"/>
+          <a:chExt cx="0" cy="0"/>
+        </a:xfrm>
+      </p:grpSpPr>
+      <p:sp>
+        <p:nvSpPr>
+          <p:cNvPr id="2" name="幻灯片图像占位符 1"/>
+          <p:cNvSpPr>
+            <a:spLocks noGrp="1" noRot="1" noChangeAspect="1"/>
+          </p:cNvSpPr>
+          <p:nvPr>
+            <p:ph type="sldImg"/>
+          </p:nvPr>
+        </p:nvSpPr>
+        <p:spPr/>
+      </p:sp>
+      <p:sp>
+        <p:nvSpPr>
+          <p:cNvPr id="3" name="备注占位符 2"/>
+          <p:cNvSpPr>
+            <a:spLocks noGrp="1"/>
+          </p:cNvSpPr>
+          <p:nvPr>
+            <p:ph type="body" idx="1"/>
+          </p:nvPr>
+        </p:nvSpPr>
+        <p:spPr/>
+        <p:txBody>
+          <a:bodyPr/>
+          <a:lstStyle/>
+          <a:p>
+            <a:r>
+              <a:rPr lang="fr-CA" dirty="0"/>
+              <a:t>CIR calibration and padding</a:t>
+            </a:r>
+          </a:p>
+        </p:txBody>
+      </p:sp>
+      <p:sp>
+        <p:nvSpPr>
+          <p:cNvPr id="4" name="灯片编号占位符 3"/>
+          <p:cNvSpPr>
+            <a:spLocks noGrp="1"/>
+          </p:cNvSpPr>
+          <p:nvPr>
+            <p:ph type="sldNum" sz="quarter" idx="5"/>
+          </p:nvPr>
+        </p:nvSpPr>
+        <p:spPr/>
+        <p:txBody>
+          <a:bodyPr/>
+          <a:lstStyle/>
+          <a:p>
+            <a:fld id="{2C553ADB-DCF5-4083-B0C6-071B2F503C37}" type="slidenum">
+              <a:rPr lang="fr-CA" smtClean="0"/>
+              <a:t>3</a:t>
+            </a:fld>
+            <a:endParaRPr lang="fr-CA"/>
+          </a:p>
+        </p:txBody>
+      </p:sp>
+    </p:spTree>
+    <p:extLst>
+      <p:ext uri="{BB962C8B-B14F-4D97-AF65-F5344CB8AC3E}">
+        <p14:creationId xmlns:p14="http://schemas.microsoft.com/office/powerpoint/2010/main" val="3319287101"/>
+      </p:ext>
+    </p:extLst>
+  </p:cSld>
+  <p:clrMapOvr>
+    <a:masterClrMapping/>
+  </p:clrMapOvr>
+</p:notes>
+</file>
+
 <file path=ppt/slideLayouts/slideLayout1.xml><?xml version="1.0" encoding="utf-8"?>
 <p:sldLayout xmlns:a="http://schemas.openxmlformats.org/drawingml/2006/main" xmlns:r="http://schemas.openxmlformats.org/officeDocument/2006/relationships" xmlns:p="http://schemas.openxmlformats.org/presentationml/2006/main" type="title" preserve="1">
   <p:cSld name="标题幻灯片">
@@ -640,7 +812,7 @@
           <a:p>
             <a:fld id="{5890D0D9-284D-414C-A308-03C9872EF452}" type="datetimeFigureOut">
               <a:rPr lang="fr-CA" smtClean="0"/>
-              <a:t>2022-10-14</a:t>
+              <a:t>2022-10-31</a:t>
             </a:fld>
             <a:endParaRPr lang="fr-CA"/>
           </a:p>
@@ -840,7 +1012,7 @@
           <a:p>
             <a:fld id="{5890D0D9-284D-414C-A308-03C9872EF452}" type="datetimeFigureOut">
               <a:rPr lang="fr-CA" smtClean="0"/>
-              <a:t>2022-10-14</a:t>
+              <a:t>2022-10-31</a:t>
             </a:fld>
             <a:endParaRPr lang="fr-CA"/>
           </a:p>
@@ -1050,7 +1222,7 @@
           <a:p>
             <a:fld id="{5890D0D9-284D-414C-A308-03C9872EF452}" type="datetimeFigureOut">
               <a:rPr lang="fr-CA" smtClean="0"/>
-              <a:t>2022-10-14</a:t>
+              <a:t>2022-10-31</a:t>
             </a:fld>
             <a:endParaRPr lang="fr-CA"/>
           </a:p>
@@ -1250,7 +1422,7 @@
           <a:p>
             <a:fld id="{5890D0D9-284D-414C-A308-03C9872EF452}" type="datetimeFigureOut">
               <a:rPr lang="fr-CA" smtClean="0"/>
-              <a:t>2022-10-14</a:t>
+              <a:t>2022-10-31</a:t>
             </a:fld>
             <a:endParaRPr lang="fr-CA"/>
           </a:p>
@@ -1526,7 +1698,7 @@
           <a:p>
             <a:fld id="{5890D0D9-284D-414C-A308-03C9872EF452}" type="datetimeFigureOut">
               <a:rPr lang="fr-CA" smtClean="0"/>
-              <a:t>2022-10-14</a:t>
+              <a:t>2022-10-31</a:t>
             </a:fld>
             <a:endParaRPr lang="fr-CA"/>
           </a:p>
@@ -1794,7 +1966,7 @@
           <a:p>
             <a:fld id="{5890D0D9-284D-414C-A308-03C9872EF452}" type="datetimeFigureOut">
               <a:rPr lang="fr-CA" smtClean="0"/>
-              <a:t>2022-10-14</a:t>
+              <a:t>2022-10-31</a:t>
             </a:fld>
             <a:endParaRPr lang="fr-CA"/>
           </a:p>
@@ -2209,7 +2381,7 @@
           <a:p>
             <a:fld id="{5890D0D9-284D-414C-A308-03C9872EF452}" type="datetimeFigureOut">
               <a:rPr lang="fr-CA" smtClean="0"/>
-              <a:t>2022-10-14</a:t>
+              <a:t>2022-10-31</a:t>
             </a:fld>
             <a:endParaRPr lang="fr-CA"/>
           </a:p>
@@ -2351,7 +2523,7 @@
           <a:p>
             <a:fld id="{5890D0D9-284D-414C-A308-03C9872EF452}" type="datetimeFigureOut">
               <a:rPr lang="fr-CA" smtClean="0"/>
-              <a:t>2022-10-14</a:t>
+              <a:t>2022-10-31</a:t>
             </a:fld>
             <a:endParaRPr lang="fr-CA"/>
           </a:p>
@@ -2464,7 +2636,7 @@
           <a:p>
             <a:fld id="{5890D0D9-284D-414C-A308-03C9872EF452}" type="datetimeFigureOut">
               <a:rPr lang="fr-CA" smtClean="0"/>
-              <a:t>2022-10-14</a:t>
+              <a:t>2022-10-31</a:t>
             </a:fld>
             <a:endParaRPr lang="fr-CA"/>
           </a:p>
@@ -2777,7 +2949,7 @@
           <a:p>
             <a:fld id="{5890D0D9-284D-414C-A308-03C9872EF452}" type="datetimeFigureOut">
               <a:rPr lang="fr-CA" smtClean="0"/>
-              <a:t>2022-10-14</a:t>
+              <a:t>2022-10-31</a:t>
             </a:fld>
             <a:endParaRPr lang="fr-CA"/>
           </a:p>
@@ -3066,7 +3238,7 @@
           <a:p>
             <a:fld id="{5890D0D9-284D-414C-A308-03C9872EF452}" type="datetimeFigureOut">
               <a:rPr lang="fr-CA" smtClean="0"/>
-              <a:t>2022-10-14</a:t>
+              <a:t>2022-10-31</a:t>
             </a:fld>
             <a:endParaRPr lang="fr-CA"/>
           </a:p>
@@ -3309,7 +3481,7 @@
           <a:p>
             <a:fld id="{5890D0D9-284D-414C-A308-03C9872EF452}" type="datetimeFigureOut">
               <a:rPr lang="fr-CA" smtClean="0"/>
-              <a:t>2022-10-14</a:t>
+              <a:t>2022-10-31</a:t>
             </a:fld>
             <a:endParaRPr lang="fr-CA"/>
           </a:p>
@@ -4312,6 +4484,66 @@
       </p:grpSpPr>
       <p:pic>
         <p:nvPicPr>
+          <p:cNvPr id="4" name="图片 3">
+            <a:extLst>
+              <a:ext uri="{FF2B5EF4-FFF2-40B4-BE49-F238E27FC236}">
+                <a16:creationId xmlns:a16="http://schemas.microsoft.com/office/drawing/2014/main" id="{1D2A8960-D7FE-1217-5BDC-9728CC3F6971}"/>
+              </a:ext>
+            </a:extLst>
+          </p:cNvPr>
+          <p:cNvPicPr>
+            <a:picLocks noChangeAspect="1"/>
+          </p:cNvPicPr>
+          <p:nvPr/>
+        </p:nvPicPr>
+        <p:blipFill>
+          <a:blip r:embed="rId2"/>
+          <a:stretch>
+            <a:fillRect/>
+          </a:stretch>
+        </p:blipFill>
+        <p:spPr>
+          <a:xfrm>
+            <a:off x="1585912" y="1128712"/>
+            <a:ext cx="9020175" cy="4600575"/>
+          </a:xfrm>
+          <a:prstGeom prst="rect">
+            <a:avLst/>
+          </a:prstGeom>
+        </p:spPr>
+      </p:pic>
+    </p:spTree>
+    <p:extLst>
+      <p:ext uri="{BB962C8B-B14F-4D97-AF65-F5344CB8AC3E}">
+        <p14:creationId xmlns:p14="http://schemas.microsoft.com/office/powerpoint/2010/main" val="2005775447"/>
+      </p:ext>
+    </p:extLst>
+  </p:cSld>
+  <p:clrMapOvr>
+    <a:masterClrMapping/>
+  </p:clrMapOvr>
+</p:sld>
+</file>
+
+<file path=ppt/slides/slide11.xml><?xml version="1.0" encoding="utf-8"?>
+<p:sld xmlns:a="http://schemas.openxmlformats.org/drawingml/2006/main" xmlns:r="http://schemas.openxmlformats.org/officeDocument/2006/relationships" xmlns:p="http://schemas.openxmlformats.org/presentationml/2006/main">
+  <p:cSld>
+    <p:spTree>
+      <p:nvGrpSpPr>
+        <p:cNvPr id="1" name=""/>
+        <p:cNvGrpSpPr/>
+        <p:nvPr/>
+      </p:nvGrpSpPr>
+      <p:grpSpPr>
+        <a:xfrm>
+          <a:off x="0" y="0"/>
+          <a:ext cx="0" cy="0"/>
+          <a:chOff x="0" y="0"/>
+          <a:chExt cx="0" cy="0"/>
+        </a:xfrm>
+      </p:grpSpPr>
+      <p:pic>
+        <p:nvPicPr>
           <p:cNvPr id="3" name="图片 2">
             <a:extLst>
               <a:ext uri="{FF2B5EF4-FFF2-40B4-BE49-F238E27FC236}">
@@ -4390,7 +4622,7 @@
 </p:sld>
 </file>
 
-<file path=ppt/slides/slide11.xml><?xml version="1.0" encoding="utf-8"?>
+<file path=ppt/slides/slide12.xml><?xml version="1.0" encoding="utf-8"?>
 <p:sld xmlns:a="http://schemas.openxmlformats.org/drawingml/2006/main" xmlns:r="http://schemas.openxmlformats.org/officeDocument/2006/relationships" xmlns:p="http://schemas.openxmlformats.org/presentationml/2006/main">
   <p:cSld>
     <p:spTree>
@@ -4620,7 +4852,7 @@
 </p:sld>
 </file>
 
-<file path=ppt/slides/slide12.xml><?xml version="1.0" encoding="utf-8"?>
+<file path=ppt/slides/slide13.xml><?xml version="1.0" encoding="utf-8"?>
 <p:sld xmlns:a="http://schemas.openxmlformats.org/drawingml/2006/main" xmlns:r="http://schemas.openxmlformats.org/officeDocument/2006/relationships" xmlns:p="http://schemas.openxmlformats.org/presentationml/2006/main">
   <p:cSld>
     <p:spTree>
@@ -4827,7 +5059,7 @@
 </p:sld>
 </file>
 
-<file path=ppt/slides/slide13.xml><?xml version="1.0" encoding="utf-8"?>
+<file path=ppt/slides/slide14.xml><?xml version="1.0" encoding="utf-8"?>
 <p:sld xmlns:a="http://schemas.openxmlformats.org/drawingml/2006/main" xmlns:r="http://schemas.openxmlformats.org/officeDocument/2006/relationships" xmlns:p="http://schemas.openxmlformats.org/presentationml/2006/main">
   <p:cSld>
     <p:spTree>
@@ -5034,7 +5266,7 @@
 </p:sld>
 </file>
 
-<file path=ppt/slides/slide14.xml><?xml version="1.0" encoding="utf-8"?>
+<file path=ppt/slides/slide15.xml><?xml version="1.0" encoding="utf-8"?>
 <p:sld xmlns:a="http://schemas.openxmlformats.org/drawingml/2006/main" xmlns:r="http://schemas.openxmlformats.org/officeDocument/2006/relationships" xmlns:p="http://schemas.openxmlformats.org/presentationml/2006/main">
   <p:cSld>
     <p:spTree>
@@ -5094,7 +5326,7 @@
 </p:sld>
 </file>
 
-<file path=ppt/slides/slide15.xml><?xml version="1.0" encoding="utf-8"?>
+<file path=ppt/slides/slide16.xml><?xml version="1.0" encoding="utf-8"?>
 <p:sld xmlns:a="http://schemas.openxmlformats.org/drawingml/2006/main" xmlns:r="http://schemas.openxmlformats.org/officeDocument/2006/relationships" xmlns:p="http://schemas.openxmlformats.org/presentationml/2006/main">
   <p:cSld>
     <p:spTree>
@@ -5154,7 +5386,7 @@
 </p:sld>
 </file>
 
-<file path=ppt/slides/slide16.xml><?xml version="1.0" encoding="utf-8"?>
+<file path=ppt/slides/slide17.xml><?xml version="1.0" encoding="utf-8"?>
 <p:sld xmlns:a="http://schemas.openxmlformats.org/drawingml/2006/main" xmlns:r="http://schemas.openxmlformats.org/officeDocument/2006/relationships" xmlns:p="http://schemas.openxmlformats.org/presentationml/2006/main">
   <p:cSld>
     <p:spTree>
@@ -5242,7 +5474,7 @@
 </p:sld>
 </file>
 
-<file path=ppt/slides/slide17.xml><?xml version="1.0" encoding="utf-8"?>
+<file path=ppt/slides/slide18.xml><?xml version="1.0" encoding="utf-8"?>
 <p:sld xmlns:a="http://schemas.openxmlformats.org/drawingml/2006/main" xmlns:r="http://schemas.openxmlformats.org/officeDocument/2006/relationships" xmlns:p="http://schemas.openxmlformats.org/presentationml/2006/main">
   <p:cSld>
     <p:spTree>
@@ -5327,7 +5559,7 @@
 </p:sld>
 </file>
 
-<file path=ppt/slides/slide18.xml><?xml version="1.0" encoding="utf-8"?>
+<file path=ppt/slides/slide19.xml><?xml version="1.0" encoding="utf-8"?>
 <p:sld xmlns:a="http://schemas.openxmlformats.org/drawingml/2006/main" xmlns:r="http://schemas.openxmlformats.org/officeDocument/2006/relationships" xmlns:p="http://schemas.openxmlformats.org/presentationml/2006/main">
   <p:cSld>
     <p:spTree>
@@ -5512,7 +5744,147 @@
 </p:sld>
 </file>
 
-<file path=ppt/slides/slide19.xml><?xml version="1.0" encoding="utf-8"?>
+<file path=ppt/slides/slide2.xml><?xml version="1.0" encoding="utf-8"?>
+<p:sld xmlns:a="http://schemas.openxmlformats.org/drawingml/2006/main" xmlns:r="http://schemas.openxmlformats.org/officeDocument/2006/relationships" xmlns:p="http://schemas.openxmlformats.org/presentationml/2006/main">
+  <p:cSld>
+    <p:spTree>
+      <p:nvGrpSpPr>
+        <p:cNvPr id="1" name=""/>
+        <p:cNvGrpSpPr/>
+        <p:nvPr/>
+      </p:nvGrpSpPr>
+      <p:grpSpPr>
+        <a:xfrm>
+          <a:off x="0" y="0"/>
+          <a:ext cx="0" cy="0"/>
+          <a:chOff x="0" y="0"/>
+          <a:chExt cx="0" cy="0"/>
+        </a:xfrm>
+      </p:grpSpPr>
+      <p:sp>
+        <p:nvSpPr>
+          <p:cNvPr id="2" name="标题 1">
+            <a:extLst>
+              <a:ext uri="{FF2B5EF4-FFF2-40B4-BE49-F238E27FC236}">
+                <a16:creationId xmlns:a16="http://schemas.microsoft.com/office/drawing/2014/main" id="{4D6503F8-150D-960B-6FD1-62CD66C96E98}"/>
+              </a:ext>
+            </a:extLst>
+          </p:cNvPr>
+          <p:cNvSpPr>
+            <a:spLocks noGrp="1"/>
+          </p:cNvSpPr>
+          <p:nvPr>
+            <p:ph type="title"/>
+          </p:nvPr>
+        </p:nvSpPr>
+        <p:spPr/>
+        <p:txBody>
+          <a:bodyPr/>
+          <a:lstStyle/>
+          <a:p>
+            <a:r>
+              <a:rPr lang="fr-CA" dirty="0"/>
+              <a:t>S</a:t>
+            </a:r>
+            <a:r>
+              <a:rPr lang="en-US" altLang="zh-CN" dirty="0" err="1"/>
+              <a:t>imulation</a:t>
+            </a:r>
+            <a:r>
+              <a:rPr lang="en-US" altLang="zh-CN" dirty="0"/>
+              <a:t> setup</a:t>
+            </a:r>
+            <a:endParaRPr lang="fr-CA" dirty="0"/>
+          </a:p>
+        </p:txBody>
+      </p:sp>
+      <p:sp>
+        <p:nvSpPr>
+          <p:cNvPr id="3" name="内容占位符 2">
+            <a:extLst>
+              <a:ext uri="{FF2B5EF4-FFF2-40B4-BE49-F238E27FC236}">
+                <a16:creationId xmlns:a16="http://schemas.microsoft.com/office/drawing/2014/main" id="{D64DAB2D-47E7-A775-246B-DA4C648A60C7}"/>
+              </a:ext>
+            </a:extLst>
+          </p:cNvPr>
+          <p:cNvSpPr>
+            <a:spLocks noGrp="1"/>
+          </p:cNvSpPr>
+          <p:nvPr>
+            <p:ph idx="1"/>
+          </p:nvPr>
+        </p:nvSpPr>
+        <p:spPr/>
+        <p:txBody>
+          <a:bodyPr/>
+          <a:lstStyle/>
+          <a:p>
+            <a:r>
+              <a:rPr lang="fr-CA" dirty="0"/>
+              <a:t>Synchronized transmitters and receivers (time of travel is known)</a:t>
+            </a:r>
+          </a:p>
+          <a:p>
+            <a:r>
+              <a:rPr lang="fr-CA" dirty="0"/>
+              <a:t>Max reflections: 5</a:t>
+            </a:r>
+          </a:p>
+          <a:p>
+            <a:r>
+              <a:rPr lang="fr-CA" dirty="0"/>
+              <a:t>Transmit condition: urban...</a:t>
+            </a:r>
+          </a:p>
+          <a:p>
+            <a:r>
+              <a:rPr lang="fr-CA" dirty="0"/>
+              <a:t>Distance between sample points: c/f</a:t>
+            </a:r>
+          </a:p>
+          <a:p>
+            <a:r>
+              <a:rPr lang="fr-CA" dirty="0"/>
+              <a:t>Over-determined system</a:t>
+            </a:r>
+          </a:p>
+          <a:p>
+            <a:r>
+              <a:rPr lang="fr-CA" dirty="0"/>
+              <a:t>Fixed transmitters and receivers</a:t>
+            </a:r>
+          </a:p>
+          <a:p>
+            <a:r>
+              <a:rPr lang="fr-CA" dirty="0"/>
+              <a:t>F</a:t>
+            </a:r>
+            <a:r>
+              <a:rPr lang="en-US" altLang="zh-CN" dirty="0" err="1"/>
+              <a:t>requence</a:t>
+            </a:r>
+            <a:r>
+              <a:rPr lang="en-US" altLang="zh-CN"/>
+              <a:t>: 10-9</a:t>
+            </a:r>
+            <a:endParaRPr lang="fr-CA" dirty="0"/>
+          </a:p>
+        </p:txBody>
+      </p:sp>
+    </p:spTree>
+    <p:extLst>
+      <p:ext uri="{BB962C8B-B14F-4D97-AF65-F5344CB8AC3E}">
+        <p14:creationId xmlns:p14="http://schemas.microsoft.com/office/powerpoint/2010/main" val="2813955283"/>
+      </p:ext>
+    </p:extLst>
+  </p:cSld>
+  <p:clrMapOvr>
+    <a:masterClrMapping/>
+  </p:clrMapOvr>
+</p:sld>
+</file>
+
+<file path=ppt/slides/slide20.xml><?xml version="1.0" encoding="utf-8"?>
 <p:sld xmlns:a="http://schemas.openxmlformats.org/drawingml/2006/main" xmlns:r="http://schemas.openxmlformats.org/officeDocument/2006/relationships" xmlns:p="http://schemas.openxmlformats.org/presentationml/2006/main">
   <p:cSld>
     <p:spTree>
@@ -5662,7 +6034,1055 @@
 </p:sld>
 </file>
 
-<file path=ppt/slides/slide2.xml><?xml version="1.0" encoding="utf-8"?>
+<file path=ppt/slides/slide21.xml><?xml version="1.0" encoding="utf-8"?>
+<p:sld xmlns:a="http://schemas.openxmlformats.org/drawingml/2006/main" xmlns:r="http://schemas.openxmlformats.org/officeDocument/2006/relationships" xmlns:p="http://schemas.openxmlformats.org/presentationml/2006/main">
+  <p:cSld>
+    <p:spTree>
+      <p:nvGrpSpPr>
+        <p:cNvPr id="1" name=""/>
+        <p:cNvGrpSpPr/>
+        <p:nvPr/>
+      </p:nvGrpSpPr>
+      <p:grpSpPr>
+        <a:xfrm>
+          <a:off x="0" y="0"/>
+          <a:ext cx="0" cy="0"/>
+          <a:chOff x="0" y="0"/>
+          <a:chExt cx="0" cy="0"/>
+        </a:xfrm>
+      </p:grpSpPr>
+      <p:pic>
+        <p:nvPicPr>
+          <p:cNvPr id="6" name="图片 5">
+            <a:extLst>
+              <a:ext uri="{FF2B5EF4-FFF2-40B4-BE49-F238E27FC236}">
+                <a16:creationId xmlns:a16="http://schemas.microsoft.com/office/drawing/2014/main" id="{7AE46F71-AA6B-2ED2-A705-D060A5424E7C}"/>
+              </a:ext>
+            </a:extLst>
+          </p:cNvPr>
+          <p:cNvPicPr>
+            <a:picLocks noChangeAspect="1"/>
+          </p:cNvPicPr>
+          <p:nvPr/>
+        </p:nvPicPr>
+        <p:blipFill>
+          <a:blip r:embed="rId2"/>
+          <a:stretch>
+            <a:fillRect/>
+          </a:stretch>
+        </p:blipFill>
+        <p:spPr>
+          <a:xfrm>
+            <a:off x="2247364" y="917315"/>
+            <a:ext cx="7172794" cy="5486168"/>
+          </a:xfrm>
+          <a:prstGeom prst="rect">
+            <a:avLst/>
+          </a:prstGeom>
+        </p:spPr>
+      </p:pic>
+    </p:spTree>
+    <p:extLst>
+      <p:ext uri="{BB962C8B-B14F-4D97-AF65-F5344CB8AC3E}">
+        <p14:creationId xmlns:p14="http://schemas.microsoft.com/office/powerpoint/2010/main" val="714291204"/>
+      </p:ext>
+    </p:extLst>
+  </p:cSld>
+  <p:clrMapOvr>
+    <a:masterClrMapping/>
+  </p:clrMapOvr>
+</p:sld>
+</file>
+
+<file path=ppt/slides/slide22.xml><?xml version="1.0" encoding="utf-8"?>
+<p:sld xmlns:a="http://schemas.openxmlformats.org/drawingml/2006/main" xmlns:r="http://schemas.openxmlformats.org/officeDocument/2006/relationships" xmlns:p="http://schemas.openxmlformats.org/presentationml/2006/main">
+  <p:cSld>
+    <p:spTree>
+      <p:nvGrpSpPr>
+        <p:cNvPr id="1" name=""/>
+        <p:cNvGrpSpPr/>
+        <p:nvPr/>
+      </p:nvGrpSpPr>
+      <p:grpSpPr>
+        <a:xfrm>
+          <a:off x="0" y="0"/>
+          <a:ext cx="0" cy="0"/>
+          <a:chOff x="0" y="0"/>
+          <a:chExt cx="0" cy="0"/>
+        </a:xfrm>
+      </p:grpSpPr>
+      <p:pic>
+        <p:nvPicPr>
+          <p:cNvPr id="8" name="图片 7">
+            <a:extLst>
+              <a:ext uri="{FF2B5EF4-FFF2-40B4-BE49-F238E27FC236}">
+                <a16:creationId xmlns:a16="http://schemas.microsoft.com/office/drawing/2014/main" id="{F5E18021-CD03-E7AA-3918-F9FBE0238B06}"/>
+              </a:ext>
+            </a:extLst>
+          </p:cNvPr>
+          <p:cNvPicPr>
+            <a:picLocks noChangeAspect="1"/>
+          </p:cNvPicPr>
+          <p:nvPr/>
+        </p:nvPicPr>
+        <p:blipFill>
+          <a:blip r:embed="rId2"/>
+          <a:stretch>
+            <a:fillRect/>
+          </a:stretch>
+        </p:blipFill>
+        <p:spPr>
+          <a:xfrm>
+            <a:off x="2839792" y="1662036"/>
+            <a:ext cx="6111964" cy="3926858"/>
+          </a:xfrm>
+          <a:prstGeom prst="rect">
+            <a:avLst/>
+          </a:prstGeom>
+        </p:spPr>
+      </p:pic>
+    </p:spTree>
+    <p:extLst>
+      <p:ext uri="{BB962C8B-B14F-4D97-AF65-F5344CB8AC3E}">
+        <p14:creationId xmlns:p14="http://schemas.microsoft.com/office/powerpoint/2010/main" val="192567146"/>
+      </p:ext>
+    </p:extLst>
+  </p:cSld>
+  <p:clrMapOvr>
+    <a:masterClrMapping/>
+  </p:clrMapOvr>
+</p:sld>
+</file>
+
+<file path=ppt/slides/slide23.xml><?xml version="1.0" encoding="utf-8"?>
+<p:sld xmlns:a="http://schemas.openxmlformats.org/drawingml/2006/main" xmlns:r="http://schemas.openxmlformats.org/officeDocument/2006/relationships" xmlns:p="http://schemas.openxmlformats.org/presentationml/2006/main">
+  <p:cSld>
+    <p:spTree>
+      <p:nvGrpSpPr>
+        <p:cNvPr id="1" name=""/>
+        <p:cNvGrpSpPr/>
+        <p:nvPr/>
+      </p:nvGrpSpPr>
+      <p:grpSpPr>
+        <a:xfrm>
+          <a:off x="0" y="0"/>
+          <a:ext cx="0" cy="0"/>
+          <a:chOff x="0" y="0"/>
+          <a:chExt cx="0" cy="0"/>
+        </a:xfrm>
+      </p:grpSpPr>
+      <p:pic>
+        <p:nvPicPr>
+          <p:cNvPr id="2" name="图片 1">
+            <a:extLst>
+              <a:ext uri="{FF2B5EF4-FFF2-40B4-BE49-F238E27FC236}">
+                <a16:creationId xmlns:a16="http://schemas.microsoft.com/office/drawing/2014/main" id="{88BD6629-759E-35D1-676D-797CD4FAA810}"/>
+              </a:ext>
+            </a:extLst>
+          </p:cNvPr>
+          <p:cNvPicPr>
+            <a:picLocks noChangeAspect="1"/>
+          </p:cNvPicPr>
+          <p:nvPr/>
+        </p:nvPicPr>
+        <p:blipFill>
+          <a:blip r:embed="rId2"/>
+          <a:stretch>
+            <a:fillRect/>
+          </a:stretch>
+        </p:blipFill>
+        <p:spPr>
+          <a:xfrm>
+            <a:off x="2464471" y="-6439"/>
+            <a:ext cx="7237301" cy="6858000"/>
+          </a:xfrm>
+          <a:prstGeom prst="rect">
+            <a:avLst/>
+          </a:prstGeom>
+        </p:spPr>
+      </p:pic>
+      <p:pic>
+        <p:nvPicPr>
+          <p:cNvPr id="4" name="图片 3">
+            <a:extLst>
+              <a:ext uri="{FF2B5EF4-FFF2-40B4-BE49-F238E27FC236}">
+                <a16:creationId xmlns:a16="http://schemas.microsoft.com/office/drawing/2014/main" id="{721F92C0-E5EC-174A-3740-ECAFE4B49B80}"/>
+              </a:ext>
+            </a:extLst>
+          </p:cNvPr>
+          <p:cNvPicPr>
+            <a:picLocks noChangeAspect="1"/>
+          </p:cNvPicPr>
+          <p:nvPr/>
+        </p:nvPicPr>
+        <p:blipFill>
+          <a:blip r:embed="rId3"/>
+          <a:stretch>
+            <a:fillRect/>
+          </a:stretch>
+        </p:blipFill>
+        <p:spPr>
+          <a:xfrm>
+            <a:off x="349313" y="2860525"/>
+            <a:ext cx="1962445" cy="844205"/>
+          </a:xfrm>
+          <a:prstGeom prst="rect">
+            <a:avLst/>
+          </a:prstGeom>
+        </p:spPr>
+      </p:pic>
+      <p:sp>
+        <p:nvSpPr>
+          <p:cNvPr id="3" name="文本框 2">
+            <a:extLst>
+              <a:ext uri="{FF2B5EF4-FFF2-40B4-BE49-F238E27FC236}">
+                <a16:creationId xmlns:a16="http://schemas.microsoft.com/office/drawing/2014/main" id="{81A46030-76F7-EF1D-A680-9F8670125A52}"/>
+              </a:ext>
+            </a:extLst>
+          </p:cNvPr>
+          <p:cNvSpPr txBox="1"/>
+          <p:nvPr/>
+        </p:nvSpPr>
+        <p:spPr>
+          <a:xfrm>
+            <a:off x="721217" y="746975"/>
+            <a:ext cx="1860998" cy="646331"/>
+          </a:xfrm>
+          <a:prstGeom prst="rect">
+            <a:avLst/>
+          </a:prstGeom>
+          <a:noFill/>
+        </p:spPr>
+        <p:txBody>
+          <a:bodyPr wrap="square" rtlCol="0">
+            <a:spAutoFit/>
+          </a:bodyPr>
+          <a:lstStyle/>
+          <a:p>
+            <a:r>
+              <a:rPr lang="fr-CA" dirty="0">
+                <a:latin typeface="Times New Roman" panose="02020603050405020304" pitchFamily="18" charset="0"/>
+                <a:cs typeface="Times New Roman" panose="02020603050405020304" pitchFamily="18" charset="0"/>
+              </a:rPr>
+              <a:t>R</a:t>
+            </a:r>
+            <a:r>
+              <a:rPr lang="en-US" altLang="zh-CN" dirty="0" err="1">
+                <a:latin typeface="Times New Roman" panose="02020603050405020304" pitchFamily="18" charset="0"/>
+                <a:cs typeface="Times New Roman" panose="02020603050405020304" pitchFamily="18" charset="0"/>
+              </a:rPr>
+              <a:t>esult</a:t>
+            </a:r>
+            <a:r>
+              <a:rPr lang="en-US" altLang="zh-CN" dirty="0">
+                <a:latin typeface="Times New Roman" panose="02020603050405020304" pitchFamily="18" charset="0"/>
+                <a:cs typeface="Times New Roman" panose="02020603050405020304" pitchFamily="18" charset="0"/>
+              </a:rPr>
+              <a:t> based on London map</a:t>
+            </a:r>
+            <a:endParaRPr lang="fr-CA" dirty="0">
+              <a:latin typeface="Times New Roman" panose="02020603050405020304" pitchFamily="18" charset="0"/>
+              <a:cs typeface="Times New Roman" panose="02020603050405020304" pitchFamily="18" charset="0"/>
+            </a:endParaRPr>
+          </a:p>
+        </p:txBody>
+      </p:sp>
+    </p:spTree>
+    <p:extLst>
+      <p:ext uri="{BB962C8B-B14F-4D97-AF65-F5344CB8AC3E}">
+        <p14:creationId xmlns:p14="http://schemas.microsoft.com/office/powerpoint/2010/main" val="2861390289"/>
+      </p:ext>
+    </p:extLst>
+  </p:cSld>
+  <p:clrMapOvr>
+    <a:masterClrMapping/>
+  </p:clrMapOvr>
+</p:sld>
+</file>
+
+<file path=ppt/slides/slide24.xml><?xml version="1.0" encoding="utf-8"?>
+<p:sld xmlns:a="http://schemas.openxmlformats.org/drawingml/2006/main" xmlns:r="http://schemas.openxmlformats.org/officeDocument/2006/relationships" xmlns:p="http://schemas.openxmlformats.org/presentationml/2006/main">
+  <p:cSld>
+    <p:spTree>
+      <p:nvGrpSpPr>
+        <p:cNvPr id="1" name=""/>
+        <p:cNvGrpSpPr/>
+        <p:nvPr/>
+      </p:nvGrpSpPr>
+      <p:grpSpPr>
+        <a:xfrm>
+          <a:off x="0" y="0"/>
+          <a:ext cx="0" cy="0"/>
+          <a:chOff x="0" y="0"/>
+          <a:chExt cx="0" cy="0"/>
+        </a:xfrm>
+      </p:grpSpPr>
+      <p:pic>
+        <p:nvPicPr>
+          <p:cNvPr id="3" name="图片 2">
+            <a:extLst>
+              <a:ext uri="{FF2B5EF4-FFF2-40B4-BE49-F238E27FC236}">
+                <a16:creationId xmlns:a16="http://schemas.microsoft.com/office/drawing/2014/main" id="{78ACA312-3031-C989-FD69-E322EB95D26D}"/>
+              </a:ext>
+            </a:extLst>
+          </p:cNvPr>
+          <p:cNvPicPr>
+            <a:picLocks noChangeAspect="1"/>
+          </p:cNvPicPr>
+          <p:nvPr/>
+        </p:nvPicPr>
+        <p:blipFill>
+          <a:blip r:embed="rId2"/>
+          <a:stretch>
+            <a:fillRect/>
+          </a:stretch>
+        </p:blipFill>
+        <p:spPr>
+          <a:xfrm>
+            <a:off x="2459182" y="0"/>
+            <a:ext cx="7273636" cy="6858000"/>
+          </a:xfrm>
+          <a:prstGeom prst="rect">
+            <a:avLst/>
+          </a:prstGeom>
+        </p:spPr>
+      </p:pic>
+      <p:sp>
+        <p:nvSpPr>
+          <p:cNvPr id="4" name="文本框 3">
+            <a:extLst>
+              <a:ext uri="{FF2B5EF4-FFF2-40B4-BE49-F238E27FC236}">
+                <a16:creationId xmlns:a16="http://schemas.microsoft.com/office/drawing/2014/main" id="{8A045E18-65B1-D4F0-C380-7454C2B4E2B6}"/>
+              </a:ext>
+            </a:extLst>
+          </p:cNvPr>
+          <p:cNvSpPr txBox="1"/>
+          <p:nvPr/>
+        </p:nvSpPr>
+        <p:spPr>
+          <a:xfrm>
+            <a:off x="87603" y="2997623"/>
+            <a:ext cx="3272709" cy="646331"/>
+          </a:xfrm>
+          <a:prstGeom prst="rect">
+            <a:avLst/>
+          </a:prstGeom>
+          <a:noFill/>
+        </p:spPr>
+        <p:txBody>
+          <a:bodyPr wrap="square">
+            <a:spAutoFit/>
+          </a:bodyPr>
+          <a:lstStyle/>
+          <a:p>
+            <a:r>
+              <a:rPr lang="fr-CA" altLang="zh-CN" dirty="0">
+                <a:latin typeface="Times New Roman" panose="02020603050405020304" pitchFamily="18" charset="0"/>
+                <a:cs typeface="Times New Roman" panose="02020603050405020304" pitchFamily="18" charset="0"/>
+              </a:rPr>
+              <a:t>Sampling on larger std </a:t>
+            </a:r>
+          </a:p>
+          <a:p>
+            <a:r>
+              <a:rPr lang="fr-CA" altLang="zh-CN" dirty="0">
+                <a:latin typeface="Times New Roman" panose="02020603050405020304" pitchFamily="18" charset="0"/>
+                <a:cs typeface="Times New Roman" panose="02020603050405020304" pitchFamily="18" charset="0"/>
+              </a:rPr>
+              <a:t>1</a:t>
+            </a:r>
+            <a:r>
+              <a:rPr lang="fr-CA" altLang="zh-CN" baseline="30000" dirty="0">
+                <a:latin typeface="Times New Roman" panose="02020603050405020304" pitchFamily="18" charset="0"/>
+                <a:cs typeface="Times New Roman" panose="02020603050405020304" pitchFamily="18" charset="0"/>
+              </a:rPr>
+              <a:t>e</a:t>
+            </a:r>
+            <a:r>
+              <a:rPr lang="fr-CA" altLang="zh-CN" dirty="0">
+                <a:latin typeface="Times New Roman" panose="02020603050405020304" pitchFamily="18" charset="0"/>
+                <a:cs typeface="Times New Roman" panose="02020603050405020304" pitchFamily="18" charset="0"/>
+              </a:rPr>
+              <a:t>-6</a:t>
+            </a:r>
+          </a:p>
+        </p:txBody>
+      </p:sp>
+    </p:spTree>
+    <p:extLst>
+      <p:ext uri="{BB962C8B-B14F-4D97-AF65-F5344CB8AC3E}">
+        <p14:creationId xmlns:p14="http://schemas.microsoft.com/office/powerpoint/2010/main" val="1363589320"/>
+      </p:ext>
+    </p:extLst>
+  </p:cSld>
+  <p:clrMapOvr>
+    <a:masterClrMapping/>
+  </p:clrMapOvr>
+</p:sld>
+</file>
+
+<file path=ppt/slides/slide25.xml><?xml version="1.0" encoding="utf-8"?>
+<p:sld xmlns:a="http://schemas.openxmlformats.org/drawingml/2006/main" xmlns:r="http://schemas.openxmlformats.org/officeDocument/2006/relationships" xmlns:p="http://schemas.openxmlformats.org/presentationml/2006/main">
+  <p:cSld>
+    <p:spTree>
+      <p:nvGrpSpPr>
+        <p:cNvPr id="1" name=""/>
+        <p:cNvGrpSpPr/>
+        <p:nvPr/>
+      </p:nvGrpSpPr>
+      <p:grpSpPr>
+        <a:xfrm>
+          <a:off x="0" y="0"/>
+          <a:ext cx="0" cy="0"/>
+          <a:chOff x="0" y="0"/>
+          <a:chExt cx="0" cy="0"/>
+        </a:xfrm>
+      </p:grpSpPr>
+      <p:pic>
+        <p:nvPicPr>
+          <p:cNvPr id="4" name="图片 3">
+            <a:extLst>
+              <a:ext uri="{FF2B5EF4-FFF2-40B4-BE49-F238E27FC236}">
+                <a16:creationId xmlns:a16="http://schemas.microsoft.com/office/drawing/2014/main" id="{3D22EE22-DAE0-AE0E-EADE-0986508A76DB}"/>
+              </a:ext>
+            </a:extLst>
+          </p:cNvPr>
+          <p:cNvPicPr>
+            <a:picLocks noChangeAspect="1"/>
+          </p:cNvPicPr>
+          <p:nvPr/>
+        </p:nvPicPr>
+        <p:blipFill>
+          <a:blip r:embed="rId2"/>
+          <a:stretch>
+            <a:fillRect/>
+          </a:stretch>
+        </p:blipFill>
+        <p:spPr>
+          <a:xfrm>
+            <a:off x="2458624" y="0"/>
+            <a:ext cx="7274751" cy="6858000"/>
+          </a:xfrm>
+          <a:prstGeom prst="rect">
+            <a:avLst/>
+          </a:prstGeom>
+        </p:spPr>
+      </p:pic>
+      <p:sp>
+        <p:nvSpPr>
+          <p:cNvPr id="2" name="文本框 1">
+            <a:extLst>
+              <a:ext uri="{FF2B5EF4-FFF2-40B4-BE49-F238E27FC236}">
+                <a16:creationId xmlns:a16="http://schemas.microsoft.com/office/drawing/2014/main" id="{E59AE060-78A2-9072-30FE-8E8AE474F250}"/>
+              </a:ext>
+            </a:extLst>
+          </p:cNvPr>
+          <p:cNvSpPr txBox="1"/>
+          <p:nvPr/>
+        </p:nvSpPr>
+        <p:spPr>
+          <a:xfrm>
+            <a:off x="737986" y="3660886"/>
+            <a:ext cx="3272709" cy="369332"/>
+          </a:xfrm>
+          <a:prstGeom prst="rect">
+            <a:avLst/>
+          </a:prstGeom>
+          <a:noFill/>
+        </p:spPr>
+        <p:txBody>
+          <a:bodyPr wrap="square">
+            <a:spAutoFit/>
+          </a:bodyPr>
+          <a:lstStyle/>
+          <a:p>
+            <a:r>
+              <a:rPr lang="fr-CA" altLang="zh-CN" dirty="0">
+                <a:latin typeface="Times New Roman" panose="02020603050405020304" pitchFamily="18" charset="0"/>
+                <a:cs typeface="Times New Roman" panose="02020603050405020304" pitchFamily="18" charset="0"/>
+              </a:rPr>
+              <a:t>D=tau*c0</a:t>
+            </a:r>
+          </a:p>
+        </p:txBody>
+      </p:sp>
+    </p:spTree>
+    <p:extLst>
+      <p:ext uri="{BB962C8B-B14F-4D97-AF65-F5344CB8AC3E}">
+        <p14:creationId xmlns:p14="http://schemas.microsoft.com/office/powerpoint/2010/main" val="1513030387"/>
+      </p:ext>
+    </p:extLst>
+  </p:cSld>
+  <p:clrMapOvr>
+    <a:masterClrMapping/>
+  </p:clrMapOvr>
+</p:sld>
+</file>
+
+<file path=ppt/slides/slide26.xml><?xml version="1.0" encoding="utf-8"?>
+<p:sld xmlns:a="http://schemas.openxmlformats.org/drawingml/2006/main" xmlns:r="http://schemas.openxmlformats.org/officeDocument/2006/relationships" xmlns:p="http://schemas.openxmlformats.org/presentationml/2006/main">
+  <p:cSld>
+    <p:spTree>
+      <p:nvGrpSpPr>
+        <p:cNvPr id="1" name=""/>
+        <p:cNvGrpSpPr/>
+        <p:nvPr/>
+      </p:nvGrpSpPr>
+      <p:grpSpPr>
+        <a:xfrm>
+          <a:off x="0" y="0"/>
+          <a:ext cx="0" cy="0"/>
+          <a:chOff x="0" y="0"/>
+          <a:chExt cx="0" cy="0"/>
+        </a:xfrm>
+      </p:grpSpPr>
+      <p:pic>
+        <p:nvPicPr>
+          <p:cNvPr id="5" name="图片 4">
+            <a:extLst>
+              <a:ext uri="{FF2B5EF4-FFF2-40B4-BE49-F238E27FC236}">
+                <a16:creationId xmlns:a16="http://schemas.microsoft.com/office/drawing/2014/main" id="{3A915E48-0978-FDE0-6C15-18740B233395}"/>
+              </a:ext>
+            </a:extLst>
+          </p:cNvPr>
+          <p:cNvPicPr>
+            <a:picLocks noChangeAspect="1"/>
+          </p:cNvPicPr>
+          <p:nvPr/>
+        </p:nvPicPr>
+        <p:blipFill>
+          <a:blip r:embed="rId2"/>
+          <a:stretch>
+            <a:fillRect/>
+          </a:stretch>
+        </p:blipFill>
+        <p:spPr>
+          <a:xfrm>
+            <a:off x="2455937" y="0"/>
+            <a:ext cx="7280125" cy="6858000"/>
+          </a:xfrm>
+          <a:prstGeom prst="rect">
+            <a:avLst/>
+          </a:prstGeom>
+        </p:spPr>
+      </p:pic>
+      <p:pic>
+        <p:nvPicPr>
+          <p:cNvPr id="1026" name="Picture 2">
+            <a:extLst>
+              <a:ext uri="{FF2B5EF4-FFF2-40B4-BE49-F238E27FC236}">
+                <a16:creationId xmlns:a16="http://schemas.microsoft.com/office/drawing/2014/main" id="{71BCB1EF-78A9-599A-E50A-F7FDCCA610F7}"/>
+              </a:ext>
+            </a:extLst>
+          </p:cNvPr>
+          <p:cNvPicPr>
+            <a:picLocks noChangeAspect="1" noChangeArrowheads="1"/>
+          </p:cNvPicPr>
+          <p:nvPr/>
+        </p:nvPicPr>
+        <p:blipFill>
+          <a:blip r:embed="rId3">
+            <a:extLst>
+              <a:ext uri="{28A0092B-C50C-407E-A947-70E740481C1C}">
+                <a14:useLocalDpi xmlns:a14="http://schemas.microsoft.com/office/drawing/2010/main" val="0"/>
+              </a:ext>
+            </a:extLst>
+          </a:blip>
+          <a:srcRect/>
+          <a:stretch>
+            <a:fillRect/>
+          </a:stretch>
+        </p:blipFill>
+        <p:spPr bwMode="auto">
+          <a:xfrm>
+            <a:off x="2571663" y="0"/>
+            <a:ext cx="7048671" cy="6856640"/>
+          </a:xfrm>
+          <a:prstGeom prst="rect">
+            <a:avLst/>
+          </a:prstGeom>
+          <a:noFill/>
+          <a:extLst>
+            <a:ext uri="{909E8E84-426E-40DD-AFC4-6F175D3DCCD1}">
+              <a14:hiddenFill xmlns:a14="http://schemas.microsoft.com/office/drawing/2010/main">
+                <a:solidFill>
+                  <a:srgbClr val="FFFFFF"/>
+                </a:solidFill>
+              </a14:hiddenFill>
+            </a:ext>
+          </a:extLst>
+        </p:spPr>
+      </p:pic>
+    </p:spTree>
+    <p:extLst>
+      <p:ext uri="{BB962C8B-B14F-4D97-AF65-F5344CB8AC3E}">
+        <p14:creationId xmlns:p14="http://schemas.microsoft.com/office/powerpoint/2010/main" val="1772733204"/>
+      </p:ext>
+    </p:extLst>
+  </p:cSld>
+  <p:clrMapOvr>
+    <a:masterClrMapping/>
+  </p:clrMapOvr>
+</p:sld>
+</file>
+
+<file path=ppt/slides/slide27.xml><?xml version="1.0" encoding="utf-8"?>
+<p:sld xmlns:a="http://schemas.openxmlformats.org/drawingml/2006/main" xmlns:r="http://schemas.openxmlformats.org/officeDocument/2006/relationships" xmlns:p="http://schemas.openxmlformats.org/presentationml/2006/main" show="0">
+  <p:cSld>
+    <p:spTree>
+      <p:nvGrpSpPr>
+        <p:cNvPr id="1" name=""/>
+        <p:cNvGrpSpPr/>
+        <p:nvPr/>
+      </p:nvGrpSpPr>
+      <p:grpSpPr>
+        <a:xfrm>
+          <a:off x="0" y="0"/>
+          <a:ext cx="0" cy="0"/>
+          <a:chOff x="0" y="0"/>
+          <a:chExt cx="0" cy="0"/>
+        </a:xfrm>
+      </p:grpSpPr>
+      <p:sp>
+        <p:nvSpPr>
+          <p:cNvPr id="2" name="标题 1">
+            <a:extLst>
+              <a:ext uri="{FF2B5EF4-FFF2-40B4-BE49-F238E27FC236}">
+                <a16:creationId xmlns:a16="http://schemas.microsoft.com/office/drawing/2014/main" id="{89F29298-542C-434C-7A99-A4FB69A09C79}"/>
+              </a:ext>
+            </a:extLst>
+          </p:cNvPr>
+          <p:cNvSpPr>
+            <a:spLocks noGrp="1"/>
+          </p:cNvSpPr>
+          <p:nvPr>
+            <p:ph type="title"/>
+          </p:nvPr>
+        </p:nvSpPr>
+        <p:spPr/>
+        <p:txBody>
+          <a:bodyPr/>
+          <a:lstStyle/>
+          <a:p>
+            <a:r>
+              <a:rPr lang="fr-CA" dirty="0">
+                <a:latin typeface="Times New Roman" panose="02020603050405020304" pitchFamily="18" charset="0"/>
+                <a:cs typeface="Times New Roman" panose="02020603050405020304" pitchFamily="18" charset="0"/>
+              </a:rPr>
+              <a:t>L</a:t>
+            </a:r>
+            <a:r>
+              <a:rPr lang="en-US" altLang="zh-CN" dirty="0" err="1">
+                <a:latin typeface="Times New Roman" panose="02020603050405020304" pitchFamily="18" charset="0"/>
+                <a:cs typeface="Times New Roman" panose="02020603050405020304" pitchFamily="18" charset="0"/>
+              </a:rPr>
+              <a:t>ondon</a:t>
+            </a:r>
+            <a:r>
+              <a:rPr lang="en-US" altLang="zh-CN" dirty="0">
+                <a:latin typeface="Times New Roman" panose="02020603050405020304" pitchFamily="18" charset="0"/>
+                <a:cs typeface="Times New Roman" panose="02020603050405020304" pitchFamily="18" charset="0"/>
+              </a:rPr>
+              <a:t> (Minimize propagation delay)</a:t>
+            </a:r>
+            <a:endParaRPr lang="fr-CA" dirty="0">
+              <a:latin typeface="Times New Roman" panose="02020603050405020304" pitchFamily="18" charset="0"/>
+              <a:cs typeface="Times New Roman" panose="02020603050405020304" pitchFamily="18" charset="0"/>
+            </a:endParaRPr>
+          </a:p>
+        </p:txBody>
+      </p:sp>
+      <p:pic>
+        <p:nvPicPr>
+          <p:cNvPr id="8" name="图片 7">
+            <a:extLst>
+              <a:ext uri="{FF2B5EF4-FFF2-40B4-BE49-F238E27FC236}">
+                <a16:creationId xmlns:a16="http://schemas.microsoft.com/office/drawing/2014/main" id="{ABC07FD8-01C9-1059-1951-85EB3C718555}"/>
+              </a:ext>
+            </a:extLst>
+          </p:cNvPr>
+          <p:cNvPicPr>
+            <a:picLocks noChangeAspect="1"/>
+          </p:cNvPicPr>
+          <p:nvPr/>
+        </p:nvPicPr>
+        <p:blipFill>
+          <a:blip r:embed="rId2"/>
+          <a:stretch>
+            <a:fillRect/>
+          </a:stretch>
+        </p:blipFill>
+        <p:spPr>
+          <a:xfrm>
+            <a:off x="4200525" y="1805660"/>
+            <a:ext cx="3790950" cy="2886075"/>
+          </a:xfrm>
+          <a:prstGeom prst="rect">
+            <a:avLst/>
+          </a:prstGeom>
+        </p:spPr>
+      </p:pic>
+      <p:pic>
+        <p:nvPicPr>
+          <p:cNvPr id="10" name="图片 9">
+            <a:extLst>
+              <a:ext uri="{FF2B5EF4-FFF2-40B4-BE49-F238E27FC236}">
+                <a16:creationId xmlns:a16="http://schemas.microsoft.com/office/drawing/2014/main" id="{DC16B4D0-67DF-9293-D1F1-6A62E318C9CF}"/>
+              </a:ext>
+            </a:extLst>
+          </p:cNvPr>
+          <p:cNvPicPr>
+            <a:picLocks noChangeAspect="1"/>
+          </p:cNvPicPr>
+          <p:nvPr/>
+        </p:nvPicPr>
+        <p:blipFill>
+          <a:blip r:embed="rId3"/>
+          <a:stretch>
+            <a:fillRect/>
+          </a:stretch>
+        </p:blipFill>
+        <p:spPr>
+          <a:xfrm>
+            <a:off x="7936605" y="1805660"/>
+            <a:ext cx="3505200" cy="2647950"/>
+          </a:xfrm>
+          <a:prstGeom prst="rect">
+            <a:avLst/>
+          </a:prstGeom>
+        </p:spPr>
+      </p:pic>
+      <p:pic>
+        <p:nvPicPr>
+          <p:cNvPr id="12" name="图片 11">
+            <a:extLst>
+              <a:ext uri="{FF2B5EF4-FFF2-40B4-BE49-F238E27FC236}">
+                <a16:creationId xmlns:a16="http://schemas.microsoft.com/office/drawing/2014/main" id="{3FD3D3ED-AE6E-8F1F-A5FC-57667C25C02B}"/>
+              </a:ext>
+            </a:extLst>
+          </p:cNvPr>
+          <p:cNvPicPr>
+            <a:picLocks noChangeAspect="1"/>
+          </p:cNvPicPr>
+          <p:nvPr/>
+        </p:nvPicPr>
+        <p:blipFill>
+          <a:blip r:embed="rId4"/>
+          <a:stretch>
+            <a:fillRect/>
+          </a:stretch>
+        </p:blipFill>
+        <p:spPr>
+          <a:xfrm>
+            <a:off x="584648" y="4203613"/>
+            <a:ext cx="3571875" cy="2647950"/>
+          </a:xfrm>
+          <a:prstGeom prst="rect">
+            <a:avLst/>
+          </a:prstGeom>
+        </p:spPr>
+      </p:pic>
+      <p:pic>
+        <p:nvPicPr>
+          <p:cNvPr id="14" name="图片 13">
+            <a:extLst>
+              <a:ext uri="{FF2B5EF4-FFF2-40B4-BE49-F238E27FC236}">
+                <a16:creationId xmlns:a16="http://schemas.microsoft.com/office/drawing/2014/main" id="{BAB8F56A-869B-AC21-1AF1-9CD534587771}"/>
+              </a:ext>
+            </a:extLst>
+          </p:cNvPr>
+          <p:cNvPicPr>
+            <a:picLocks noChangeAspect="1"/>
+          </p:cNvPicPr>
+          <p:nvPr/>
+        </p:nvPicPr>
+        <p:blipFill>
+          <a:blip r:embed="rId5"/>
+          <a:stretch>
+            <a:fillRect/>
+          </a:stretch>
+        </p:blipFill>
+        <p:spPr>
+          <a:xfrm>
+            <a:off x="508448" y="1805660"/>
+            <a:ext cx="3648075" cy="2638425"/>
+          </a:xfrm>
+          <a:prstGeom prst="rect">
+            <a:avLst/>
+          </a:prstGeom>
+        </p:spPr>
+      </p:pic>
+      <p:sp>
+        <p:nvSpPr>
+          <p:cNvPr id="16" name="文本框 15">
+            <a:extLst>
+              <a:ext uri="{FF2B5EF4-FFF2-40B4-BE49-F238E27FC236}">
+                <a16:creationId xmlns:a16="http://schemas.microsoft.com/office/drawing/2014/main" id="{FF1F2972-9821-A1D0-7171-D7802B8E5B38}"/>
+              </a:ext>
+            </a:extLst>
+          </p:cNvPr>
+          <p:cNvSpPr txBox="1"/>
+          <p:nvPr/>
+        </p:nvSpPr>
+        <p:spPr>
+          <a:xfrm>
+            <a:off x="8169096" y="4624387"/>
+            <a:ext cx="3272709" cy="369332"/>
+          </a:xfrm>
+          <a:prstGeom prst="rect">
+            <a:avLst/>
+          </a:prstGeom>
+          <a:noFill/>
+        </p:spPr>
+        <p:txBody>
+          <a:bodyPr wrap="square">
+            <a:spAutoFit/>
+          </a:bodyPr>
+          <a:lstStyle/>
+          <a:p>
+            <a:r>
+              <a:rPr lang="fr-CA" altLang="zh-CN" dirty="0">
+                <a:latin typeface="Times New Roman" panose="02020603050405020304" pitchFamily="18" charset="0"/>
+                <a:cs typeface="Times New Roman" panose="02020603050405020304" pitchFamily="18" charset="0"/>
+              </a:rPr>
+              <a:t>Grid size ~ 0.05 km by 0.14 km</a:t>
+            </a:r>
+          </a:p>
+        </p:txBody>
+      </p:sp>
+    </p:spTree>
+    <p:extLst>
+      <p:ext uri="{BB962C8B-B14F-4D97-AF65-F5344CB8AC3E}">
+        <p14:creationId xmlns:p14="http://schemas.microsoft.com/office/powerpoint/2010/main" val="4198413096"/>
+      </p:ext>
+    </p:extLst>
+  </p:cSld>
+  <p:clrMapOvr>
+    <a:masterClrMapping/>
+  </p:clrMapOvr>
+</p:sld>
+</file>
+
+<file path=ppt/slides/slide28.xml><?xml version="1.0" encoding="utf-8"?>
+<p:sld xmlns:a="http://schemas.openxmlformats.org/drawingml/2006/main" xmlns:r="http://schemas.openxmlformats.org/officeDocument/2006/relationships" xmlns:p="http://schemas.openxmlformats.org/presentationml/2006/main" show="0">
+  <p:cSld>
+    <p:spTree>
+      <p:nvGrpSpPr>
+        <p:cNvPr id="1" name=""/>
+        <p:cNvGrpSpPr/>
+        <p:nvPr/>
+      </p:nvGrpSpPr>
+      <p:grpSpPr>
+        <a:xfrm>
+          <a:off x="0" y="0"/>
+          <a:ext cx="0" cy="0"/>
+          <a:chOff x="0" y="0"/>
+          <a:chExt cx="0" cy="0"/>
+        </a:xfrm>
+      </p:grpSpPr>
+      <p:pic>
+        <p:nvPicPr>
+          <p:cNvPr id="5" name="图片 4">
+            <a:extLst>
+              <a:ext uri="{FF2B5EF4-FFF2-40B4-BE49-F238E27FC236}">
+                <a16:creationId xmlns:a16="http://schemas.microsoft.com/office/drawing/2014/main" id="{FB7C2258-73AE-D2CF-02AB-06C27012AD77}"/>
+              </a:ext>
+            </a:extLst>
+          </p:cNvPr>
+          <p:cNvPicPr>
+            <a:picLocks noChangeAspect="1"/>
+          </p:cNvPicPr>
+          <p:nvPr/>
+        </p:nvPicPr>
+        <p:blipFill>
+          <a:blip r:embed="rId2"/>
+          <a:stretch>
+            <a:fillRect/>
+          </a:stretch>
+        </p:blipFill>
+        <p:spPr>
+          <a:xfrm>
+            <a:off x="4487214" y="1571625"/>
+            <a:ext cx="3857625" cy="2886075"/>
+          </a:xfrm>
+          <a:prstGeom prst="rect">
+            <a:avLst/>
+          </a:prstGeom>
+        </p:spPr>
+      </p:pic>
+      <p:pic>
+        <p:nvPicPr>
+          <p:cNvPr id="7" name="图片 6">
+            <a:extLst>
+              <a:ext uri="{FF2B5EF4-FFF2-40B4-BE49-F238E27FC236}">
+                <a16:creationId xmlns:a16="http://schemas.microsoft.com/office/drawing/2014/main" id="{1348D4B9-8C20-D63F-39E5-AFADD9727C9E}"/>
+              </a:ext>
+            </a:extLst>
+          </p:cNvPr>
+          <p:cNvPicPr>
+            <a:picLocks noChangeAspect="1"/>
+          </p:cNvPicPr>
+          <p:nvPr/>
+        </p:nvPicPr>
+        <p:blipFill>
+          <a:blip r:embed="rId3"/>
+          <a:stretch>
+            <a:fillRect/>
+          </a:stretch>
+        </p:blipFill>
+        <p:spPr>
+          <a:xfrm>
+            <a:off x="838200" y="1571625"/>
+            <a:ext cx="3629025" cy="2638425"/>
+          </a:xfrm>
+          <a:prstGeom prst="rect">
+            <a:avLst/>
+          </a:prstGeom>
+        </p:spPr>
+      </p:pic>
+      <p:pic>
+        <p:nvPicPr>
+          <p:cNvPr id="9" name="图片 8">
+            <a:extLst>
+              <a:ext uri="{FF2B5EF4-FFF2-40B4-BE49-F238E27FC236}">
+                <a16:creationId xmlns:a16="http://schemas.microsoft.com/office/drawing/2014/main" id="{4F7E3452-743C-DD2B-D489-988F1FCD465F}"/>
+              </a:ext>
+            </a:extLst>
+          </p:cNvPr>
+          <p:cNvPicPr>
+            <a:picLocks noChangeAspect="1"/>
+          </p:cNvPicPr>
+          <p:nvPr/>
+        </p:nvPicPr>
+        <p:blipFill>
+          <a:blip r:embed="rId4"/>
+          <a:stretch>
+            <a:fillRect/>
+          </a:stretch>
+        </p:blipFill>
+        <p:spPr>
+          <a:xfrm>
+            <a:off x="866774" y="4092575"/>
+            <a:ext cx="3571875" cy="2647950"/>
+          </a:xfrm>
+          <a:prstGeom prst="rect">
+            <a:avLst/>
+          </a:prstGeom>
+        </p:spPr>
+      </p:pic>
+      <p:sp>
+        <p:nvSpPr>
+          <p:cNvPr id="10" name="标题 9">
+            <a:extLst>
+              <a:ext uri="{FF2B5EF4-FFF2-40B4-BE49-F238E27FC236}">
+                <a16:creationId xmlns:a16="http://schemas.microsoft.com/office/drawing/2014/main" id="{B93F8AA6-32C2-5BD7-054E-F282C6545631}"/>
+              </a:ext>
+            </a:extLst>
+          </p:cNvPr>
+          <p:cNvSpPr>
+            <a:spLocks noGrp="1"/>
+          </p:cNvSpPr>
+          <p:nvPr>
+            <p:ph type="title"/>
+          </p:nvPr>
+        </p:nvSpPr>
+        <p:spPr/>
+        <p:txBody>
+          <a:bodyPr/>
+          <a:lstStyle/>
+          <a:p>
+            <a:r>
+              <a:rPr lang="fr-CA" dirty="0">
+                <a:latin typeface="Times New Roman" panose="02020603050405020304" pitchFamily="18" charset="0"/>
+                <a:cs typeface="Times New Roman" panose="02020603050405020304" pitchFamily="18" charset="0"/>
+              </a:rPr>
+              <a:t>Sahara (Minimize propagation delay</a:t>
+            </a:r>
+          </a:p>
+        </p:txBody>
+      </p:sp>
+      <p:pic>
+        <p:nvPicPr>
+          <p:cNvPr id="12" name="图片 11">
+            <a:extLst>
+              <a:ext uri="{FF2B5EF4-FFF2-40B4-BE49-F238E27FC236}">
+                <a16:creationId xmlns:a16="http://schemas.microsoft.com/office/drawing/2014/main" id="{C555575D-2873-874E-C34E-FA10B059629A}"/>
+              </a:ext>
+            </a:extLst>
+          </p:cNvPr>
+          <p:cNvPicPr>
+            <a:picLocks noChangeAspect="1"/>
+          </p:cNvPicPr>
+          <p:nvPr/>
+        </p:nvPicPr>
+        <p:blipFill>
+          <a:blip r:embed="rId5"/>
+          <a:stretch>
+            <a:fillRect/>
+          </a:stretch>
+        </p:blipFill>
+        <p:spPr>
+          <a:xfrm>
+            <a:off x="8364156" y="1562100"/>
+            <a:ext cx="3600450" cy="2647950"/>
+          </a:xfrm>
+          <a:prstGeom prst="rect">
+            <a:avLst/>
+          </a:prstGeom>
+        </p:spPr>
+      </p:pic>
+      <p:sp>
+        <p:nvSpPr>
+          <p:cNvPr id="13" name="文本框 12">
+            <a:extLst>
+              <a:ext uri="{FF2B5EF4-FFF2-40B4-BE49-F238E27FC236}">
+                <a16:creationId xmlns:a16="http://schemas.microsoft.com/office/drawing/2014/main" id="{4F6C37EB-B1ED-14EE-0710-DFD39C43CBDB}"/>
+              </a:ext>
+            </a:extLst>
+          </p:cNvPr>
+          <p:cNvSpPr txBox="1"/>
+          <p:nvPr/>
+        </p:nvSpPr>
+        <p:spPr>
+          <a:xfrm>
+            <a:off x="8983014" y="4210050"/>
+            <a:ext cx="2981592" cy="369332"/>
+          </a:xfrm>
+          <a:prstGeom prst="rect">
+            <a:avLst/>
+          </a:prstGeom>
+          <a:noFill/>
+        </p:spPr>
+        <p:txBody>
+          <a:bodyPr wrap="square" rtlCol="0">
+            <a:spAutoFit/>
+          </a:bodyPr>
+          <a:lstStyle/>
+          <a:p>
+            <a:r>
+              <a:rPr lang="fr-CA" dirty="0">
+                <a:latin typeface="Times New Roman" panose="02020603050405020304" pitchFamily="18" charset="0"/>
+                <a:cs typeface="Times New Roman" panose="02020603050405020304" pitchFamily="18" charset="0"/>
+              </a:rPr>
+              <a:t>Grid size ~1.1 km by 1.7 km</a:t>
+            </a:r>
+          </a:p>
+        </p:txBody>
+      </p:sp>
+    </p:spTree>
+    <p:extLst>
+      <p:ext uri="{BB962C8B-B14F-4D97-AF65-F5344CB8AC3E}">
+        <p14:creationId xmlns:p14="http://schemas.microsoft.com/office/powerpoint/2010/main" val="3518597048"/>
+      </p:ext>
+    </p:extLst>
+  </p:cSld>
+  <p:clrMapOvr>
+    <a:masterClrMapping/>
+  </p:clrMapOvr>
+</p:sld>
+</file>
+
+<file path=ppt/slides/slide3.xml><?xml version="1.0" encoding="utf-8"?>
 <p:sld xmlns:a="http://schemas.openxmlformats.org/drawingml/2006/main" xmlns:r="http://schemas.openxmlformats.org/officeDocument/2006/relationships" xmlns:p="http://schemas.openxmlformats.org/presentationml/2006/main">
   <p:cSld>
     <p:spTree>
@@ -5926,7 +7346,7 @@
                 <p:nvPr/>
               </p:nvPicPr>
               <p:blipFill>
-                <a:blip r:embed="rId2">
+                <a:blip r:embed="rId3">
                   <a:extLst>
                     <a:ext uri="{28A0092B-C50C-407E-A947-70E740481C1C}">
                       <a14:useLocalDpi xmlns:a14="http://schemas.microsoft.com/office/drawing/2010/main" val="0"/>
@@ -5973,7 +7393,7 @@
                 <p:nvPr/>
               </p:nvPicPr>
               <p:blipFill>
-                <a:blip r:embed="rId3">
+                <a:blip r:embed="rId4">
                   <a:extLst>
                     <a:ext uri="{28A0092B-C50C-407E-A947-70E740481C1C}">
                       <a14:useLocalDpi xmlns:a14="http://schemas.microsoft.com/office/drawing/2010/main" val="0"/>
@@ -6020,7 +7440,7 @@
                 <p:nvPr/>
               </p:nvPicPr>
               <p:blipFill>
-                <a:blip r:embed="rId4">
+                <a:blip r:embed="rId5">
                   <a:extLst>
                     <a:ext uri="{28A0092B-C50C-407E-A947-70E740481C1C}">
                       <a14:useLocalDpi xmlns:a14="http://schemas.microsoft.com/office/drawing/2010/main" val="0"/>
@@ -8709,1055 +10129,7 @@
 </p:sld>
 </file>
 
-<file path=ppt/slides/slide20.xml><?xml version="1.0" encoding="utf-8"?>
-<p:sld xmlns:a="http://schemas.openxmlformats.org/drawingml/2006/main" xmlns:r="http://schemas.openxmlformats.org/officeDocument/2006/relationships" xmlns:p="http://schemas.openxmlformats.org/presentationml/2006/main">
-  <p:cSld>
-    <p:spTree>
-      <p:nvGrpSpPr>
-        <p:cNvPr id="1" name=""/>
-        <p:cNvGrpSpPr/>
-        <p:nvPr/>
-      </p:nvGrpSpPr>
-      <p:grpSpPr>
-        <a:xfrm>
-          <a:off x="0" y="0"/>
-          <a:ext cx="0" cy="0"/>
-          <a:chOff x="0" y="0"/>
-          <a:chExt cx="0" cy="0"/>
-        </a:xfrm>
-      </p:grpSpPr>
-      <p:pic>
-        <p:nvPicPr>
-          <p:cNvPr id="6" name="图片 5">
-            <a:extLst>
-              <a:ext uri="{FF2B5EF4-FFF2-40B4-BE49-F238E27FC236}">
-                <a16:creationId xmlns:a16="http://schemas.microsoft.com/office/drawing/2014/main" id="{7AE46F71-AA6B-2ED2-A705-D060A5424E7C}"/>
-              </a:ext>
-            </a:extLst>
-          </p:cNvPr>
-          <p:cNvPicPr>
-            <a:picLocks noChangeAspect="1"/>
-          </p:cNvPicPr>
-          <p:nvPr/>
-        </p:nvPicPr>
-        <p:blipFill>
-          <a:blip r:embed="rId2"/>
-          <a:stretch>
-            <a:fillRect/>
-          </a:stretch>
-        </p:blipFill>
-        <p:spPr>
-          <a:xfrm>
-            <a:off x="2247364" y="917315"/>
-            <a:ext cx="7172794" cy="5486168"/>
-          </a:xfrm>
-          <a:prstGeom prst="rect">
-            <a:avLst/>
-          </a:prstGeom>
-        </p:spPr>
-      </p:pic>
-    </p:spTree>
-    <p:extLst>
-      <p:ext uri="{BB962C8B-B14F-4D97-AF65-F5344CB8AC3E}">
-        <p14:creationId xmlns:p14="http://schemas.microsoft.com/office/powerpoint/2010/main" val="714291204"/>
-      </p:ext>
-    </p:extLst>
-  </p:cSld>
-  <p:clrMapOvr>
-    <a:masterClrMapping/>
-  </p:clrMapOvr>
-</p:sld>
-</file>
-
-<file path=ppt/slides/slide21.xml><?xml version="1.0" encoding="utf-8"?>
-<p:sld xmlns:a="http://schemas.openxmlformats.org/drawingml/2006/main" xmlns:r="http://schemas.openxmlformats.org/officeDocument/2006/relationships" xmlns:p="http://schemas.openxmlformats.org/presentationml/2006/main">
-  <p:cSld>
-    <p:spTree>
-      <p:nvGrpSpPr>
-        <p:cNvPr id="1" name=""/>
-        <p:cNvGrpSpPr/>
-        <p:nvPr/>
-      </p:nvGrpSpPr>
-      <p:grpSpPr>
-        <a:xfrm>
-          <a:off x="0" y="0"/>
-          <a:ext cx="0" cy="0"/>
-          <a:chOff x="0" y="0"/>
-          <a:chExt cx="0" cy="0"/>
-        </a:xfrm>
-      </p:grpSpPr>
-      <p:pic>
-        <p:nvPicPr>
-          <p:cNvPr id="8" name="图片 7">
-            <a:extLst>
-              <a:ext uri="{FF2B5EF4-FFF2-40B4-BE49-F238E27FC236}">
-                <a16:creationId xmlns:a16="http://schemas.microsoft.com/office/drawing/2014/main" id="{F5E18021-CD03-E7AA-3918-F9FBE0238B06}"/>
-              </a:ext>
-            </a:extLst>
-          </p:cNvPr>
-          <p:cNvPicPr>
-            <a:picLocks noChangeAspect="1"/>
-          </p:cNvPicPr>
-          <p:nvPr/>
-        </p:nvPicPr>
-        <p:blipFill>
-          <a:blip r:embed="rId2"/>
-          <a:stretch>
-            <a:fillRect/>
-          </a:stretch>
-        </p:blipFill>
-        <p:spPr>
-          <a:xfrm>
-            <a:off x="2839792" y="1662036"/>
-            <a:ext cx="6111964" cy="3926858"/>
-          </a:xfrm>
-          <a:prstGeom prst="rect">
-            <a:avLst/>
-          </a:prstGeom>
-        </p:spPr>
-      </p:pic>
-    </p:spTree>
-    <p:extLst>
-      <p:ext uri="{BB962C8B-B14F-4D97-AF65-F5344CB8AC3E}">
-        <p14:creationId xmlns:p14="http://schemas.microsoft.com/office/powerpoint/2010/main" val="192567146"/>
-      </p:ext>
-    </p:extLst>
-  </p:cSld>
-  <p:clrMapOvr>
-    <a:masterClrMapping/>
-  </p:clrMapOvr>
-</p:sld>
-</file>
-
-<file path=ppt/slides/slide22.xml><?xml version="1.0" encoding="utf-8"?>
-<p:sld xmlns:a="http://schemas.openxmlformats.org/drawingml/2006/main" xmlns:r="http://schemas.openxmlformats.org/officeDocument/2006/relationships" xmlns:p="http://schemas.openxmlformats.org/presentationml/2006/main">
-  <p:cSld>
-    <p:spTree>
-      <p:nvGrpSpPr>
-        <p:cNvPr id="1" name=""/>
-        <p:cNvGrpSpPr/>
-        <p:nvPr/>
-      </p:nvGrpSpPr>
-      <p:grpSpPr>
-        <a:xfrm>
-          <a:off x="0" y="0"/>
-          <a:ext cx="0" cy="0"/>
-          <a:chOff x="0" y="0"/>
-          <a:chExt cx="0" cy="0"/>
-        </a:xfrm>
-      </p:grpSpPr>
-      <p:pic>
-        <p:nvPicPr>
-          <p:cNvPr id="2" name="图片 1">
-            <a:extLst>
-              <a:ext uri="{FF2B5EF4-FFF2-40B4-BE49-F238E27FC236}">
-                <a16:creationId xmlns:a16="http://schemas.microsoft.com/office/drawing/2014/main" id="{88BD6629-759E-35D1-676D-797CD4FAA810}"/>
-              </a:ext>
-            </a:extLst>
-          </p:cNvPr>
-          <p:cNvPicPr>
-            <a:picLocks noChangeAspect="1"/>
-          </p:cNvPicPr>
-          <p:nvPr/>
-        </p:nvPicPr>
-        <p:blipFill>
-          <a:blip r:embed="rId2"/>
-          <a:stretch>
-            <a:fillRect/>
-          </a:stretch>
-        </p:blipFill>
-        <p:spPr>
-          <a:xfrm>
-            <a:off x="2464471" y="-6439"/>
-            <a:ext cx="7237301" cy="6858000"/>
-          </a:xfrm>
-          <a:prstGeom prst="rect">
-            <a:avLst/>
-          </a:prstGeom>
-        </p:spPr>
-      </p:pic>
-      <p:pic>
-        <p:nvPicPr>
-          <p:cNvPr id="4" name="图片 3">
-            <a:extLst>
-              <a:ext uri="{FF2B5EF4-FFF2-40B4-BE49-F238E27FC236}">
-                <a16:creationId xmlns:a16="http://schemas.microsoft.com/office/drawing/2014/main" id="{721F92C0-E5EC-174A-3740-ECAFE4B49B80}"/>
-              </a:ext>
-            </a:extLst>
-          </p:cNvPr>
-          <p:cNvPicPr>
-            <a:picLocks noChangeAspect="1"/>
-          </p:cNvPicPr>
-          <p:nvPr/>
-        </p:nvPicPr>
-        <p:blipFill>
-          <a:blip r:embed="rId3"/>
-          <a:stretch>
-            <a:fillRect/>
-          </a:stretch>
-        </p:blipFill>
-        <p:spPr>
-          <a:xfrm>
-            <a:off x="349313" y="2860525"/>
-            <a:ext cx="1962445" cy="844205"/>
-          </a:xfrm>
-          <a:prstGeom prst="rect">
-            <a:avLst/>
-          </a:prstGeom>
-        </p:spPr>
-      </p:pic>
-      <p:sp>
-        <p:nvSpPr>
-          <p:cNvPr id="3" name="文本框 2">
-            <a:extLst>
-              <a:ext uri="{FF2B5EF4-FFF2-40B4-BE49-F238E27FC236}">
-                <a16:creationId xmlns:a16="http://schemas.microsoft.com/office/drawing/2014/main" id="{81A46030-76F7-EF1D-A680-9F8670125A52}"/>
-              </a:ext>
-            </a:extLst>
-          </p:cNvPr>
-          <p:cNvSpPr txBox="1"/>
-          <p:nvPr/>
-        </p:nvSpPr>
-        <p:spPr>
-          <a:xfrm>
-            <a:off x="721217" y="746975"/>
-            <a:ext cx="1860998" cy="646331"/>
-          </a:xfrm>
-          <a:prstGeom prst="rect">
-            <a:avLst/>
-          </a:prstGeom>
-          <a:noFill/>
-        </p:spPr>
-        <p:txBody>
-          <a:bodyPr wrap="square" rtlCol="0">
-            <a:spAutoFit/>
-          </a:bodyPr>
-          <a:lstStyle/>
-          <a:p>
-            <a:r>
-              <a:rPr lang="fr-CA" dirty="0">
-                <a:latin typeface="Times New Roman" panose="02020603050405020304" pitchFamily="18" charset="0"/>
-                <a:cs typeface="Times New Roman" panose="02020603050405020304" pitchFamily="18" charset="0"/>
-              </a:rPr>
-              <a:t>R</a:t>
-            </a:r>
-            <a:r>
-              <a:rPr lang="en-US" altLang="zh-CN" dirty="0" err="1">
-                <a:latin typeface="Times New Roman" panose="02020603050405020304" pitchFamily="18" charset="0"/>
-                <a:cs typeface="Times New Roman" panose="02020603050405020304" pitchFamily="18" charset="0"/>
-              </a:rPr>
-              <a:t>esult</a:t>
-            </a:r>
-            <a:r>
-              <a:rPr lang="en-US" altLang="zh-CN" dirty="0">
-                <a:latin typeface="Times New Roman" panose="02020603050405020304" pitchFamily="18" charset="0"/>
-                <a:cs typeface="Times New Roman" panose="02020603050405020304" pitchFamily="18" charset="0"/>
-              </a:rPr>
-              <a:t> based on London map</a:t>
-            </a:r>
-            <a:endParaRPr lang="fr-CA" dirty="0">
-              <a:latin typeface="Times New Roman" panose="02020603050405020304" pitchFamily="18" charset="0"/>
-              <a:cs typeface="Times New Roman" panose="02020603050405020304" pitchFamily="18" charset="0"/>
-            </a:endParaRPr>
-          </a:p>
-        </p:txBody>
-      </p:sp>
-    </p:spTree>
-    <p:extLst>
-      <p:ext uri="{BB962C8B-B14F-4D97-AF65-F5344CB8AC3E}">
-        <p14:creationId xmlns:p14="http://schemas.microsoft.com/office/powerpoint/2010/main" val="2861390289"/>
-      </p:ext>
-    </p:extLst>
-  </p:cSld>
-  <p:clrMapOvr>
-    <a:masterClrMapping/>
-  </p:clrMapOvr>
-</p:sld>
-</file>
-
-<file path=ppt/slides/slide23.xml><?xml version="1.0" encoding="utf-8"?>
-<p:sld xmlns:a="http://schemas.openxmlformats.org/drawingml/2006/main" xmlns:r="http://schemas.openxmlformats.org/officeDocument/2006/relationships" xmlns:p="http://schemas.openxmlformats.org/presentationml/2006/main">
-  <p:cSld>
-    <p:spTree>
-      <p:nvGrpSpPr>
-        <p:cNvPr id="1" name=""/>
-        <p:cNvGrpSpPr/>
-        <p:nvPr/>
-      </p:nvGrpSpPr>
-      <p:grpSpPr>
-        <a:xfrm>
-          <a:off x="0" y="0"/>
-          <a:ext cx="0" cy="0"/>
-          <a:chOff x="0" y="0"/>
-          <a:chExt cx="0" cy="0"/>
-        </a:xfrm>
-      </p:grpSpPr>
-      <p:pic>
-        <p:nvPicPr>
-          <p:cNvPr id="3" name="图片 2">
-            <a:extLst>
-              <a:ext uri="{FF2B5EF4-FFF2-40B4-BE49-F238E27FC236}">
-                <a16:creationId xmlns:a16="http://schemas.microsoft.com/office/drawing/2014/main" id="{78ACA312-3031-C989-FD69-E322EB95D26D}"/>
-              </a:ext>
-            </a:extLst>
-          </p:cNvPr>
-          <p:cNvPicPr>
-            <a:picLocks noChangeAspect="1"/>
-          </p:cNvPicPr>
-          <p:nvPr/>
-        </p:nvPicPr>
-        <p:blipFill>
-          <a:blip r:embed="rId2"/>
-          <a:stretch>
-            <a:fillRect/>
-          </a:stretch>
-        </p:blipFill>
-        <p:spPr>
-          <a:xfrm>
-            <a:off x="2459182" y="0"/>
-            <a:ext cx="7273636" cy="6858000"/>
-          </a:xfrm>
-          <a:prstGeom prst="rect">
-            <a:avLst/>
-          </a:prstGeom>
-        </p:spPr>
-      </p:pic>
-      <p:sp>
-        <p:nvSpPr>
-          <p:cNvPr id="4" name="文本框 3">
-            <a:extLst>
-              <a:ext uri="{FF2B5EF4-FFF2-40B4-BE49-F238E27FC236}">
-                <a16:creationId xmlns:a16="http://schemas.microsoft.com/office/drawing/2014/main" id="{8A045E18-65B1-D4F0-C380-7454C2B4E2B6}"/>
-              </a:ext>
-            </a:extLst>
-          </p:cNvPr>
-          <p:cNvSpPr txBox="1"/>
-          <p:nvPr/>
-        </p:nvSpPr>
-        <p:spPr>
-          <a:xfrm>
-            <a:off x="87603" y="2997623"/>
-            <a:ext cx="3272709" cy="646331"/>
-          </a:xfrm>
-          <a:prstGeom prst="rect">
-            <a:avLst/>
-          </a:prstGeom>
-          <a:noFill/>
-        </p:spPr>
-        <p:txBody>
-          <a:bodyPr wrap="square">
-            <a:spAutoFit/>
-          </a:bodyPr>
-          <a:lstStyle/>
-          <a:p>
-            <a:r>
-              <a:rPr lang="fr-CA" altLang="zh-CN" dirty="0">
-                <a:latin typeface="Times New Roman" panose="02020603050405020304" pitchFamily="18" charset="0"/>
-                <a:cs typeface="Times New Roman" panose="02020603050405020304" pitchFamily="18" charset="0"/>
-              </a:rPr>
-              <a:t>Sampling on larger std </a:t>
-            </a:r>
-          </a:p>
-          <a:p>
-            <a:r>
-              <a:rPr lang="fr-CA" altLang="zh-CN" dirty="0">
-                <a:latin typeface="Times New Roman" panose="02020603050405020304" pitchFamily="18" charset="0"/>
-                <a:cs typeface="Times New Roman" panose="02020603050405020304" pitchFamily="18" charset="0"/>
-              </a:rPr>
-              <a:t>1</a:t>
-            </a:r>
-            <a:r>
-              <a:rPr lang="fr-CA" altLang="zh-CN" baseline="30000" dirty="0">
-                <a:latin typeface="Times New Roman" panose="02020603050405020304" pitchFamily="18" charset="0"/>
-                <a:cs typeface="Times New Roman" panose="02020603050405020304" pitchFamily="18" charset="0"/>
-              </a:rPr>
-              <a:t>e</a:t>
-            </a:r>
-            <a:r>
-              <a:rPr lang="fr-CA" altLang="zh-CN" dirty="0">
-                <a:latin typeface="Times New Roman" panose="02020603050405020304" pitchFamily="18" charset="0"/>
-                <a:cs typeface="Times New Roman" panose="02020603050405020304" pitchFamily="18" charset="0"/>
-              </a:rPr>
-              <a:t>-6</a:t>
-            </a:r>
-          </a:p>
-        </p:txBody>
-      </p:sp>
-    </p:spTree>
-    <p:extLst>
-      <p:ext uri="{BB962C8B-B14F-4D97-AF65-F5344CB8AC3E}">
-        <p14:creationId xmlns:p14="http://schemas.microsoft.com/office/powerpoint/2010/main" val="1363589320"/>
-      </p:ext>
-    </p:extLst>
-  </p:cSld>
-  <p:clrMapOvr>
-    <a:masterClrMapping/>
-  </p:clrMapOvr>
-</p:sld>
-</file>
-
-<file path=ppt/slides/slide24.xml><?xml version="1.0" encoding="utf-8"?>
-<p:sld xmlns:a="http://schemas.openxmlformats.org/drawingml/2006/main" xmlns:r="http://schemas.openxmlformats.org/officeDocument/2006/relationships" xmlns:p="http://schemas.openxmlformats.org/presentationml/2006/main">
-  <p:cSld>
-    <p:spTree>
-      <p:nvGrpSpPr>
-        <p:cNvPr id="1" name=""/>
-        <p:cNvGrpSpPr/>
-        <p:nvPr/>
-      </p:nvGrpSpPr>
-      <p:grpSpPr>
-        <a:xfrm>
-          <a:off x="0" y="0"/>
-          <a:ext cx="0" cy="0"/>
-          <a:chOff x="0" y="0"/>
-          <a:chExt cx="0" cy="0"/>
-        </a:xfrm>
-      </p:grpSpPr>
-      <p:pic>
-        <p:nvPicPr>
-          <p:cNvPr id="4" name="图片 3">
-            <a:extLst>
-              <a:ext uri="{FF2B5EF4-FFF2-40B4-BE49-F238E27FC236}">
-                <a16:creationId xmlns:a16="http://schemas.microsoft.com/office/drawing/2014/main" id="{3D22EE22-DAE0-AE0E-EADE-0986508A76DB}"/>
-              </a:ext>
-            </a:extLst>
-          </p:cNvPr>
-          <p:cNvPicPr>
-            <a:picLocks noChangeAspect="1"/>
-          </p:cNvPicPr>
-          <p:nvPr/>
-        </p:nvPicPr>
-        <p:blipFill>
-          <a:blip r:embed="rId2"/>
-          <a:stretch>
-            <a:fillRect/>
-          </a:stretch>
-        </p:blipFill>
-        <p:spPr>
-          <a:xfrm>
-            <a:off x="2458624" y="0"/>
-            <a:ext cx="7274751" cy="6858000"/>
-          </a:xfrm>
-          <a:prstGeom prst="rect">
-            <a:avLst/>
-          </a:prstGeom>
-        </p:spPr>
-      </p:pic>
-      <p:sp>
-        <p:nvSpPr>
-          <p:cNvPr id="2" name="文本框 1">
-            <a:extLst>
-              <a:ext uri="{FF2B5EF4-FFF2-40B4-BE49-F238E27FC236}">
-                <a16:creationId xmlns:a16="http://schemas.microsoft.com/office/drawing/2014/main" id="{E59AE060-78A2-9072-30FE-8E8AE474F250}"/>
-              </a:ext>
-            </a:extLst>
-          </p:cNvPr>
-          <p:cNvSpPr txBox="1"/>
-          <p:nvPr/>
-        </p:nvSpPr>
-        <p:spPr>
-          <a:xfrm>
-            <a:off x="737986" y="3660886"/>
-            <a:ext cx="3272709" cy="369332"/>
-          </a:xfrm>
-          <a:prstGeom prst="rect">
-            <a:avLst/>
-          </a:prstGeom>
-          <a:noFill/>
-        </p:spPr>
-        <p:txBody>
-          <a:bodyPr wrap="square">
-            <a:spAutoFit/>
-          </a:bodyPr>
-          <a:lstStyle/>
-          <a:p>
-            <a:r>
-              <a:rPr lang="fr-CA" altLang="zh-CN" dirty="0">
-                <a:latin typeface="Times New Roman" panose="02020603050405020304" pitchFamily="18" charset="0"/>
-                <a:cs typeface="Times New Roman" panose="02020603050405020304" pitchFamily="18" charset="0"/>
-              </a:rPr>
-              <a:t>D=tau*c0</a:t>
-            </a:r>
-          </a:p>
-        </p:txBody>
-      </p:sp>
-    </p:spTree>
-    <p:extLst>
-      <p:ext uri="{BB962C8B-B14F-4D97-AF65-F5344CB8AC3E}">
-        <p14:creationId xmlns:p14="http://schemas.microsoft.com/office/powerpoint/2010/main" val="1513030387"/>
-      </p:ext>
-    </p:extLst>
-  </p:cSld>
-  <p:clrMapOvr>
-    <a:masterClrMapping/>
-  </p:clrMapOvr>
-</p:sld>
-</file>
-
-<file path=ppt/slides/slide25.xml><?xml version="1.0" encoding="utf-8"?>
-<p:sld xmlns:a="http://schemas.openxmlformats.org/drawingml/2006/main" xmlns:r="http://schemas.openxmlformats.org/officeDocument/2006/relationships" xmlns:p="http://schemas.openxmlformats.org/presentationml/2006/main">
-  <p:cSld>
-    <p:spTree>
-      <p:nvGrpSpPr>
-        <p:cNvPr id="1" name=""/>
-        <p:cNvGrpSpPr/>
-        <p:nvPr/>
-      </p:nvGrpSpPr>
-      <p:grpSpPr>
-        <a:xfrm>
-          <a:off x="0" y="0"/>
-          <a:ext cx="0" cy="0"/>
-          <a:chOff x="0" y="0"/>
-          <a:chExt cx="0" cy="0"/>
-        </a:xfrm>
-      </p:grpSpPr>
-      <p:pic>
-        <p:nvPicPr>
-          <p:cNvPr id="5" name="图片 4">
-            <a:extLst>
-              <a:ext uri="{FF2B5EF4-FFF2-40B4-BE49-F238E27FC236}">
-                <a16:creationId xmlns:a16="http://schemas.microsoft.com/office/drawing/2014/main" id="{3A915E48-0978-FDE0-6C15-18740B233395}"/>
-              </a:ext>
-            </a:extLst>
-          </p:cNvPr>
-          <p:cNvPicPr>
-            <a:picLocks noChangeAspect="1"/>
-          </p:cNvPicPr>
-          <p:nvPr/>
-        </p:nvPicPr>
-        <p:blipFill>
-          <a:blip r:embed="rId2"/>
-          <a:stretch>
-            <a:fillRect/>
-          </a:stretch>
-        </p:blipFill>
-        <p:spPr>
-          <a:xfrm>
-            <a:off x="2455937" y="0"/>
-            <a:ext cx="7280125" cy="6858000"/>
-          </a:xfrm>
-          <a:prstGeom prst="rect">
-            <a:avLst/>
-          </a:prstGeom>
-        </p:spPr>
-      </p:pic>
-      <p:pic>
-        <p:nvPicPr>
-          <p:cNvPr id="1026" name="Picture 2">
-            <a:extLst>
-              <a:ext uri="{FF2B5EF4-FFF2-40B4-BE49-F238E27FC236}">
-                <a16:creationId xmlns:a16="http://schemas.microsoft.com/office/drawing/2014/main" id="{71BCB1EF-78A9-599A-E50A-F7FDCCA610F7}"/>
-              </a:ext>
-            </a:extLst>
-          </p:cNvPr>
-          <p:cNvPicPr>
-            <a:picLocks noChangeAspect="1" noChangeArrowheads="1"/>
-          </p:cNvPicPr>
-          <p:nvPr/>
-        </p:nvPicPr>
-        <p:blipFill>
-          <a:blip r:embed="rId3">
-            <a:extLst>
-              <a:ext uri="{28A0092B-C50C-407E-A947-70E740481C1C}">
-                <a14:useLocalDpi xmlns:a14="http://schemas.microsoft.com/office/drawing/2010/main" val="0"/>
-              </a:ext>
-            </a:extLst>
-          </a:blip>
-          <a:srcRect/>
-          <a:stretch>
-            <a:fillRect/>
-          </a:stretch>
-        </p:blipFill>
-        <p:spPr bwMode="auto">
-          <a:xfrm>
-            <a:off x="2571663" y="0"/>
-            <a:ext cx="7048671" cy="6856640"/>
-          </a:xfrm>
-          <a:prstGeom prst="rect">
-            <a:avLst/>
-          </a:prstGeom>
-          <a:noFill/>
-          <a:extLst>
-            <a:ext uri="{909E8E84-426E-40DD-AFC4-6F175D3DCCD1}">
-              <a14:hiddenFill xmlns:a14="http://schemas.microsoft.com/office/drawing/2010/main">
-                <a:solidFill>
-                  <a:srgbClr val="FFFFFF"/>
-                </a:solidFill>
-              </a14:hiddenFill>
-            </a:ext>
-          </a:extLst>
-        </p:spPr>
-      </p:pic>
-    </p:spTree>
-    <p:extLst>
-      <p:ext uri="{BB962C8B-B14F-4D97-AF65-F5344CB8AC3E}">
-        <p14:creationId xmlns:p14="http://schemas.microsoft.com/office/powerpoint/2010/main" val="1772733204"/>
-      </p:ext>
-    </p:extLst>
-  </p:cSld>
-  <p:clrMapOvr>
-    <a:masterClrMapping/>
-  </p:clrMapOvr>
-</p:sld>
-</file>
-
-<file path=ppt/slides/slide26.xml><?xml version="1.0" encoding="utf-8"?>
-<p:sld xmlns:a="http://schemas.openxmlformats.org/drawingml/2006/main" xmlns:r="http://schemas.openxmlformats.org/officeDocument/2006/relationships" xmlns:p="http://schemas.openxmlformats.org/presentationml/2006/main" show="0">
-  <p:cSld>
-    <p:spTree>
-      <p:nvGrpSpPr>
-        <p:cNvPr id="1" name=""/>
-        <p:cNvGrpSpPr/>
-        <p:nvPr/>
-      </p:nvGrpSpPr>
-      <p:grpSpPr>
-        <a:xfrm>
-          <a:off x="0" y="0"/>
-          <a:ext cx="0" cy="0"/>
-          <a:chOff x="0" y="0"/>
-          <a:chExt cx="0" cy="0"/>
-        </a:xfrm>
-      </p:grpSpPr>
-      <p:sp>
-        <p:nvSpPr>
-          <p:cNvPr id="2" name="标题 1">
-            <a:extLst>
-              <a:ext uri="{FF2B5EF4-FFF2-40B4-BE49-F238E27FC236}">
-                <a16:creationId xmlns:a16="http://schemas.microsoft.com/office/drawing/2014/main" id="{89F29298-542C-434C-7A99-A4FB69A09C79}"/>
-              </a:ext>
-            </a:extLst>
-          </p:cNvPr>
-          <p:cNvSpPr>
-            <a:spLocks noGrp="1"/>
-          </p:cNvSpPr>
-          <p:nvPr>
-            <p:ph type="title"/>
-          </p:nvPr>
-        </p:nvSpPr>
-        <p:spPr/>
-        <p:txBody>
-          <a:bodyPr/>
-          <a:lstStyle/>
-          <a:p>
-            <a:r>
-              <a:rPr lang="fr-CA" dirty="0">
-                <a:latin typeface="Times New Roman" panose="02020603050405020304" pitchFamily="18" charset="0"/>
-                <a:cs typeface="Times New Roman" panose="02020603050405020304" pitchFamily="18" charset="0"/>
-              </a:rPr>
-              <a:t>L</a:t>
-            </a:r>
-            <a:r>
-              <a:rPr lang="en-US" altLang="zh-CN" dirty="0" err="1">
-                <a:latin typeface="Times New Roman" panose="02020603050405020304" pitchFamily="18" charset="0"/>
-                <a:cs typeface="Times New Roman" panose="02020603050405020304" pitchFamily="18" charset="0"/>
-              </a:rPr>
-              <a:t>ondon</a:t>
-            </a:r>
-            <a:r>
-              <a:rPr lang="en-US" altLang="zh-CN" dirty="0">
-                <a:latin typeface="Times New Roman" panose="02020603050405020304" pitchFamily="18" charset="0"/>
-                <a:cs typeface="Times New Roman" panose="02020603050405020304" pitchFamily="18" charset="0"/>
-              </a:rPr>
-              <a:t> (Minimize propagation delay)</a:t>
-            </a:r>
-            <a:endParaRPr lang="fr-CA" dirty="0">
-              <a:latin typeface="Times New Roman" panose="02020603050405020304" pitchFamily="18" charset="0"/>
-              <a:cs typeface="Times New Roman" panose="02020603050405020304" pitchFamily="18" charset="0"/>
-            </a:endParaRPr>
-          </a:p>
-        </p:txBody>
-      </p:sp>
-      <p:pic>
-        <p:nvPicPr>
-          <p:cNvPr id="8" name="图片 7">
-            <a:extLst>
-              <a:ext uri="{FF2B5EF4-FFF2-40B4-BE49-F238E27FC236}">
-                <a16:creationId xmlns:a16="http://schemas.microsoft.com/office/drawing/2014/main" id="{ABC07FD8-01C9-1059-1951-85EB3C718555}"/>
-              </a:ext>
-            </a:extLst>
-          </p:cNvPr>
-          <p:cNvPicPr>
-            <a:picLocks noChangeAspect="1"/>
-          </p:cNvPicPr>
-          <p:nvPr/>
-        </p:nvPicPr>
-        <p:blipFill>
-          <a:blip r:embed="rId2"/>
-          <a:stretch>
-            <a:fillRect/>
-          </a:stretch>
-        </p:blipFill>
-        <p:spPr>
-          <a:xfrm>
-            <a:off x="4200525" y="1805660"/>
-            <a:ext cx="3790950" cy="2886075"/>
-          </a:xfrm>
-          <a:prstGeom prst="rect">
-            <a:avLst/>
-          </a:prstGeom>
-        </p:spPr>
-      </p:pic>
-      <p:pic>
-        <p:nvPicPr>
-          <p:cNvPr id="10" name="图片 9">
-            <a:extLst>
-              <a:ext uri="{FF2B5EF4-FFF2-40B4-BE49-F238E27FC236}">
-                <a16:creationId xmlns:a16="http://schemas.microsoft.com/office/drawing/2014/main" id="{DC16B4D0-67DF-9293-D1F1-6A62E318C9CF}"/>
-              </a:ext>
-            </a:extLst>
-          </p:cNvPr>
-          <p:cNvPicPr>
-            <a:picLocks noChangeAspect="1"/>
-          </p:cNvPicPr>
-          <p:nvPr/>
-        </p:nvPicPr>
-        <p:blipFill>
-          <a:blip r:embed="rId3"/>
-          <a:stretch>
-            <a:fillRect/>
-          </a:stretch>
-        </p:blipFill>
-        <p:spPr>
-          <a:xfrm>
-            <a:off x="7936605" y="1805660"/>
-            <a:ext cx="3505200" cy="2647950"/>
-          </a:xfrm>
-          <a:prstGeom prst="rect">
-            <a:avLst/>
-          </a:prstGeom>
-        </p:spPr>
-      </p:pic>
-      <p:pic>
-        <p:nvPicPr>
-          <p:cNvPr id="12" name="图片 11">
-            <a:extLst>
-              <a:ext uri="{FF2B5EF4-FFF2-40B4-BE49-F238E27FC236}">
-                <a16:creationId xmlns:a16="http://schemas.microsoft.com/office/drawing/2014/main" id="{3FD3D3ED-AE6E-8F1F-A5FC-57667C25C02B}"/>
-              </a:ext>
-            </a:extLst>
-          </p:cNvPr>
-          <p:cNvPicPr>
-            <a:picLocks noChangeAspect="1"/>
-          </p:cNvPicPr>
-          <p:nvPr/>
-        </p:nvPicPr>
-        <p:blipFill>
-          <a:blip r:embed="rId4"/>
-          <a:stretch>
-            <a:fillRect/>
-          </a:stretch>
-        </p:blipFill>
-        <p:spPr>
-          <a:xfrm>
-            <a:off x="584648" y="4203613"/>
-            <a:ext cx="3571875" cy="2647950"/>
-          </a:xfrm>
-          <a:prstGeom prst="rect">
-            <a:avLst/>
-          </a:prstGeom>
-        </p:spPr>
-      </p:pic>
-      <p:pic>
-        <p:nvPicPr>
-          <p:cNvPr id="14" name="图片 13">
-            <a:extLst>
-              <a:ext uri="{FF2B5EF4-FFF2-40B4-BE49-F238E27FC236}">
-                <a16:creationId xmlns:a16="http://schemas.microsoft.com/office/drawing/2014/main" id="{BAB8F56A-869B-AC21-1AF1-9CD534587771}"/>
-              </a:ext>
-            </a:extLst>
-          </p:cNvPr>
-          <p:cNvPicPr>
-            <a:picLocks noChangeAspect="1"/>
-          </p:cNvPicPr>
-          <p:nvPr/>
-        </p:nvPicPr>
-        <p:blipFill>
-          <a:blip r:embed="rId5"/>
-          <a:stretch>
-            <a:fillRect/>
-          </a:stretch>
-        </p:blipFill>
-        <p:spPr>
-          <a:xfrm>
-            <a:off x="508448" y="1805660"/>
-            <a:ext cx="3648075" cy="2638425"/>
-          </a:xfrm>
-          <a:prstGeom prst="rect">
-            <a:avLst/>
-          </a:prstGeom>
-        </p:spPr>
-      </p:pic>
-      <p:sp>
-        <p:nvSpPr>
-          <p:cNvPr id="16" name="文本框 15">
-            <a:extLst>
-              <a:ext uri="{FF2B5EF4-FFF2-40B4-BE49-F238E27FC236}">
-                <a16:creationId xmlns:a16="http://schemas.microsoft.com/office/drawing/2014/main" id="{FF1F2972-9821-A1D0-7171-D7802B8E5B38}"/>
-              </a:ext>
-            </a:extLst>
-          </p:cNvPr>
-          <p:cNvSpPr txBox="1"/>
-          <p:nvPr/>
-        </p:nvSpPr>
-        <p:spPr>
-          <a:xfrm>
-            <a:off x="8169096" y="4624387"/>
-            <a:ext cx="3272709" cy="369332"/>
-          </a:xfrm>
-          <a:prstGeom prst="rect">
-            <a:avLst/>
-          </a:prstGeom>
-          <a:noFill/>
-        </p:spPr>
-        <p:txBody>
-          <a:bodyPr wrap="square">
-            <a:spAutoFit/>
-          </a:bodyPr>
-          <a:lstStyle/>
-          <a:p>
-            <a:r>
-              <a:rPr lang="fr-CA" altLang="zh-CN" dirty="0">
-                <a:latin typeface="Times New Roman" panose="02020603050405020304" pitchFamily="18" charset="0"/>
-                <a:cs typeface="Times New Roman" panose="02020603050405020304" pitchFamily="18" charset="0"/>
-              </a:rPr>
-              <a:t>Grid size ~ 0.05 km by 0.14 km</a:t>
-            </a:r>
-          </a:p>
-        </p:txBody>
-      </p:sp>
-    </p:spTree>
-    <p:extLst>
-      <p:ext uri="{BB962C8B-B14F-4D97-AF65-F5344CB8AC3E}">
-        <p14:creationId xmlns:p14="http://schemas.microsoft.com/office/powerpoint/2010/main" val="4198413096"/>
-      </p:ext>
-    </p:extLst>
-  </p:cSld>
-  <p:clrMapOvr>
-    <a:masterClrMapping/>
-  </p:clrMapOvr>
-</p:sld>
-</file>
-
-<file path=ppt/slides/slide27.xml><?xml version="1.0" encoding="utf-8"?>
-<p:sld xmlns:a="http://schemas.openxmlformats.org/drawingml/2006/main" xmlns:r="http://schemas.openxmlformats.org/officeDocument/2006/relationships" xmlns:p="http://schemas.openxmlformats.org/presentationml/2006/main" show="0">
-  <p:cSld>
-    <p:spTree>
-      <p:nvGrpSpPr>
-        <p:cNvPr id="1" name=""/>
-        <p:cNvGrpSpPr/>
-        <p:nvPr/>
-      </p:nvGrpSpPr>
-      <p:grpSpPr>
-        <a:xfrm>
-          <a:off x="0" y="0"/>
-          <a:ext cx="0" cy="0"/>
-          <a:chOff x="0" y="0"/>
-          <a:chExt cx="0" cy="0"/>
-        </a:xfrm>
-      </p:grpSpPr>
-      <p:pic>
-        <p:nvPicPr>
-          <p:cNvPr id="5" name="图片 4">
-            <a:extLst>
-              <a:ext uri="{FF2B5EF4-FFF2-40B4-BE49-F238E27FC236}">
-                <a16:creationId xmlns:a16="http://schemas.microsoft.com/office/drawing/2014/main" id="{FB7C2258-73AE-D2CF-02AB-06C27012AD77}"/>
-              </a:ext>
-            </a:extLst>
-          </p:cNvPr>
-          <p:cNvPicPr>
-            <a:picLocks noChangeAspect="1"/>
-          </p:cNvPicPr>
-          <p:nvPr/>
-        </p:nvPicPr>
-        <p:blipFill>
-          <a:blip r:embed="rId2"/>
-          <a:stretch>
-            <a:fillRect/>
-          </a:stretch>
-        </p:blipFill>
-        <p:spPr>
-          <a:xfrm>
-            <a:off x="4487214" y="1571625"/>
-            <a:ext cx="3857625" cy="2886075"/>
-          </a:xfrm>
-          <a:prstGeom prst="rect">
-            <a:avLst/>
-          </a:prstGeom>
-        </p:spPr>
-      </p:pic>
-      <p:pic>
-        <p:nvPicPr>
-          <p:cNvPr id="7" name="图片 6">
-            <a:extLst>
-              <a:ext uri="{FF2B5EF4-FFF2-40B4-BE49-F238E27FC236}">
-                <a16:creationId xmlns:a16="http://schemas.microsoft.com/office/drawing/2014/main" id="{1348D4B9-8C20-D63F-39E5-AFADD9727C9E}"/>
-              </a:ext>
-            </a:extLst>
-          </p:cNvPr>
-          <p:cNvPicPr>
-            <a:picLocks noChangeAspect="1"/>
-          </p:cNvPicPr>
-          <p:nvPr/>
-        </p:nvPicPr>
-        <p:blipFill>
-          <a:blip r:embed="rId3"/>
-          <a:stretch>
-            <a:fillRect/>
-          </a:stretch>
-        </p:blipFill>
-        <p:spPr>
-          <a:xfrm>
-            <a:off x="838200" y="1571625"/>
-            <a:ext cx="3629025" cy="2638425"/>
-          </a:xfrm>
-          <a:prstGeom prst="rect">
-            <a:avLst/>
-          </a:prstGeom>
-        </p:spPr>
-      </p:pic>
-      <p:pic>
-        <p:nvPicPr>
-          <p:cNvPr id="9" name="图片 8">
-            <a:extLst>
-              <a:ext uri="{FF2B5EF4-FFF2-40B4-BE49-F238E27FC236}">
-                <a16:creationId xmlns:a16="http://schemas.microsoft.com/office/drawing/2014/main" id="{4F7E3452-743C-DD2B-D489-988F1FCD465F}"/>
-              </a:ext>
-            </a:extLst>
-          </p:cNvPr>
-          <p:cNvPicPr>
-            <a:picLocks noChangeAspect="1"/>
-          </p:cNvPicPr>
-          <p:nvPr/>
-        </p:nvPicPr>
-        <p:blipFill>
-          <a:blip r:embed="rId4"/>
-          <a:stretch>
-            <a:fillRect/>
-          </a:stretch>
-        </p:blipFill>
-        <p:spPr>
-          <a:xfrm>
-            <a:off x="866774" y="4092575"/>
-            <a:ext cx="3571875" cy="2647950"/>
-          </a:xfrm>
-          <a:prstGeom prst="rect">
-            <a:avLst/>
-          </a:prstGeom>
-        </p:spPr>
-      </p:pic>
-      <p:sp>
-        <p:nvSpPr>
-          <p:cNvPr id="10" name="标题 9">
-            <a:extLst>
-              <a:ext uri="{FF2B5EF4-FFF2-40B4-BE49-F238E27FC236}">
-                <a16:creationId xmlns:a16="http://schemas.microsoft.com/office/drawing/2014/main" id="{B93F8AA6-32C2-5BD7-054E-F282C6545631}"/>
-              </a:ext>
-            </a:extLst>
-          </p:cNvPr>
-          <p:cNvSpPr>
-            <a:spLocks noGrp="1"/>
-          </p:cNvSpPr>
-          <p:nvPr>
-            <p:ph type="title"/>
-          </p:nvPr>
-        </p:nvSpPr>
-        <p:spPr/>
-        <p:txBody>
-          <a:bodyPr/>
-          <a:lstStyle/>
-          <a:p>
-            <a:r>
-              <a:rPr lang="fr-CA" dirty="0">
-                <a:latin typeface="Times New Roman" panose="02020603050405020304" pitchFamily="18" charset="0"/>
-                <a:cs typeface="Times New Roman" panose="02020603050405020304" pitchFamily="18" charset="0"/>
-              </a:rPr>
-              <a:t>Sahara (Minimize propagation delay</a:t>
-            </a:r>
-          </a:p>
-        </p:txBody>
-      </p:sp>
-      <p:pic>
-        <p:nvPicPr>
-          <p:cNvPr id="12" name="图片 11">
-            <a:extLst>
-              <a:ext uri="{FF2B5EF4-FFF2-40B4-BE49-F238E27FC236}">
-                <a16:creationId xmlns:a16="http://schemas.microsoft.com/office/drawing/2014/main" id="{C555575D-2873-874E-C34E-FA10B059629A}"/>
-              </a:ext>
-            </a:extLst>
-          </p:cNvPr>
-          <p:cNvPicPr>
-            <a:picLocks noChangeAspect="1"/>
-          </p:cNvPicPr>
-          <p:nvPr/>
-        </p:nvPicPr>
-        <p:blipFill>
-          <a:blip r:embed="rId5"/>
-          <a:stretch>
-            <a:fillRect/>
-          </a:stretch>
-        </p:blipFill>
-        <p:spPr>
-          <a:xfrm>
-            <a:off x="8364156" y="1562100"/>
-            <a:ext cx="3600450" cy="2647950"/>
-          </a:xfrm>
-          <a:prstGeom prst="rect">
-            <a:avLst/>
-          </a:prstGeom>
-        </p:spPr>
-      </p:pic>
-      <p:sp>
-        <p:nvSpPr>
-          <p:cNvPr id="13" name="文本框 12">
-            <a:extLst>
-              <a:ext uri="{FF2B5EF4-FFF2-40B4-BE49-F238E27FC236}">
-                <a16:creationId xmlns:a16="http://schemas.microsoft.com/office/drawing/2014/main" id="{4F6C37EB-B1ED-14EE-0710-DFD39C43CBDB}"/>
-              </a:ext>
-            </a:extLst>
-          </p:cNvPr>
-          <p:cNvSpPr txBox="1"/>
-          <p:nvPr/>
-        </p:nvSpPr>
-        <p:spPr>
-          <a:xfrm>
-            <a:off x="8983014" y="4210050"/>
-            <a:ext cx="2981592" cy="369332"/>
-          </a:xfrm>
-          <a:prstGeom prst="rect">
-            <a:avLst/>
-          </a:prstGeom>
-          <a:noFill/>
-        </p:spPr>
-        <p:txBody>
-          <a:bodyPr wrap="square" rtlCol="0">
-            <a:spAutoFit/>
-          </a:bodyPr>
-          <a:lstStyle/>
-          <a:p>
-            <a:r>
-              <a:rPr lang="fr-CA" dirty="0">
-                <a:latin typeface="Times New Roman" panose="02020603050405020304" pitchFamily="18" charset="0"/>
-                <a:cs typeface="Times New Roman" panose="02020603050405020304" pitchFamily="18" charset="0"/>
-              </a:rPr>
-              <a:t>Grid size ~1.1 km by 1.7 km</a:t>
-            </a:r>
-          </a:p>
-        </p:txBody>
-      </p:sp>
-    </p:spTree>
-    <p:extLst>
-      <p:ext uri="{BB962C8B-B14F-4D97-AF65-F5344CB8AC3E}">
-        <p14:creationId xmlns:p14="http://schemas.microsoft.com/office/powerpoint/2010/main" val="3518597048"/>
-      </p:ext>
-    </p:extLst>
-  </p:cSld>
-  <p:clrMapOvr>
-    <a:masterClrMapping/>
-  </p:clrMapOvr>
-</p:sld>
-</file>
-
-<file path=ppt/slides/slide3.xml><?xml version="1.0" encoding="utf-8"?>
+<file path=ppt/slides/slide4.xml><?xml version="1.0" encoding="utf-8"?>
 <p:sld xmlns:a="http://schemas.openxmlformats.org/drawingml/2006/main" xmlns:r="http://schemas.openxmlformats.org/officeDocument/2006/relationships" xmlns:p="http://schemas.openxmlformats.org/presentationml/2006/main">
   <p:cSld>
     <p:spTree>
@@ -9976,7 +10348,7 @@
 </p:sld>
 </file>
 
-<file path=ppt/slides/slide4.xml><?xml version="1.0" encoding="utf-8"?>
+<file path=ppt/slides/slide5.xml><?xml version="1.0" encoding="utf-8"?>
 <p:sld xmlns:a="http://schemas.openxmlformats.org/drawingml/2006/main" xmlns:r="http://schemas.openxmlformats.org/officeDocument/2006/relationships" xmlns:p="http://schemas.openxmlformats.org/presentationml/2006/main">
   <p:cSld>
     <p:spTree>
@@ -10225,7 +10597,7 @@
 </p:sld>
 </file>
 
-<file path=ppt/slides/slide5.xml><?xml version="1.0" encoding="utf-8"?>
+<file path=ppt/slides/slide6.xml><?xml version="1.0" encoding="utf-8"?>
 <p:sld xmlns:a="http://schemas.openxmlformats.org/drawingml/2006/main" xmlns:r="http://schemas.openxmlformats.org/officeDocument/2006/relationships" xmlns:p="http://schemas.openxmlformats.org/presentationml/2006/main">
   <p:cSld>
     <p:spTree>
@@ -10376,7 +10748,7 @@
 </p:sld>
 </file>
 
-<file path=ppt/slides/slide6.xml><?xml version="1.0" encoding="utf-8"?>
+<file path=ppt/slides/slide7.xml><?xml version="1.0" encoding="utf-8"?>
 <p:sld xmlns:a="http://schemas.openxmlformats.org/drawingml/2006/main" xmlns:r="http://schemas.openxmlformats.org/officeDocument/2006/relationships" xmlns:p="http://schemas.openxmlformats.org/presentationml/2006/main">
   <p:cSld>
     <p:spTree>
@@ -10583,7 +10955,7 @@
 </p:sld>
 </file>
 
-<file path=ppt/slides/slide7.xml><?xml version="1.0" encoding="utf-8"?>
+<file path=ppt/slides/slide8.xml><?xml version="1.0" encoding="utf-8"?>
 <p:sld xmlns:a="http://schemas.openxmlformats.org/drawingml/2006/main" xmlns:r="http://schemas.openxmlformats.org/officeDocument/2006/relationships" xmlns:p="http://schemas.openxmlformats.org/presentationml/2006/main">
   <p:cSld>
     <p:spTree>
@@ -10643,7 +11015,7 @@
 </p:sld>
 </file>
 
-<file path=ppt/slides/slide8.xml><?xml version="1.0" encoding="utf-8"?>
+<file path=ppt/slides/slide9.xml><?xml version="1.0" encoding="utf-8"?>
 <p:sld xmlns:a="http://schemas.openxmlformats.org/drawingml/2006/main" xmlns:r="http://schemas.openxmlformats.org/officeDocument/2006/relationships" xmlns:p="http://schemas.openxmlformats.org/presentationml/2006/main">
   <p:cSld>
     <p:spTree>
@@ -10812,66 +11184,6 @@
     <p:extLst>
       <p:ext uri="{BB962C8B-B14F-4D97-AF65-F5344CB8AC3E}">
         <p14:creationId xmlns:p14="http://schemas.microsoft.com/office/powerpoint/2010/main" val="2987150356"/>
-      </p:ext>
-    </p:extLst>
-  </p:cSld>
-  <p:clrMapOvr>
-    <a:masterClrMapping/>
-  </p:clrMapOvr>
-</p:sld>
-</file>
-
-<file path=ppt/slides/slide9.xml><?xml version="1.0" encoding="utf-8"?>
-<p:sld xmlns:a="http://schemas.openxmlformats.org/drawingml/2006/main" xmlns:r="http://schemas.openxmlformats.org/officeDocument/2006/relationships" xmlns:p="http://schemas.openxmlformats.org/presentationml/2006/main">
-  <p:cSld>
-    <p:spTree>
-      <p:nvGrpSpPr>
-        <p:cNvPr id="1" name=""/>
-        <p:cNvGrpSpPr/>
-        <p:nvPr/>
-      </p:nvGrpSpPr>
-      <p:grpSpPr>
-        <a:xfrm>
-          <a:off x="0" y="0"/>
-          <a:ext cx="0" cy="0"/>
-          <a:chOff x="0" y="0"/>
-          <a:chExt cx="0" cy="0"/>
-        </a:xfrm>
-      </p:grpSpPr>
-      <p:pic>
-        <p:nvPicPr>
-          <p:cNvPr id="4" name="图片 3">
-            <a:extLst>
-              <a:ext uri="{FF2B5EF4-FFF2-40B4-BE49-F238E27FC236}">
-                <a16:creationId xmlns:a16="http://schemas.microsoft.com/office/drawing/2014/main" id="{1D2A8960-D7FE-1217-5BDC-9728CC3F6971}"/>
-              </a:ext>
-            </a:extLst>
-          </p:cNvPr>
-          <p:cNvPicPr>
-            <a:picLocks noChangeAspect="1"/>
-          </p:cNvPicPr>
-          <p:nvPr/>
-        </p:nvPicPr>
-        <p:blipFill>
-          <a:blip r:embed="rId2"/>
-          <a:stretch>
-            <a:fillRect/>
-          </a:stretch>
-        </p:blipFill>
-        <p:spPr>
-          <a:xfrm>
-            <a:off x="1585912" y="1128712"/>
-            <a:ext cx="9020175" cy="4600575"/>
-          </a:xfrm>
-          <a:prstGeom prst="rect">
-            <a:avLst/>
-          </a:prstGeom>
-        </p:spPr>
-      </p:pic>
-    </p:spTree>
-    <p:extLst>
-      <p:ext uri="{BB962C8B-B14F-4D97-AF65-F5344CB8AC3E}">
-        <p14:creationId xmlns:p14="http://schemas.microsoft.com/office/powerpoint/2010/main" val="2005775447"/>
       </p:ext>
     </p:extLst>
   </p:cSld>

--- a/simulation.pptx
+++ b/simulation.pptx
@@ -5,7 +5,7 @@
     <p:sldMasterId id="2147483648" r:id="rId1"/>
   </p:sldMasterIdLst>
   <p:notesMasterIdLst>
-    <p:notesMasterId r:id="rId30"/>
+    <p:notesMasterId r:id="rId31"/>
   </p:notesMasterIdLst>
   <p:sldIdLst>
     <p:sldId id="286" r:id="rId2"/>
@@ -36,6 +36,7 @@
     <p:sldId id="278" r:id="rId27"/>
     <p:sldId id="266" r:id="rId28"/>
     <p:sldId id="262" r:id="rId29"/>
+    <p:sldId id="291" r:id="rId30"/>
   </p:sldIdLst>
   <p:sldSz cx="12192000" cy="6858000"/>
   <p:notesSz cx="6858000" cy="9144000"/>
@@ -224,7 +225,7 @@
           <a:p>
             <a:fld id="{CC7CB2C3-37B5-4BD6-986D-8040C072327A}" type="datetimeFigureOut">
               <a:rPr lang="fr-CA" smtClean="0"/>
-              <a:t>2022-10-31</a:t>
+              <a:t>2022-11-10</a:t>
             </a:fld>
             <a:endParaRPr lang="fr-CA"/>
           </a:p>
@@ -625,6 +626,60 @@
               <a:t>CIR calibration and padding</a:t>
             </a:r>
           </a:p>
+          <a:p>
+            <a:endParaRPr lang="fr-CA" dirty="0"/>
+          </a:p>
+          <a:p>
+            <a:r>
+              <a:rPr lang="fr-CA" dirty="0"/>
+              <a:t>F</a:t>
+            </a:r>
+            <a:r>
+              <a:rPr lang="en-US" dirty="0"/>
+              <a:t>or</a:t>
+            </a:r>
+            <a:r>
+              <a:rPr lang="zh-CN" altLang="en-US" dirty="0"/>
+              <a:t> </a:t>
+            </a:r>
+            <a:r>
+              <a:rPr lang="en-US" altLang="zh-CN" dirty="0"/>
+              <a:t>a</a:t>
+            </a:r>
+            <a:r>
+              <a:rPr lang="zh-CN" altLang="en-US" dirty="0"/>
+              <a:t> </a:t>
+            </a:r>
+            <a:r>
+              <a:rPr lang="en-US" altLang="zh-CN" dirty="0"/>
+              <a:t>scenario</a:t>
+            </a:r>
+            <a:r>
+              <a:rPr lang="zh-CN" altLang="en-US" dirty="0"/>
+              <a:t> </a:t>
+            </a:r>
+            <a:r>
+              <a:rPr lang="en-US" altLang="zh-CN" dirty="0"/>
+              <a:t>with T </a:t>
+            </a:r>
+            <a:r>
+              <a:rPr lang="en-US" altLang="zh-CN" dirty="0" err="1"/>
+              <a:t>tx</a:t>
+            </a:r>
+            <a:r>
+              <a:rPr lang="en-US" altLang="zh-CN" dirty="0"/>
+              <a:t> and R </a:t>
+            </a:r>
+            <a:r>
+              <a:rPr lang="en-US" altLang="zh-CN" dirty="0" err="1"/>
+              <a:t>rx</a:t>
+            </a:r>
+            <a:r>
+              <a:rPr lang="en-US" altLang="zh-CN" dirty="0"/>
+              <a:t> and </a:t>
+            </a:r>
+            <a:endParaRPr lang="fr-CA" dirty="0"/>
+          </a:p>
         </p:txBody>
       </p:sp>
       <p:sp>
@@ -812,7 +867,7 @@
           <a:p>
             <a:fld id="{5890D0D9-284D-414C-A308-03C9872EF452}" type="datetimeFigureOut">
               <a:rPr lang="fr-CA" smtClean="0"/>
-              <a:t>2022-10-31</a:t>
+              <a:t>2022-11-10</a:t>
             </a:fld>
             <a:endParaRPr lang="fr-CA"/>
           </a:p>
@@ -1012,7 +1067,7 @@
           <a:p>
             <a:fld id="{5890D0D9-284D-414C-A308-03C9872EF452}" type="datetimeFigureOut">
               <a:rPr lang="fr-CA" smtClean="0"/>
-              <a:t>2022-10-31</a:t>
+              <a:t>2022-11-10</a:t>
             </a:fld>
             <a:endParaRPr lang="fr-CA"/>
           </a:p>
@@ -1222,7 +1277,7 @@
           <a:p>
             <a:fld id="{5890D0D9-284D-414C-A308-03C9872EF452}" type="datetimeFigureOut">
               <a:rPr lang="fr-CA" smtClean="0"/>
-              <a:t>2022-10-31</a:t>
+              <a:t>2022-11-10</a:t>
             </a:fld>
             <a:endParaRPr lang="fr-CA"/>
           </a:p>
@@ -1422,7 +1477,7 @@
           <a:p>
             <a:fld id="{5890D0D9-284D-414C-A308-03C9872EF452}" type="datetimeFigureOut">
               <a:rPr lang="fr-CA" smtClean="0"/>
-              <a:t>2022-10-31</a:t>
+              <a:t>2022-11-10</a:t>
             </a:fld>
             <a:endParaRPr lang="fr-CA"/>
           </a:p>
@@ -1698,7 +1753,7 @@
           <a:p>
             <a:fld id="{5890D0D9-284D-414C-A308-03C9872EF452}" type="datetimeFigureOut">
               <a:rPr lang="fr-CA" smtClean="0"/>
-              <a:t>2022-10-31</a:t>
+              <a:t>2022-11-10</a:t>
             </a:fld>
             <a:endParaRPr lang="fr-CA"/>
           </a:p>
@@ -1966,7 +2021,7 @@
           <a:p>
             <a:fld id="{5890D0D9-284D-414C-A308-03C9872EF452}" type="datetimeFigureOut">
               <a:rPr lang="fr-CA" smtClean="0"/>
-              <a:t>2022-10-31</a:t>
+              <a:t>2022-11-10</a:t>
             </a:fld>
             <a:endParaRPr lang="fr-CA"/>
           </a:p>
@@ -2381,7 +2436,7 @@
           <a:p>
             <a:fld id="{5890D0D9-284D-414C-A308-03C9872EF452}" type="datetimeFigureOut">
               <a:rPr lang="fr-CA" smtClean="0"/>
-              <a:t>2022-10-31</a:t>
+              <a:t>2022-11-10</a:t>
             </a:fld>
             <a:endParaRPr lang="fr-CA"/>
           </a:p>
@@ -2523,7 +2578,7 @@
           <a:p>
             <a:fld id="{5890D0D9-284D-414C-A308-03C9872EF452}" type="datetimeFigureOut">
               <a:rPr lang="fr-CA" smtClean="0"/>
-              <a:t>2022-10-31</a:t>
+              <a:t>2022-11-10</a:t>
             </a:fld>
             <a:endParaRPr lang="fr-CA"/>
           </a:p>
@@ -2636,7 +2691,7 @@
           <a:p>
             <a:fld id="{5890D0D9-284D-414C-A308-03C9872EF452}" type="datetimeFigureOut">
               <a:rPr lang="fr-CA" smtClean="0"/>
-              <a:t>2022-10-31</a:t>
+              <a:t>2022-11-10</a:t>
             </a:fld>
             <a:endParaRPr lang="fr-CA"/>
           </a:p>
@@ -2949,7 +3004,7 @@
           <a:p>
             <a:fld id="{5890D0D9-284D-414C-A308-03C9872EF452}" type="datetimeFigureOut">
               <a:rPr lang="fr-CA" smtClean="0"/>
-              <a:t>2022-10-31</a:t>
+              <a:t>2022-11-10</a:t>
             </a:fld>
             <a:endParaRPr lang="fr-CA"/>
           </a:p>
@@ -3238,7 +3293,7 @@
           <a:p>
             <a:fld id="{5890D0D9-284D-414C-A308-03C9872EF452}" type="datetimeFigureOut">
               <a:rPr lang="fr-CA" smtClean="0"/>
-              <a:t>2022-10-31</a:t>
+              <a:t>2022-11-10</a:t>
             </a:fld>
             <a:endParaRPr lang="fr-CA"/>
           </a:p>
@@ -3481,7 +3536,7 @@
           <a:p>
             <a:fld id="{5890D0D9-284D-414C-A308-03C9872EF452}" type="datetimeFigureOut">
               <a:rPr lang="fr-CA" smtClean="0"/>
-              <a:t>2022-10-31</a:t>
+              <a:t>2022-11-10</a:t>
             </a:fld>
             <a:endParaRPr lang="fr-CA"/>
           </a:p>
@@ -5864,7 +5919,7 @@
               <a:t>requence</a:t>
             </a:r>
             <a:r>
-              <a:rPr lang="en-US" altLang="zh-CN"/>
+              <a:rPr lang="en-US" altLang="zh-CN" dirty="0"/>
               <a:t>: 10-9</a:t>
             </a:r>
             <a:endParaRPr lang="fr-CA" dirty="0"/>
@@ -7082,6 +7137,256 @@
 </p:sld>
 </file>
 
+<file path=ppt/slides/slide29.xml><?xml version="1.0" encoding="utf-8"?>
+<p:sld xmlns:a="http://schemas.openxmlformats.org/drawingml/2006/main" xmlns:r="http://schemas.openxmlformats.org/officeDocument/2006/relationships" xmlns:p="http://schemas.openxmlformats.org/presentationml/2006/main">
+  <p:cSld>
+    <p:spTree>
+      <p:nvGrpSpPr>
+        <p:cNvPr id="1" name=""/>
+        <p:cNvGrpSpPr/>
+        <p:nvPr/>
+      </p:nvGrpSpPr>
+      <p:grpSpPr>
+        <a:xfrm>
+          <a:off x="0" y="0"/>
+          <a:ext cx="0" cy="0"/>
+          <a:chOff x="0" y="0"/>
+          <a:chExt cx="0" cy="0"/>
+        </a:xfrm>
+      </p:grpSpPr>
+      <p:sp>
+        <p:nvSpPr>
+          <p:cNvPr id="3" name="矩形 2">
+            <a:extLst>
+              <a:ext uri="{FF2B5EF4-FFF2-40B4-BE49-F238E27FC236}">
+                <a16:creationId xmlns:a16="http://schemas.microsoft.com/office/drawing/2014/main" id="{A2C28273-2C95-4B61-D6B3-4EED71564C18}"/>
+              </a:ext>
+            </a:extLst>
+          </p:cNvPr>
+          <p:cNvSpPr/>
+          <p:nvPr/>
+        </p:nvSpPr>
+        <p:spPr>
+          <a:xfrm>
+            <a:off x="4765183" y="2163651"/>
+            <a:ext cx="1330817" cy="540912"/>
+          </a:xfrm>
+          <a:prstGeom prst="rect">
+            <a:avLst/>
+          </a:prstGeom>
+          <a:solidFill>
+            <a:schemeClr val="bg2">
+              <a:lumMod val="75000"/>
+            </a:schemeClr>
+          </a:solidFill>
+          <a:ln>
+            <a:solidFill>
+              <a:schemeClr val="tx1"/>
+            </a:solidFill>
+          </a:ln>
+        </p:spPr>
+        <p:style>
+          <a:lnRef idx="2">
+            <a:schemeClr val="accent1">
+              <a:shade val="50000"/>
+            </a:schemeClr>
+          </a:lnRef>
+          <a:fillRef idx="1">
+            <a:schemeClr val="accent1"/>
+          </a:fillRef>
+          <a:effectRef idx="0">
+            <a:schemeClr val="accent1"/>
+          </a:effectRef>
+          <a:fontRef idx="minor">
+            <a:schemeClr val="lt1"/>
+          </a:fontRef>
+        </p:style>
+        <p:txBody>
+          <a:bodyPr rtlCol="0" anchor="ctr"/>
+          <a:lstStyle/>
+          <a:p>
+            <a:pPr algn="ctr"/>
+            <a:endParaRPr lang="fr-CA"/>
+          </a:p>
+        </p:txBody>
+      </p:sp>
+      <p:sp>
+        <p:nvSpPr>
+          <p:cNvPr id="4" name="矩形 3">
+            <a:extLst>
+              <a:ext uri="{FF2B5EF4-FFF2-40B4-BE49-F238E27FC236}">
+                <a16:creationId xmlns:a16="http://schemas.microsoft.com/office/drawing/2014/main" id="{9F2C7937-329D-77F8-A9AD-B5CAAAF8C8D3}"/>
+              </a:ext>
+            </a:extLst>
+          </p:cNvPr>
+          <p:cNvSpPr/>
+          <p:nvPr/>
+        </p:nvSpPr>
+        <p:spPr>
+          <a:xfrm>
+            <a:off x="3500906" y="3429000"/>
+            <a:ext cx="4200660" cy="176011"/>
+          </a:xfrm>
+          <a:prstGeom prst="rect">
+            <a:avLst/>
+          </a:prstGeom>
+          <a:solidFill>
+            <a:schemeClr val="bg2">
+              <a:lumMod val="75000"/>
+            </a:schemeClr>
+          </a:solidFill>
+          <a:ln>
+            <a:solidFill>
+              <a:schemeClr val="tx1"/>
+            </a:solidFill>
+          </a:ln>
+        </p:spPr>
+        <p:style>
+          <a:lnRef idx="2">
+            <a:schemeClr val="accent1">
+              <a:shade val="50000"/>
+            </a:schemeClr>
+          </a:lnRef>
+          <a:fillRef idx="1">
+            <a:schemeClr val="accent1"/>
+          </a:fillRef>
+          <a:effectRef idx="0">
+            <a:schemeClr val="accent1"/>
+          </a:effectRef>
+          <a:fontRef idx="minor">
+            <a:schemeClr val="lt1"/>
+          </a:fontRef>
+        </p:style>
+        <p:txBody>
+          <a:bodyPr rtlCol="0" anchor="ctr"/>
+          <a:lstStyle/>
+          <a:p>
+            <a:pPr algn="ctr"/>
+            <a:endParaRPr lang="fr-CA"/>
+          </a:p>
+        </p:txBody>
+      </p:sp>
+      <p:sp>
+        <p:nvSpPr>
+          <p:cNvPr id="5" name="椭圆 4">
+            <a:extLst>
+              <a:ext uri="{FF2B5EF4-FFF2-40B4-BE49-F238E27FC236}">
+                <a16:creationId xmlns:a16="http://schemas.microsoft.com/office/drawing/2014/main" id="{8AB5C907-2B8A-127B-549F-A77BDBB1B09B}"/>
+              </a:ext>
+            </a:extLst>
+          </p:cNvPr>
+          <p:cNvSpPr/>
+          <p:nvPr/>
+        </p:nvSpPr>
+        <p:spPr>
+          <a:xfrm>
+            <a:off x="4037527" y="2909015"/>
+            <a:ext cx="128789" cy="128789"/>
+          </a:xfrm>
+          <a:prstGeom prst="ellipse">
+            <a:avLst/>
+          </a:prstGeom>
+          <a:solidFill>
+            <a:srgbClr val="00B050"/>
+          </a:solidFill>
+          <a:ln>
+            <a:solidFill>
+              <a:schemeClr val="tx1"/>
+            </a:solidFill>
+          </a:ln>
+        </p:spPr>
+        <p:style>
+          <a:lnRef idx="2">
+            <a:schemeClr val="accent1">
+              <a:shade val="50000"/>
+            </a:schemeClr>
+          </a:lnRef>
+          <a:fillRef idx="1">
+            <a:schemeClr val="accent1"/>
+          </a:fillRef>
+          <a:effectRef idx="0">
+            <a:schemeClr val="accent1"/>
+          </a:effectRef>
+          <a:fontRef idx="minor">
+            <a:schemeClr val="lt1"/>
+          </a:fontRef>
+        </p:style>
+        <p:txBody>
+          <a:bodyPr rtlCol="0" anchor="ctr"/>
+          <a:lstStyle/>
+          <a:p>
+            <a:pPr algn="ctr"/>
+            <a:endParaRPr lang="fr-CA"/>
+          </a:p>
+        </p:txBody>
+      </p:sp>
+      <p:sp>
+        <p:nvSpPr>
+          <p:cNvPr id="6" name="椭圆 5">
+            <a:extLst>
+              <a:ext uri="{FF2B5EF4-FFF2-40B4-BE49-F238E27FC236}">
+                <a16:creationId xmlns:a16="http://schemas.microsoft.com/office/drawing/2014/main" id="{2BE21DED-B10C-7F19-E995-525A0168C9F3}"/>
+              </a:ext>
+            </a:extLst>
+          </p:cNvPr>
+          <p:cNvSpPr/>
+          <p:nvPr/>
+        </p:nvSpPr>
+        <p:spPr>
+          <a:xfrm>
+            <a:off x="6894491" y="2909014"/>
+            <a:ext cx="128789" cy="128789"/>
+          </a:xfrm>
+          <a:prstGeom prst="ellipse">
+            <a:avLst/>
+          </a:prstGeom>
+          <a:solidFill>
+            <a:srgbClr val="FF0000"/>
+          </a:solidFill>
+          <a:ln>
+            <a:solidFill>
+              <a:schemeClr val="tx1"/>
+            </a:solidFill>
+          </a:ln>
+        </p:spPr>
+        <p:style>
+          <a:lnRef idx="2">
+            <a:schemeClr val="accent1">
+              <a:shade val="50000"/>
+            </a:schemeClr>
+          </a:lnRef>
+          <a:fillRef idx="1">
+            <a:schemeClr val="accent1"/>
+          </a:fillRef>
+          <a:effectRef idx="0">
+            <a:schemeClr val="accent1"/>
+          </a:effectRef>
+          <a:fontRef idx="minor">
+            <a:schemeClr val="lt1"/>
+          </a:fontRef>
+        </p:style>
+        <p:txBody>
+          <a:bodyPr rtlCol="0" anchor="ctr"/>
+          <a:lstStyle/>
+          <a:p>
+            <a:pPr algn="ctr"/>
+            <a:endParaRPr lang="fr-CA"/>
+          </a:p>
+        </p:txBody>
+      </p:sp>
+    </p:spTree>
+    <p:extLst>
+      <p:ext uri="{BB962C8B-B14F-4D97-AF65-F5344CB8AC3E}">
+        <p14:creationId xmlns:p14="http://schemas.microsoft.com/office/powerpoint/2010/main" val="1485662428"/>
+      </p:ext>
+    </p:extLst>
+  </p:cSld>
+  <p:clrMapOvr>
+    <a:masterClrMapping/>
+  </p:clrMapOvr>
+</p:sld>
+</file>
+
 <file path=ppt/slides/slide3.xml><?xml version="1.0" encoding="utf-8"?>
 <p:sld xmlns:a="http://schemas.openxmlformats.org/drawingml/2006/main" xmlns:r="http://schemas.openxmlformats.org/officeDocument/2006/relationships" xmlns:p="http://schemas.openxmlformats.org/presentationml/2006/main">
   <p:cSld>
@@ -7165,7 +7470,7 @@
         </p:nvGrpSpPr>
         <p:grpSpPr>
           <a:xfrm>
-            <a:off x="613610" y="269285"/>
+            <a:off x="613610" y="237088"/>
             <a:ext cx="6947939" cy="6263232"/>
             <a:chOff x="613610" y="269285"/>
             <a:chExt cx="6947939" cy="6263232"/>

--- a/simulation.pptx
+++ b/simulation.pptx
@@ -5,38 +5,39 @@
     <p:sldMasterId id="2147483648" r:id="rId1"/>
   </p:sldMasterIdLst>
   <p:notesMasterIdLst>
-    <p:notesMasterId r:id="rId31"/>
+    <p:notesMasterId r:id="rId32"/>
   </p:notesMasterIdLst>
   <p:sldIdLst>
     <p:sldId id="286" r:id="rId2"/>
     <p:sldId id="290" r:id="rId3"/>
-    <p:sldId id="264" r:id="rId4"/>
-    <p:sldId id="265" r:id="rId5"/>
-    <p:sldId id="267" r:id="rId6"/>
-    <p:sldId id="269" r:id="rId7"/>
-    <p:sldId id="270" r:id="rId8"/>
-    <p:sldId id="276" r:id="rId9"/>
-    <p:sldId id="282" r:id="rId10"/>
-    <p:sldId id="279" r:id="rId11"/>
-    <p:sldId id="280" r:id="rId12"/>
-    <p:sldId id="263" r:id="rId13"/>
-    <p:sldId id="271" r:id="rId14"/>
-    <p:sldId id="272" r:id="rId15"/>
-    <p:sldId id="281" r:id="rId16"/>
-    <p:sldId id="285" r:id="rId17"/>
-    <p:sldId id="283" r:id="rId18"/>
-    <p:sldId id="289" r:id="rId19"/>
-    <p:sldId id="284" r:id="rId20"/>
-    <p:sldId id="287" r:id="rId21"/>
-    <p:sldId id="288" r:id="rId22"/>
-    <p:sldId id="274" r:id="rId23"/>
-    <p:sldId id="275" r:id="rId24"/>
-    <p:sldId id="277" r:id="rId25"/>
-    <p:sldId id="273" r:id="rId26"/>
-    <p:sldId id="278" r:id="rId27"/>
-    <p:sldId id="266" r:id="rId28"/>
-    <p:sldId id="262" r:id="rId29"/>
-    <p:sldId id="291" r:id="rId30"/>
+    <p:sldId id="292" r:id="rId4"/>
+    <p:sldId id="264" r:id="rId5"/>
+    <p:sldId id="265" r:id="rId6"/>
+    <p:sldId id="267" r:id="rId7"/>
+    <p:sldId id="269" r:id="rId8"/>
+    <p:sldId id="270" r:id="rId9"/>
+    <p:sldId id="276" r:id="rId10"/>
+    <p:sldId id="282" r:id="rId11"/>
+    <p:sldId id="279" r:id="rId12"/>
+    <p:sldId id="280" r:id="rId13"/>
+    <p:sldId id="263" r:id="rId14"/>
+    <p:sldId id="271" r:id="rId15"/>
+    <p:sldId id="272" r:id="rId16"/>
+    <p:sldId id="281" r:id="rId17"/>
+    <p:sldId id="285" r:id="rId18"/>
+    <p:sldId id="283" r:id="rId19"/>
+    <p:sldId id="289" r:id="rId20"/>
+    <p:sldId id="284" r:id="rId21"/>
+    <p:sldId id="287" r:id="rId22"/>
+    <p:sldId id="288" r:id="rId23"/>
+    <p:sldId id="274" r:id="rId24"/>
+    <p:sldId id="275" r:id="rId25"/>
+    <p:sldId id="277" r:id="rId26"/>
+    <p:sldId id="273" r:id="rId27"/>
+    <p:sldId id="278" r:id="rId28"/>
+    <p:sldId id="266" r:id="rId29"/>
+    <p:sldId id="262" r:id="rId30"/>
+    <p:sldId id="291" r:id="rId31"/>
   </p:sldIdLst>
   <p:sldSz cx="12192000" cy="6858000"/>
   <p:notesSz cx="6858000" cy="9144000"/>
@@ -225,7 +226,7 @@
           <a:p>
             <a:fld id="{CC7CB2C3-37B5-4BD6-986D-8040C072327A}" type="datetimeFigureOut">
               <a:rPr lang="fr-CA" smtClean="0"/>
-              <a:t>2022-11-10</a:t>
+              <a:t>2022-11-23</a:t>
             </a:fld>
             <a:endParaRPr lang="fr-CA"/>
           </a:p>
@@ -699,7 +700,7 @@
           <a:p>
             <a:fld id="{2C553ADB-DCF5-4083-B0C6-071B2F503C37}" type="slidenum">
               <a:rPr lang="fr-CA" smtClean="0"/>
-              <a:t>3</a:t>
+              <a:t>4</a:t>
             </a:fld>
             <a:endParaRPr lang="fr-CA"/>
           </a:p>
@@ -867,7 +868,7 @@
           <a:p>
             <a:fld id="{5890D0D9-284D-414C-A308-03C9872EF452}" type="datetimeFigureOut">
               <a:rPr lang="fr-CA" smtClean="0"/>
-              <a:t>2022-11-10</a:t>
+              <a:t>2022-11-23</a:t>
             </a:fld>
             <a:endParaRPr lang="fr-CA"/>
           </a:p>
@@ -1067,7 +1068,7 @@
           <a:p>
             <a:fld id="{5890D0D9-284D-414C-A308-03C9872EF452}" type="datetimeFigureOut">
               <a:rPr lang="fr-CA" smtClean="0"/>
-              <a:t>2022-11-10</a:t>
+              <a:t>2022-11-23</a:t>
             </a:fld>
             <a:endParaRPr lang="fr-CA"/>
           </a:p>
@@ -1277,7 +1278,7 @@
           <a:p>
             <a:fld id="{5890D0D9-284D-414C-A308-03C9872EF452}" type="datetimeFigureOut">
               <a:rPr lang="fr-CA" smtClean="0"/>
-              <a:t>2022-11-10</a:t>
+              <a:t>2022-11-23</a:t>
             </a:fld>
             <a:endParaRPr lang="fr-CA"/>
           </a:p>
@@ -1477,7 +1478,7 @@
           <a:p>
             <a:fld id="{5890D0D9-284D-414C-A308-03C9872EF452}" type="datetimeFigureOut">
               <a:rPr lang="fr-CA" smtClean="0"/>
-              <a:t>2022-11-10</a:t>
+              <a:t>2022-11-23</a:t>
             </a:fld>
             <a:endParaRPr lang="fr-CA"/>
           </a:p>
@@ -1753,7 +1754,7 @@
           <a:p>
             <a:fld id="{5890D0D9-284D-414C-A308-03C9872EF452}" type="datetimeFigureOut">
               <a:rPr lang="fr-CA" smtClean="0"/>
-              <a:t>2022-11-10</a:t>
+              <a:t>2022-11-23</a:t>
             </a:fld>
             <a:endParaRPr lang="fr-CA"/>
           </a:p>
@@ -2021,7 +2022,7 @@
           <a:p>
             <a:fld id="{5890D0D9-284D-414C-A308-03C9872EF452}" type="datetimeFigureOut">
               <a:rPr lang="fr-CA" smtClean="0"/>
-              <a:t>2022-11-10</a:t>
+              <a:t>2022-11-23</a:t>
             </a:fld>
             <a:endParaRPr lang="fr-CA"/>
           </a:p>
@@ -2436,7 +2437,7 @@
           <a:p>
             <a:fld id="{5890D0D9-284D-414C-A308-03C9872EF452}" type="datetimeFigureOut">
               <a:rPr lang="fr-CA" smtClean="0"/>
-              <a:t>2022-11-10</a:t>
+              <a:t>2022-11-23</a:t>
             </a:fld>
             <a:endParaRPr lang="fr-CA"/>
           </a:p>
@@ -2578,7 +2579,7 @@
           <a:p>
             <a:fld id="{5890D0D9-284D-414C-A308-03C9872EF452}" type="datetimeFigureOut">
               <a:rPr lang="fr-CA" smtClean="0"/>
-              <a:t>2022-11-10</a:t>
+              <a:t>2022-11-23</a:t>
             </a:fld>
             <a:endParaRPr lang="fr-CA"/>
           </a:p>
@@ -2691,7 +2692,7 @@
           <a:p>
             <a:fld id="{5890D0D9-284D-414C-A308-03C9872EF452}" type="datetimeFigureOut">
               <a:rPr lang="fr-CA" smtClean="0"/>
-              <a:t>2022-11-10</a:t>
+              <a:t>2022-11-23</a:t>
             </a:fld>
             <a:endParaRPr lang="fr-CA"/>
           </a:p>
@@ -3004,7 +3005,7 @@
           <a:p>
             <a:fld id="{5890D0D9-284D-414C-A308-03C9872EF452}" type="datetimeFigureOut">
               <a:rPr lang="fr-CA" smtClean="0"/>
-              <a:t>2022-11-10</a:t>
+              <a:t>2022-11-23</a:t>
             </a:fld>
             <a:endParaRPr lang="fr-CA"/>
           </a:p>
@@ -3293,7 +3294,7 @@
           <a:p>
             <a:fld id="{5890D0D9-284D-414C-A308-03C9872EF452}" type="datetimeFigureOut">
               <a:rPr lang="fr-CA" smtClean="0"/>
-              <a:t>2022-11-10</a:t>
+              <a:t>2022-11-23</a:t>
             </a:fld>
             <a:endParaRPr lang="fr-CA"/>
           </a:p>
@@ -3536,7 +3537,7 @@
           <a:p>
             <a:fld id="{5890D0D9-284D-414C-A308-03C9872EF452}" type="datetimeFigureOut">
               <a:rPr lang="fr-CA" smtClean="0"/>
-              <a:t>2022-11-10</a:t>
+              <a:t>2022-11-23</a:t>
             </a:fld>
             <a:endParaRPr lang="fr-CA"/>
           </a:p>
@@ -4542,7 +4543,7 @@
           <p:cNvPr id="4" name="图片 3">
             <a:extLst>
               <a:ext uri="{FF2B5EF4-FFF2-40B4-BE49-F238E27FC236}">
-                <a16:creationId xmlns:a16="http://schemas.microsoft.com/office/drawing/2014/main" id="{1D2A8960-D7FE-1217-5BDC-9728CC3F6971}"/>
+                <a16:creationId xmlns:a16="http://schemas.microsoft.com/office/drawing/2014/main" id="{162F3E36-522D-2284-79EE-394E17281C4C}"/>
               </a:ext>
             </a:extLst>
           </p:cNvPr>
@@ -4559,18 +4560,136 @@
         </p:blipFill>
         <p:spPr>
           <a:xfrm>
-            <a:off x="1585912" y="1128712"/>
-            <a:ext cx="9020175" cy="4600575"/>
+            <a:off x="1700078" y="1520579"/>
+            <a:ext cx="2707615" cy="1908421"/>
           </a:xfrm>
           <a:prstGeom prst="rect">
             <a:avLst/>
           </a:prstGeom>
         </p:spPr>
       </p:pic>
+      <p:pic>
+        <p:nvPicPr>
+          <p:cNvPr id="6" name="图片 5">
+            <a:extLst>
+              <a:ext uri="{FF2B5EF4-FFF2-40B4-BE49-F238E27FC236}">
+                <a16:creationId xmlns:a16="http://schemas.microsoft.com/office/drawing/2014/main" id="{0DB2B530-E933-030D-7D49-2C717762E8B7}"/>
+              </a:ext>
+            </a:extLst>
+          </p:cNvPr>
+          <p:cNvPicPr>
+            <a:picLocks noChangeAspect="1"/>
+          </p:cNvPicPr>
+          <p:nvPr/>
+        </p:nvPicPr>
+        <p:blipFill>
+          <a:blip r:embed="rId3"/>
+          <a:stretch>
+            <a:fillRect/>
+          </a:stretch>
+        </p:blipFill>
+        <p:spPr>
+          <a:xfrm>
+            <a:off x="7283070" y="1520578"/>
+            <a:ext cx="2707615" cy="1908421"/>
+          </a:xfrm>
+          <a:prstGeom prst="rect">
+            <a:avLst/>
+          </a:prstGeom>
+        </p:spPr>
+      </p:pic>
+      <p:pic>
+        <p:nvPicPr>
+          <p:cNvPr id="8" name="图片 7">
+            <a:extLst>
+              <a:ext uri="{FF2B5EF4-FFF2-40B4-BE49-F238E27FC236}">
+                <a16:creationId xmlns:a16="http://schemas.microsoft.com/office/drawing/2014/main" id="{B1F3C4C8-EBB5-1BE2-1DB8-E9373A3E4AF5}"/>
+              </a:ext>
+            </a:extLst>
+          </p:cNvPr>
+          <p:cNvPicPr>
+            <a:picLocks noChangeAspect="1"/>
+          </p:cNvPicPr>
+          <p:nvPr/>
+        </p:nvPicPr>
+        <p:blipFill>
+          <a:blip r:embed="rId4"/>
+          <a:stretch>
+            <a:fillRect/>
+          </a:stretch>
+        </p:blipFill>
+        <p:spPr>
+          <a:xfrm>
+            <a:off x="4407693" y="1520579"/>
+            <a:ext cx="2707615" cy="1908421"/>
+          </a:xfrm>
+          <a:prstGeom prst="rect">
+            <a:avLst/>
+          </a:prstGeom>
+        </p:spPr>
+      </p:pic>
+      <p:pic>
+        <p:nvPicPr>
+          <p:cNvPr id="10" name="图片 9">
+            <a:extLst>
+              <a:ext uri="{FF2B5EF4-FFF2-40B4-BE49-F238E27FC236}">
+                <a16:creationId xmlns:a16="http://schemas.microsoft.com/office/drawing/2014/main" id="{0B6F52FD-3031-8BC8-BCEF-FBC10A4E537C}"/>
+              </a:ext>
+            </a:extLst>
+          </p:cNvPr>
+          <p:cNvPicPr>
+            <a:picLocks noChangeAspect="1"/>
+          </p:cNvPicPr>
+          <p:nvPr/>
+        </p:nvPicPr>
+        <p:blipFill>
+          <a:blip r:embed="rId5"/>
+          <a:stretch>
+            <a:fillRect/>
+          </a:stretch>
+        </p:blipFill>
+        <p:spPr>
+          <a:xfrm>
+            <a:off x="1700078" y="3428999"/>
+            <a:ext cx="2707615" cy="1908421"/>
+          </a:xfrm>
+          <a:prstGeom prst="rect">
+            <a:avLst/>
+          </a:prstGeom>
+        </p:spPr>
+      </p:pic>
+      <p:sp>
+        <p:nvSpPr>
+          <p:cNvPr id="11" name="标题 10">
+            <a:extLst>
+              <a:ext uri="{FF2B5EF4-FFF2-40B4-BE49-F238E27FC236}">
+                <a16:creationId xmlns:a16="http://schemas.microsoft.com/office/drawing/2014/main" id="{4369D9B2-48AB-E1EF-084A-751636809DBB}"/>
+              </a:ext>
+            </a:extLst>
+          </p:cNvPr>
+          <p:cNvSpPr>
+            <a:spLocks noGrp="1"/>
+          </p:cNvSpPr>
+          <p:nvPr>
+            <p:ph type="title"/>
+          </p:nvPr>
+        </p:nvSpPr>
+        <p:spPr/>
+        <p:txBody>
+          <a:bodyPr/>
+          <a:lstStyle/>
+          <a:p>
+            <a:r>
+              <a:rPr lang="fr-CA" dirty="0"/>
+              <a:t>Outliers on sahara_small</a:t>
+            </a:r>
+          </a:p>
+        </p:txBody>
+      </p:sp>
     </p:spTree>
     <p:extLst>
       <p:ext uri="{BB962C8B-B14F-4D97-AF65-F5344CB8AC3E}">
-        <p14:creationId xmlns:p14="http://schemas.microsoft.com/office/powerpoint/2010/main" val="2005775447"/>
+        <p14:creationId xmlns:p14="http://schemas.microsoft.com/office/powerpoint/2010/main" val="2987150356"/>
       </p:ext>
     </p:extLst>
   </p:cSld>
@@ -4599,10 +4718,10 @@
       </p:grpSpPr>
       <p:pic>
         <p:nvPicPr>
-          <p:cNvPr id="3" name="图片 2">
-            <a:extLst>
-              <a:ext uri="{FF2B5EF4-FFF2-40B4-BE49-F238E27FC236}">
-                <a16:creationId xmlns:a16="http://schemas.microsoft.com/office/drawing/2014/main" id="{48CDBD71-2677-AC6C-3A9E-8270F4A8A588}"/>
+          <p:cNvPr id="4" name="图片 3">
+            <a:extLst>
+              <a:ext uri="{FF2B5EF4-FFF2-40B4-BE49-F238E27FC236}">
+                <a16:creationId xmlns:a16="http://schemas.microsoft.com/office/drawing/2014/main" id="{1D2A8960-D7FE-1217-5BDC-9728CC3F6971}"/>
               </a:ext>
             </a:extLst>
           </p:cNvPr>
@@ -4619,55 +4738,18 @@
         </p:blipFill>
         <p:spPr>
           <a:xfrm>
-            <a:off x="3178492" y="1977443"/>
-            <a:ext cx="5835015" cy="3663503"/>
+            <a:off x="1585912" y="1128712"/>
+            <a:ext cx="9020175" cy="4600575"/>
           </a:xfrm>
           <a:prstGeom prst="rect">
             <a:avLst/>
           </a:prstGeom>
         </p:spPr>
       </p:pic>
-      <p:sp>
-        <p:nvSpPr>
-          <p:cNvPr id="4" name="标题 3">
-            <a:extLst>
-              <a:ext uri="{FF2B5EF4-FFF2-40B4-BE49-F238E27FC236}">
-                <a16:creationId xmlns:a16="http://schemas.microsoft.com/office/drawing/2014/main" id="{0541A7C0-416D-FFE6-9E7D-C3A47071D185}"/>
-              </a:ext>
-            </a:extLst>
-          </p:cNvPr>
-          <p:cNvSpPr>
-            <a:spLocks noGrp="1"/>
-          </p:cNvSpPr>
-          <p:nvPr>
-            <p:ph type="title"/>
-          </p:nvPr>
-        </p:nvSpPr>
-        <p:spPr/>
-        <p:txBody>
-          <a:bodyPr/>
-          <a:lstStyle/>
-          <a:p>
-            <a:r>
-              <a:rPr lang="fr-CA" dirty="0"/>
-              <a:t>W</a:t>
-            </a:r>
-            <a:r>
-              <a:rPr lang="en-US" dirty="0" err="1"/>
-              <a:t>ith</a:t>
-            </a:r>
-            <a:r>
-              <a:rPr lang="en-US" dirty="0"/>
-              <a:t> truncated input</a:t>
-            </a:r>
-            <a:endParaRPr lang="fr-CA" dirty="0"/>
-          </a:p>
-        </p:txBody>
-      </p:sp>
     </p:spTree>
     <p:extLst>
       <p:ext uri="{BB962C8B-B14F-4D97-AF65-F5344CB8AC3E}">
-        <p14:creationId xmlns:p14="http://schemas.microsoft.com/office/powerpoint/2010/main" val="1076322076"/>
+        <p14:creationId xmlns:p14="http://schemas.microsoft.com/office/powerpoint/2010/main" val="2005775447"/>
       </p:ext>
     </p:extLst>
   </p:cSld>
@@ -4694,12 +4776,42 @@
           <a:chExt cx="0" cy="0"/>
         </a:xfrm>
       </p:grpSpPr>
+      <p:pic>
+        <p:nvPicPr>
+          <p:cNvPr id="3" name="图片 2">
+            <a:extLst>
+              <a:ext uri="{FF2B5EF4-FFF2-40B4-BE49-F238E27FC236}">
+                <a16:creationId xmlns:a16="http://schemas.microsoft.com/office/drawing/2014/main" id="{48CDBD71-2677-AC6C-3A9E-8270F4A8A588}"/>
+              </a:ext>
+            </a:extLst>
+          </p:cNvPr>
+          <p:cNvPicPr>
+            <a:picLocks noChangeAspect="1"/>
+          </p:cNvPicPr>
+          <p:nvPr/>
+        </p:nvPicPr>
+        <p:blipFill>
+          <a:blip r:embed="rId2"/>
+          <a:stretch>
+            <a:fillRect/>
+          </a:stretch>
+        </p:blipFill>
+        <p:spPr>
+          <a:xfrm>
+            <a:off x="3178492" y="1977443"/>
+            <a:ext cx="5835015" cy="3663503"/>
+          </a:xfrm>
+          <a:prstGeom prst="rect">
+            <a:avLst/>
+          </a:prstGeom>
+        </p:spPr>
+      </p:pic>
       <p:sp>
         <p:nvSpPr>
-          <p:cNvPr id="2" name="标题 1">
-            <a:extLst>
-              <a:ext uri="{FF2B5EF4-FFF2-40B4-BE49-F238E27FC236}">
-                <a16:creationId xmlns:a16="http://schemas.microsoft.com/office/drawing/2014/main" id="{89F29298-542C-434C-7A99-A4FB69A09C79}"/>
+          <p:cNvPr id="4" name="标题 3">
+            <a:extLst>
+              <a:ext uri="{FF2B5EF4-FFF2-40B4-BE49-F238E27FC236}">
+                <a16:creationId xmlns:a16="http://schemas.microsoft.com/office/drawing/2014/main" id="{0541A7C0-416D-FFE6-9E7D-C3A47071D185}"/>
               </a:ext>
             </a:extLst>
           </p:cNvPr>
@@ -4716,188 +4828,25 @@
           <a:lstStyle/>
           <a:p>
             <a:r>
-              <a:rPr lang="fr-CA" dirty="0">
-                <a:latin typeface="Times New Roman" panose="02020603050405020304" pitchFamily="18" charset="0"/>
-                <a:cs typeface="Times New Roman" panose="02020603050405020304" pitchFamily="18" charset="0"/>
-              </a:rPr>
-              <a:t>L</a:t>
-            </a:r>
-            <a:r>
-              <a:rPr lang="en-US" altLang="zh-CN" dirty="0" err="1">
-                <a:latin typeface="Times New Roman" panose="02020603050405020304" pitchFamily="18" charset="0"/>
-                <a:cs typeface="Times New Roman" panose="02020603050405020304" pitchFamily="18" charset="0"/>
-              </a:rPr>
-              <a:t>ondon</a:t>
-            </a:r>
-            <a:endParaRPr lang="fr-CA" dirty="0">
-              <a:latin typeface="Times New Roman" panose="02020603050405020304" pitchFamily="18" charset="0"/>
-              <a:cs typeface="Times New Roman" panose="02020603050405020304" pitchFamily="18" charset="0"/>
-            </a:endParaRPr>
+              <a:rPr lang="fr-CA" dirty="0"/>
+              <a:t>W</a:t>
+            </a:r>
+            <a:r>
+              <a:rPr lang="en-US" dirty="0" err="1"/>
+              <a:t>ith</a:t>
+            </a:r>
+            <a:r>
+              <a:rPr lang="en-US" dirty="0"/>
+              <a:t> truncated input</a:t>
+            </a:r>
+            <a:endParaRPr lang="fr-CA" dirty="0"/>
           </a:p>
         </p:txBody>
       </p:sp>
-      <p:sp>
-        <p:nvSpPr>
-          <p:cNvPr id="16" name="文本框 15">
-            <a:extLst>
-              <a:ext uri="{FF2B5EF4-FFF2-40B4-BE49-F238E27FC236}">
-                <a16:creationId xmlns:a16="http://schemas.microsoft.com/office/drawing/2014/main" id="{FF1F2972-9821-A1D0-7171-D7802B8E5B38}"/>
-              </a:ext>
-            </a:extLst>
-          </p:cNvPr>
-          <p:cNvSpPr txBox="1"/>
-          <p:nvPr/>
-        </p:nvSpPr>
-        <p:spPr>
-          <a:xfrm>
-            <a:off x="8169096" y="4624387"/>
-            <a:ext cx="3272709" cy="369332"/>
-          </a:xfrm>
-          <a:prstGeom prst="rect">
-            <a:avLst/>
-          </a:prstGeom>
-          <a:noFill/>
-        </p:spPr>
-        <p:txBody>
-          <a:bodyPr wrap="square">
-            <a:spAutoFit/>
-          </a:bodyPr>
-          <a:lstStyle/>
-          <a:p>
-            <a:r>
-              <a:rPr lang="fr-CA" altLang="zh-CN" dirty="0">
-                <a:latin typeface="Times New Roman" panose="02020603050405020304" pitchFamily="18" charset="0"/>
-                <a:cs typeface="Times New Roman" panose="02020603050405020304" pitchFamily="18" charset="0"/>
-              </a:rPr>
-              <a:t>Grid size ~ 0.05 km by 0.09 km</a:t>
-            </a:r>
-          </a:p>
-        </p:txBody>
-      </p:sp>
-      <p:pic>
-        <p:nvPicPr>
-          <p:cNvPr id="6" name="图片 5">
-            <a:extLst>
-              <a:ext uri="{FF2B5EF4-FFF2-40B4-BE49-F238E27FC236}">
-                <a16:creationId xmlns:a16="http://schemas.microsoft.com/office/drawing/2014/main" id="{7DF37C85-6E81-7B70-30BA-77C2A4F411C6}"/>
-              </a:ext>
-            </a:extLst>
-          </p:cNvPr>
-          <p:cNvPicPr>
-            <a:picLocks noChangeAspect="1"/>
-          </p:cNvPicPr>
-          <p:nvPr/>
-        </p:nvPicPr>
-        <p:blipFill>
-          <a:blip r:embed="rId2"/>
-          <a:stretch>
-            <a:fillRect/>
-          </a:stretch>
-        </p:blipFill>
-        <p:spPr>
-          <a:xfrm>
-            <a:off x="580355" y="1757230"/>
-            <a:ext cx="3571875" cy="2638425"/>
-          </a:xfrm>
-          <a:prstGeom prst="rect">
-            <a:avLst/>
-          </a:prstGeom>
-        </p:spPr>
-      </p:pic>
-      <p:pic>
-        <p:nvPicPr>
-          <p:cNvPr id="9" name="图片 8">
-            <a:extLst>
-              <a:ext uri="{FF2B5EF4-FFF2-40B4-BE49-F238E27FC236}">
-                <a16:creationId xmlns:a16="http://schemas.microsoft.com/office/drawing/2014/main" id="{065DA0FC-9FB0-89A7-0ED2-79FDA407FD07}"/>
-              </a:ext>
-            </a:extLst>
-          </p:cNvPr>
-          <p:cNvPicPr>
-            <a:picLocks noChangeAspect="1"/>
-          </p:cNvPicPr>
-          <p:nvPr/>
-        </p:nvPicPr>
-        <p:blipFill>
-          <a:blip r:embed="rId3"/>
-          <a:stretch>
-            <a:fillRect/>
-          </a:stretch>
-        </p:blipFill>
-        <p:spPr>
-          <a:xfrm>
-            <a:off x="474910" y="4210050"/>
-            <a:ext cx="3629025" cy="2647950"/>
-          </a:xfrm>
-          <a:prstGeom prst="rect">
-            <a:avLst/>
-          </a:prstGeom>
-        </p:spPr>
-      </p:pic>
-      <p:pic>
-        <p:nvPicPr>
-          <p:cNvPr id="13" name="图片 12">
-            <a:extLst>
-              <a:ext uri="{FF2B5EF4-FFF2-40B4-BE49-F238E27FC236}">
-                <a16:creationId xmlns:a16="http://schemas.microsoft.com/office/drawing/2014/main" id="{5A5D4ABC-F87F-9C53-D46B-5B1967E80E85}"/>
-              </a:ext>
-            </a:extLst>
-          </p:cNvPr>
-          <p:cNvPicPr>
-            <a:picLocks noChangeAspect="1"/>
-          </p:cNvPicPr>
-          <p:nvPr/>
-        </p:nvPicPr>
-        <p:blipFill>
-          <a:blip r:embed="rId4"/>
-          <a:stretch>
-            <a:fillRect/>
-          </a:stretch>
-        </p:blipFill>
-        <p:spPr>
-          <a:xfrm>
-            <a:off x="7936605" y="1805660"/>
-            <a:ext cx="3505200" cy="2647950"/>
-          </a:xfrm>
-          <a:prstGeom prst="rect">
-            <a:avLst/>
-          </a:prstGeom>
-        </p:spPr>
-      </p:pic>
-      <p:pic>
-        <p:nvPicPr>
-          <p:cNvPr id="17" name="图片 16">
-            <a:extLst>
-              <a:ext uri="{FF2B5EF4-FFF2-40B4-BE49-F238E27FC236}">
-                <a16:creationId xmlns:a16="http://schemas.microsoft.com/office/drawing/2014/main" id="{41A0232D-E92B-8389-7074-98F3000B6D05}"/>
-              </a:ext>
-            </a:extLst>
-          </p:cNvPr>
-          <p:cNvPicPr>
-            <a:picLocks noChangeAspect="1"/>
-          </p:cNvPicPr>
-          <p:nvPr/>
-        </p:nvPicPr>
-        <p:blipFill>
-          <a:blip r:embed="rId5"/>
-          <a:stretch>
-            <a:fillRect/>
-          </a:stretch>
-        </p:blipFill>
-        <p:spPr>
-          <a:xfrm>
-            <a:off x="4057785" y="1805660"/>
-            <a:ext cx="3876675" cy="2886075"/>
-          </a:xfrm>
-          <a:prstGeom prst="rect">
-            <a:avLst/>
-          </a:prstGeom>
-        </p:spPr>
-      </p:pic>
     </p:spTree>
     <p:extLst>
       <p:ext uri="{BB962C8B-B14F-4D97-AF65-F5344CB8AC3E}">
-        <p14:creationId xmlns:p14="http://schemas.microsoft.com/office/powerpoint/2010/main" val="2827346315"/>
+        <p14:creationId xmlns:p14="http://schemas.microsoft.com/office/powerpoint/2010/main" val="1076322076"/>
       </p:ext>
     </p:extLst>
   </p:cSld>
@@ -4959,13 +4908,6 @@
               </a:rPr>
               <a:t>ondon</a:t>
             </a:r>
-            <a:r>
-              <a:rPr lang="en-US" altLang="zh-CN" dirty="0">
-                <a:latin typeface="Times New Roman" panose="02020603050405020304" pitchFamily="18" charset="0"/>
-                <a:cs typeface="Times New Roman" panose="02020603050405020304" pitchFamily="18" charset="0"/>
-              </a:rPr>
-              <a:t> - RF</a:t>
-            </a:r>
             <a:endParaRPr lang="fr-CA" dirty="0">
               <a:latin typeface="Times New Roman" panose="02020603050405020304" pitchFamily="18" charset="0"/>
               <a:cs typeface="Times New Roman" panose="02020603050405020304" pitchFamily="18" charset="0"/>
@@ -4987,7 +4929,7 @@
         </p:nvSpPr>
         <p:spPr>
           <a:xfrm>
-            <a:off x="8162657" y="4910136"/>
+            <a:off x="8169096" y="4624387"/>
             <a:ext cx="3272709" cy="369332"/>
           </a:xfrm>
           <a:prstGeom prst="rect">
@@ -5006,17 +4948,17 @@
                 <a:latin typeface="Times New Roman" panose="02020603050405020304" pitchFamily="18" charset="0"/>
                 <a:cs typeface="Times New Roman" panose="02020603050405020304" pitchFamily="18" charset="0"/>
               </a:rPr>
-              <a:t>Grid size ~ 0.05 km by 0.14 km</a:t>
+              <a:t>Grid size ~ 0.05 km by 0.09 km</a:t>
             </a:r>
           </a:p>
         </p:txBody>
       </p:sp>
       <p:pic>
         <p:nvPicPr>
-          <p:cNvPr id="7" name="图片 6">
-            <a:extLst>
-              <a:ext uri="{FF2B5EF4-FFF2-40B4-BE49-F238E27FC236}">
-                <a16:creationId xmlns:a16="http://schemas.microsoft.com/office/drawing/2014/main" id="{3EB7A7DC-A247-EFF0-0D50-C4B0571F6D1B}"/>
+          <p:cNvPr id="6" name="图片 5">
+            <a:extLst>
+              <a:ext uri="{FF2B5EF4-FFF2-40B4-BE49-F238E27FC236}">
+                <a16:creationId xmlns:a16="http://schemas.microsoft.com/office/drawing/2014/main" id="{7DF37C85-6E81-7B70-30BA-77C2A4F411C6}"/>
               </a:ext>
             </a:extLst>
           </p:cNvPr>
@@ -5033,8 +4975,8 @@
         </p:blipFill>
         <p:spPr>
           <a:xfrm>
-            <a:off x="3947439" y="2340131"/>
-            <a:ext cx="3743325" cy="2886075"/>
+            <a:off x="580355" y="1757230"/>
+            <a:ext cx="3571875" cy="2638425"/>
           </a:xfrm>
           <a:prstGeom prst="rect">
             <a:avLst/>
@@ -5043,10 +4985,10 @@
       </p:pic>
       <p:pic>
         <p:nvPicPr>
-          <p:cNvPr id="10" name="图片 9">
-            <a:extLst>
-              <a:ext uri="{FF2B5EF4-FFF2-40B4-BE49-F238E27FC236}">
-                <a16:creationId xmlns:a16="http://schemas.microsoft.com/office/drawing/2014/main" id="{AE7C4EF8-9043-11B3-5772-75C5AED7E45E}"/>
+          <p:cNvPr id="9" name="图片 8">
+            <a:extLst>
+              <a:ext uri="{FF2B5EF4-FFF2-40B4-BE49-F238E27FC236}">
+                <a16:creationId xmlns:a16="http://schemas.microsoft.com/office/drawing/2014/main" id="{065DA0FC-9FB0-89A7-0ED2-79FDA407FD07}"/>
               </a:ext>
             </a:extLst>
           </p:cNvPr>
@@ -5063,8 +5005,8 @@
         </p:blipFill>
         <p:spPr>
           <a:xfrm>
-            <a:off x="-68" y="2340131"/>
-            <a:ext cx="3876675" cy="2886075"/>
+            <a:off x="474910" y="4210050"/>
+            <a:ext cx="3629025" cy="2647950"/>
           </a:xfrm>
           <a:prstGeom prst="rect">
             <a:avLst/>
@@ -5073,10 +5015,10 @@
       </p:pic>
       <p:pic>
         <p:nvPicPr>
-          <p:cNvPr id="12" name="图片 11">
-            <a:extLst>
-              <a:ext uri="{FF2B5EF4-FFF2-40B4-BE49-F238E27FC236}">
-                <a16:creationId xmlns:a16="http://schemas.microsoft.com/office/drawing/2014/main" id="{5C35971D-BDB2-07E2-1D28-9B2A9A1F3190}"/>
+          <p:cNvPr id="13" name="图片 12">
+            <a:extLst>
+              <a:ext uri="{FF2B5EF4-FFF2-40B4-BE49-F238E27FC236}">
+                <a16:creationId xmlns:a16="http://schemas.microsoft.com/office/drawing/2014/main" id="{5A5D4ABC-F87F-9C53-D46B-5B1967E80E85}"/>
               </a:ext>
             </a:extLst>
           </p:cNvPr>
@@ -5093,8 +5035,38 @@
         </p:blipFill>
         <p:spPr>
           <a:xfrm>
-            <a:off x="7848600" y="2340131"/>
+            <a:off x="7936605" y="1805660"/>
             <a:ext cx="3505200" cy="2647950"/>
+          </a:xfrm>
+          <a:prstGeom prst="rect">
+            <a:avLst/>
+          </a:prstGeom>
+        </p:spPr>
+      </p:pic>
+      <p:pic>
+        <p:nvPicPr>
+          <p:cNvPr id="17" name="图片 16">
+            <a:extLst>
+              <a:ext uri="{FF2B5EF4-FFF2-40B4-BE49-F238E27FC236}">
+                <a16:creationId xmlns:a16="http://schemas.microsoft.com/office/drawing/2014/main" id="{41A0232D-E92B-8389-7074-98F3000B6D05}"/>
+              </a:ext>
+            </a:extLst>
+          </p:cNvPr>
+          <p:cNvPicPr>
+            <a:picLocks noChangeAspect="1"/>
+          </p:cNvPicPr>
+          <p:nvPr/>
+        </p:nvPicPr>
+        <p:blipFill>
+          <a:blip r:embed="rId5"/>
+          <a:stretch>
+            <a:fillRect/>
+          </a:stretch>
+        </p:blipFill>
+        <p:spPr>
+          <a:xfrm>
+            <a:off x="4057785" y="1805660"/>
+            <a:ext cx="3876675" cy="2886075"/>
           </a:xfrm>
           <a:prstGeom prst="rect">
             <a:avLst/>
@@ -5104,7 +5076,7 @@
     </p:spTree>
     <p:extLst>
       <p:ext uri="{BB962C8B-B14F-4D97-AF65-F5344CB8AC3E}">
-        <p14:creationId xmlns:p14="http://schemas.microsoft.com/office/powerpoint/2010/main" val="1763880390"/>
+        <p14:creationId xmlns:p14="http://schemas.microsoft.com/office/powerpoint/2010/main" val="2827346315"/>
       </p:ext>
     </p:extLst>
   </p:cSld>
@@ -5171,7 +5143,7 @@
                 <a:latin typeface="Times New Roman" panose="02020603050405020304" pitchFamily="18" charset="0"/>
                 <a:cs typeface="Times New Roman" panose="02020603050405020304" pitchFamily="18" charset="0"/>
               </a:rPr>
-              <a:t> - DT</a:t>
+              <a:t> - RF</a:t>
             </a:r>
             <a:endParaRPr lang="fr-CA" dirty="0">
               <a:latin typeface="Times New Roman" panose="02020603050405020304" pitchFamily="18" charset="0"/>
@@ -5220,10 +5192,10 @@
       </p:sp>
       <p:pic>
         <p:nvPicPr>
-          <p:cNvPr id="4" name="图片 3">
-            <a:extLst>
-              <a:ext uri="{FF2B5EF4-FFF2-40B4-BE49-F238E27FC236}">
-                <a16:creationId xmlns:a16="http://schemas.microsoft.com/office/drawing/2014/main" id="{8DF3E1B4-59BC-DBA9-6BF9-0B78B4E24C01}"/>
+          <p:cNvPr id="7" name="图片 6">
+            <a:extLst>
+              <a:ext uri="{FF2B5EF4-FFF2-40B4-BE49-F238E27FC236}">
+                <a16:creationId xmlns:a16="http://schemas.microsoft.com/office/drawing/2014/main" id="{3EB7A7DC-A247-EFF0-0D50-C4B0571F6D1B}"/>
               </a:ext>
             </a:extLst>
           </p:cNvPr>
@@ -5240,7 +5212,7 @@
         </p:blipFill>
         <p:spPr>
           <a:xfrm>
-            <a:off x="4105275" y="2340131"/>
+            <a:off x="3947439" y="2340131"/>
             <a:ext cx="3743325" cy="2886075"/>
           </a:xfrm>
           <a:prstGeom prst="rect">
@@ -5250,10 +5222,10 @@
       </p:pic>
       <p:pic>
         <p:nvPicPr>
-          <p:cNvPr id="9" name="图片 8">
-            <a:extLst>
-              <a:ext uri="{FF2B5EF4-FFF2-40B4-BE49-F238E27FC236}">
-                <a16:creationId xmlns:a16="http://schemas.microsoft.com/office/drawing/2014/main" id="{2613A69B-8C6E-01A4-BEAA-3502E438DA20}"/>
+          <p:cNvPr id="10" name="图片 9">
+            <a:extLst>
+              <a:ext uri="{FF2B5EF4-FFF2-40B4-BE49-F238E27FC236}">
+                <a16:creationId xmlns:a16="http://schemas.microsoft.com/office/drawing/2014/main" id="{AE7C4EF8-9043-11B3-5772-75C5AED7E45E}"/>
               </a:ext>
             </a:extLst>
           </p:cNvPr>
@@ -5270,7 +5242,7 @@
         </p:blipFill>
         <p:spPr>
           <a:xfrm>
-            <a:off x="228600" y="2340131"/>
+            <a:off x="-68" y="2340131"/>
             <a:ext cx="3876675" cy="2886075"/>
           </a:xfrm>
           <a:prstGeom prst="rect">
@@ -5280,10 +5252,10 @@
       </p:pic>
       <p:pic>
         <p:nvPicPr>
-          <p:cNvPr id="13" name="图片 12">
-            <a:extLst>
-              <a:ext uri="{FF2B5EF4-FFF2-40B4-BE49-F238E27FC236}">
-                <a16:creationId xmlns:a16="http://schemas.microsoft.com/office/drawing/2014/main" id="{370180E3-D298-730D-D05D-47054221294D}"/>
+          <p:cNvPr id="12" name="图片 11">
+            <a:extLst>
+              <a:ext uri="{FF2B5EF4-FFF2-40B4-BE49-F238E27FC236}">
+                <a16:creationId xmlns:a16="http://schemas.microsoft.com/office/drawing/2014/main" id="{5C35971D-BDB2-07E2-1D28-9B2A9A1F3190}"/>
               </a:ext>
             </a:extLst>
           </p:cNvPr>
@@ -5300,7 +5272,7 @@
         </p:blipFill>
         <p:spPr>
           <a:xfrm>
-            <a:off x="7981950" y="2340131"/>
+            <a:off x="7848600" y="2340131"/>
             <a:ext cx="3505200" cy="2647950"/>
           </a:xfrm>
           <a:prstGeom prst="rect">
@@ -5311,7 +5283,7 @@
     </p:spTree>
     <p:extLst>
       <p:ext uri="{BB962C8B-B14F-4D97-AF65-F5344CB8AC3E}">
-        <p14:creationId xmlns:p14="http://schemas.microsoft.com/office/powerpoint/2010/main" val="2527556906"/>
+        <p14:creationId xmlns:p14="http://schemas.microsoft.com/office/powerpoint/2010/main" val="1763880390"/>
       </p:ext>
     </p:extLst>
   </p:cSld>
@@ -5338,12 +5310,99 @@
           <a:chExt cx="0" cy="0"/>
         </a:xfrm>
       </p:grpSpPr>
+      <p:sp>
+        <p:nvSpPr>
+          <p:cNvPr id="2" name="标题 1">
+            <a:extLst>
+              <a:ext uri="{FF2B5EF4-FFF2-40B4-BE49-F238E27FC236}">
+                <a16:creationId xmlns:a16="http://schemas.microsoft.com/office/drawing/2014/main" id="{89F29298-542C-434C-7A99-A4FB69A09C79}"/>
+              </a:ext>
+            </a:extLst>
+          </p:cNvPr>
+          <p:cNvSpPr>
+            <a:spLocks noGrp="1"/>
+          </p:cNvSpPr>
+          <p:nvPr>
+            <p:ph type="title"/>
+          </p:nvPr>
+        </p:nvSpPr>
+        <p:spPr/>
+        <p:txBody>
+          <a:bodyPr/>
+          <a:lstStyle/>
+          <a:p>
+            <a:r>
+              <a:rPr lang="fr-CA" dirty="0">
+                <a:latin typeface="Times New Roman" panose="02020603050405020304" pitchFamily="18" charset="0"/>
+                <a:cs typeface="Times New Roman" panose="02020603050405020304" pitchFamily="18" charset="0"/>
+              </a:rPr>
+              <a:t>L</a:t>
+            </a:r>
+            <a:r>
+              <a:rPr lang="en-US" altLang="zh-CN" dirty="0" err="1">
+                <a:latin typeface="Times New Roman" panose="02020603050405020304" pitchFamily="18" charset="0"/>
+                <a:cs typeface="Times New Roman" panose="02020603050405020304" pitchFamily="18" charset="0"/>
+              </a:rPr>
+              <a:t>ondon</a:t>
+            </a:r>
+            <a:r>
+              <a:rPr lang="en-US" altLang="zh-CN" dirty="0">
+                <a:latin typeface="Times New Roman" panose="02020603050405020304" pitchFamily="18" charset="0"/>
+                <a:cs typeface="Times New Roman" panose="02020603050405020304" pitchFamily="18" charset="0"/>
+              </a:rPr>
+              <a:t> - DT</a:t>
+            </a:r>
+            <a:endParaRPr lang="fr-CA" dirty="0">
+              <a:latin typeface="Times New Roman" panose="02020603050405020304" pitchFamily="18" charset="0"/>
+              <a:cs typeface="Times New Roman" panose="02020603050405020304" pitchFamily="18" charset="0"/>
+            </a:endParaRPr>
+          </a:p>
+        </p:txBody>
+      </p:sp>
+      <p:sp>
+        <p:nvSpPr>
+          <p:cNvPr id="16" name="文本框 15">
+            <a:extLst>
+              <a:ext uri="{FF2B5EF4-FFF2-40B4-BE49-F238E27FC236}">
+                <a16:creationId xmlns:a16="http://schemas.microsoft.com/office/drawing/2014/main" id="{FF1F2972-9821-A1D0-7171-D7802B8E5B38}"/>
+              </a:ext>
+            </a:extLst>
+          </p:cNvPr>
+          <p:cNvSpPr txBox="1"/>
+          <p:nvPr/>
+        </p:nvSpPr>
+        <p:spPr>
+          <a:xfrm>
+            <a:off x="8162657" y="4910136"/>
+            <a:ext cx="3272709" cy="369332"/>
+          </a:xfrm>
+          <a:prstGeom prst="rect">
+            <a:avLst/>
+          </a:prstGeom>
+          <a:noFill/>
+        </p:spPr>
+        <p:txBody>
+          <a:bodyPr wrap="square">
+            <a:spAutoFit/>
+          </a:bodyPr>
+          <a:lstStyle/>
+          <a:p>
+            <a:r>
+              <a:rPr lang="fr-CA" altLang="zh-CN" dirty="0">
+                <a:latin typeface="Times New Roman" panose="02020603050405020304" pitchFamily="18" charset="0"/>
+                <a:cs typeface="Times New Roman" panose="02020603050405020304" pitchFamily="18" charset="0"/>
+              </a:rPr>
+              <a:t>Grid size ~ 0.05 km by 0.14 km</a:t>
+            </a:r>
+          </a:p>
+        </p:txBody>
+      </p:sp>
       <p:pic>
         <p:nvPicPr>
           <p:cNvPr id="4" name="图片 3">
             <a:extLst>
               <a:ext uri="{FF2B5EF4-FFF2-40B4-BE49-F238E27FC236}">
-                <a16:creationId xmlns:a16="http://schemas.microsoft.com/office/drawing/2014/main" id="{986B01D8-1717-7C9F-EF96-18E97DDCEB7D}"/>
+                <a16:creationId xmlns:a16="http://schemas.microsoft.com/office/drawing/2014/main" id="{8DF3E1B4-59BC-DBA9-6BF9-0B78B4E24C01}"/>
               </a:ext>
             </a:extLst>
           </p:cNvPr>
@@ -5360,8 +5419,68 @@
         </p:blipFill>
         <p:spPr>
           <a:xfrm>
-            <a:off x="1585912" y="1128712"/>
-            <a:ext cx="9020175" cy="4600575"/>
+            <a:off x="4105275" y="2340131"/>
+            <a:ext cx="3743325" cy="2886075"/>
+          </a:xfrm>
+          <a:prstGeom prst="rect">
+            <a:avLst/>
+          </a:prstGeom>
+        </p:spPr>
+      </p:pic>
+      <p:pic>
+        <p:nvPicPr>
+          <p:cNvPr id="9" name="图片 8">
+            <a:extLst>
+              <a:ext uri="{FF2B5EF4-FFF2-40B4-BE49-F238E27FC236}">
+                <a16:creationId xmlns:a16="http://schemas.microsoft.com/office/drawing/2014/main" id="{2613A69B-8C6E-01A4-BEAA-3502E438DA20}"/>
+              </a:ext>
+            </a:extLst>
+          </p:cNvPr>
+          <p:cNvPicPr>
+            <a:picLocks noChangeAspect="1"/>
+          </p:cNvPicPr>
+          <p:nvPr/>
+        </p:nvPicPr>
+        <p:blipFill>
+          <a:blip r:embed="rId3"/>
+          <a:stretch>
+            <a:fillRect/>
+          </a:stretch>
+        </p:blipFill>
+        <p:spPr>
+          <a:xfrm>
+            <a:off x="228600" y="2340131"/>
+            <a:ext cx="3876675" cy="2886075"/>
+          </a:xfrm>
+          <a:prstGeom prst="rect">
+            <a:avLst/>
+          </a:prstGeom>
+        </p:spPr>
+      </p:pic>
+      <p:pic>
+        <p:nvPicPr>
+          <p:cNvPr id="13" name="图片 12">
+            <a:extLst>
+              <a:ext uri="{FF2B5EF4-FFF2-40B4-BE49-F238E27FC236}">
+                <a16:creationId xmlns:a16="http://schemas.microsoft.com/office/drawing/2014/main" id="{370180E3-D298-730D-D05D-47054221294D}"/>
+              </a:ext>
+            </a:extLst>
+          </p:cNvPr>
+          <p:cNvPicPr>
+            <a:picLocks noChangeAspect="1"/>
+          </p:cNvPicPr>
+          <p:nvPr/>
+        </p:nvPicPr>
+        <p:blipFill>
+          <a:blip r:embed="rId4"/>
+          <a:stretch>
+            <a:fillRect/>
+          </a:stretch>
+        </p:blipFill>
+        <p:spPr>
+          <a:xfrm>
+            <a:off x="7981950" y="2340131"/>
+            <a:ext cx="3505200" cy="2647950"/>
           </a:xfrm>
           <a:prstGeom prst="rect">
             <a:avLst/>
@@ -5371,7 +5490,7 @@
     </p:spTree>
     <p:extLst>
       <p:ext uri="{BB962C8B-B14F-4D97-AF65-F5344CB8AC3E}">
-        <p14:creationId xmlns:p14="http://schemas.microsoft.com/office/powerpoint/2010/main" val="4074288627"/>
+        <p14:creationId xmlns:p14="http://schemas.microsoft.com/office/powerpoint/2010/main" val="2527556906"/>
       </p:ext>
     </p:extLst>
   </p:cSld>
@@ -5400,10 +5519,10 @@
       </p:grpSpPr>
       <p:pic>
         <p:nvPicPr>
-          <p:cNvPr id="3" name="图片 2">
-            <a:extLst>
-              <a:ext uri="{FF2B5EF4-FFF2-40B4-BE49-F238E27FC236}">
-                <a16:creationId xmlns:a16="http://schemas.microsoft.com/office/drawing/2014/main" id="{EDEDB07E-141C-A0B2-99FE-98CFC8C2F14D}"/>
+          <p:cNvPr id="4" name="图片 3">
+            <a:extLst>
+              <a:ext uri="{FF2B5EF4-FFF2-40B4-BE49-F238E27FC236}">
+                <a16:creationId xmlns:a16="http://schemas.microsoft.com/office/drawing/2014/main" id="{986B01D8-1717-7C9F-EF96-18E97DDCEB7D}"/>
               </a:ext>
             </a:extLst>
           </p:cNvPr>
@@ -5420,8 +5539,8 @@
         </p:blipFill>
         <p:spPr>
           <a:xfrm>
-            <a:off x="1664677" y="0"/>
-            <a:ext cx="8862646" cy="6858000"/>
+            <a:off x="1585912" y="1128712"/>
+            <a:ext cx="9020175" cy="4600575"/>
           </a:xfrm>
           <a:prstGeom prst="rect">
             <a:avLst/>
@@ -5431,7 +5550,7 @@
     </p:spTree>
     <p:extLst>
       <p:ext uri="{BB962C8B-B14F-4D97-AF65-F5344CB8AC3E}">
-        <p14:creationId xmlns:p14="http://schemas.microsoft.com/office/powerpoint/2010/main" val="2367294668"/>
+        <p14:creationId xmlns:p14="http://schemas.microsoft.com/office/powerpoint/2010/main" val="4074288627"/>
       </p:ext>
     </p:extLst>
   </p:cSld>
@@ -5463,7 +5582,7 @@
           <p:cNvPr id="3" name="图片 2">
             <a:extLst>
               <a:ext uri="{FF2B5EF4-FFF2-40B4-BE49-F238E27FC236}">
-                <a16:creationId xmlns:a16="http://schemas.microsoft.com/office/drawing/2014/main" id="{403C0546-8F86-CFEE-D7CF-64AB566EE309}"/>
+                <a16:creationId xmlns:a16="http://schemas.microsoft.com/office/drawing/2014/main" id="{EDEDB07E-141C-A0B2-99FE-98CFC8C2F14D}"/>
               </a:ext>
             </a:extLst>
           </p:cNvPr>
@@ -5480,46 +5599,18 @@
         </p:blipFill>
         <p:spPr>
           <a:xfrm>
-            <a:off x="1585912" y="1133475"/>
-            <a:ext cx="9020175" cy="4591050"/>
+            <a:off x="1664677" y="0"/>
+            <a:ext cx="8862646" cy="6858000"/>
           </a:xfrm>
           <a:prstGeom prst="rect">
             <a:avLst/>
           </a:prstGeom>
         </p:spPr>
       </p:pic>
-      <p:sp>
-        <p:nvSpPr>
-          <p:cNvPr id="4" name="标题 3">
-            <a:extLst>
-              <a:ext uri="{FF2B5EF4-FFF2-40B4-BE49-F238E27FC236}">
-                <a16:creationId xmlns:a16="http://schemas.microsoft.com/office/drawing/2014/main" id="{731B4BA1-7019-EF0F-AD94-7679C8CDE2FE}"/>
-              </a:ext>
-            </a:extLst>
-          </p:cNvPr>
-          <p:cNvSpPr>
-            <a:spLocks noGrp="1"/>
-          </p:cNvSpPr>
-          <p:nvPr>
-            <p:ph type="title"/>
-          </p:nvPr>
-        </p:nvSpPr>
-        <p:spPr/>
-        <p:txBody>
-          <a:bodyPr/>
-          <a:lstStyle/>
-          <a:p>
-            <a:r>
-              <a:rPr lang="fr-CA" dirty="0"/>
-              <a:t>Square grids</a:t>
-            </a:r>
-          </a:p>
-        </p:txBody>
-      </p:sp>
     </p:spTree>
     <p:extLst>
       <p:ext uri="{BB962C8B-B14F-4D97-AF65-F5344CB8AC3E}">
-        <p14:creationId xmlns:p14="http://schemas.microsoft.com/office/powerpoint/2010/main" val="3344157482"/>
+        <p14:creationId xmlns:p14="http://schemas.microsoft.com/office/powerpoint/2010/main" val="2367294668"/>
       </p:ext>
     </p:extLst>
   </p:cSld>
@@ -5546,12 +5637,42 @@
           <a:chExt cx="0" cy="0"/>
         </a:xfrm>
       </p:grpSpPr>
+      <p:pic>
+        <p:nvPicPr>
+          <p:cNvPr id="3" name="图片 2">
+            <a:extLst>
+              <a:ext uri="{FF2B5EF4-FFF2-40B4-BE49-F238E27FC236}">
+                <a16:creationId xmlns:a16="http://schemas.microsoft.com/office/drawing/2014/main" id="{403C0546-8F86-CFEE-D7CF-64AB566EE309}"/>
+              </a:ext>
+            </a:extLst>
+          </p:cNvPr>
+          <p:cNvPicPr>
+            <a:picLocks noChangeAspect="1"/>
+          </p:cNvPicPr>
+          <p:nvPr/>
+        </p:nvPicPr>
+        <p:blipFill>
+          <a:blip r:embed="rId2"/>
+          <a:stretch>
+            <a:fillRect/>
+          </a:stretch>
+        </p:blipFill>
+        <p:spPr>
+          <a:xfrm>
+            <a:off x="1585912" y="1133475"/>
+            <a:ext cx="9020175" cy="4591050"/>
+          </a:xfrm>
+          <a:prstGeom prst="rect">
+            <a:avLst/>
+          </a:prstGeom>
+        </p:spPr>
+      </p:pic>
       <p:sp>
         <p:nvSpPr>
-          <p:cNvPr id="2" name="标题 1">
-            <a:extLst>
-              <a:ext uri="{FF2B5EF4-FFF2-40B4-BE49-F238E27FC236}">
-                <a16:creationId xmlns:a16="http://schemas.microsoft.com/office/drawing/2014/main" id="{75DAE3FA-458C-874B-8CC2-44930AB6F259}"/>
+          <p:cNvPr id="4" name="标题 3">
+            <a:extLst>
+              <a:ext uri="{FF2B5EF4-FFF2-40B4-BE49-F238E27FC236}">
+                <a16:creationId xmlns:a16="http://schemas.microsoft.com/office/drawing/2014/main" id="{731B4BA1-7019-EF0F-AD94-7679C8CDE2FE}"/>
               </a:ext>
             </a:extLst>
           </p:cNvPr>
@@ -5567,44 +5688,17 @@
           <a:bodyPr/>
           <a:lstStyle/>
           <a:p>
-            <a:endParaRPr lang="fr-CA"/>
+            <a:r>
+              <a:rPr lang="fr-CA" dirty="0"/>
+              <a:t>Square grids</a:t>
+            </a:r>
           </a:p>
         </p:txBody>
       </p:sp>
-      <p:pic>
-        <p:nvPicPr>
-          <p:cNvPr id="4" name="图片 3">
-            <a:extLst>
-              <a:ext uri="{FF2B5EF4-FFF2-40B4-BE49-F238E27FC236}">
-                <a16:creationId xmlns:a16="http://schemas.microsoft.com/office/drawing/2014/main" id="{56AC2D80-8ABF-5B3B-7B85-BACEBE9F05F3}"/>
-              </a:ext>
-            </a:extLst>
-          </p:cNvPr>
-          <p:cNvPicPr>
-            <a:picLocks noChangeAspect="1"/>
-          </p:cNvPicPr>
-          <p:nvPr/>
-        </p:nvPicPr>
-        <p:blipFill>
-          <a:blip r:embed="rId2"/>
-          <a:stretch>
-            <a:fillRect/>
-          </a:stretch>
-        </p:blipFill>
-        <p:spPr>
-          <a:xfrm>
-            <a:off x="2553449" y="2078194"/>
-            <a:ext cx="6140730" cy="4168060"/>
-          </a:xfrm>
-          <a:prstGeom prst="rect">
-            <a:avLst/>
-          </a:prstGeom>
-        </p:spPr>
-      </p:pic>
     </p:spTree>
     <p:extLst>
       <p:ext uri="{BB962C8B-B14F-4D97-AF65-F5344CB8AC3E}">
-        <p14:creationId xmlns:p14="http://schemas.microsoft.com/office/powerpoint/2010/main" val="3137794201"/>
+        <p14:creationId xmlns:p14="http://schemas.microsoft.com/office/powerpoint/2010/main" val="3344157482"/>
       </p:ext>
     </p:extLst>
   </p:cSld>
@@ -5636,7 +5730,7 @@
           <p:cNvPr id="2" name="标题 1">
             <a:extLst>
               <a:ext uri="{FF2B5EF4-FFF2-40B4-BE49-F238E27FC236}">
-                <a16:creationId xmlns:a16="http://schemas.microsoft.com/office/drawing/2014/main" id="{B574F081-54E5-17D9-E2C9-BBB44AFA2875}"/>
+                <a16:creationId xmlns:a16="http://schemas.microsoft.com/office/drawing/2014/main" id="{75DAE3FA-458C-874B-8CC2-44930AB6F259}"/>
               </a:ext>
             </a:extLst>
           </p:cNvPr>
@@ -5647,22 +5741,12 @@
             <p:ph type="title"/>
           </p:nvPr>
         </p:nvSpPr>
-        <p:spPr>
-          <a:xfrm>
-            <a:off x="838199" y="365125"/>
-            <a:ext cx="10508087" cy="1036449"/>
-          </a:xfrm>
-        </p:spPr>
+        <p:spPr/>
         <p:txBody>
-          <a:bodyPr>
-            <a:normAutofit/>
-          </a:bodyPr>
+          <a:bodyPr/>
           <a:lstStyle/>
           <a:p>
-            <a:r>
-              <a:rPr lang="fr-CA" dirty="0"/>
-              <a:t>Outliers (London, square grids, 25 Bases)</a:t>
-            </a:r>
+            <a:endParaRPr lang="fr-CA"/>
           </a:p>
         </p:txBody>
       </p:sp>
@@ -5671,7 +5755,7 @@
           <p:cNvPr id="4" name="图片 3">
             <a:extLst>
               <a:ext uri="{FF2B5EF4-FFF2-40B4-BE49-F238E27FC236}">
-                <a16:creationId xmlns:a16="http://schemas.microsoft.com/office/drawing/2014/main" id="{013778C0-087E-3056-6DFF-C3FECAC6EE46}"/>
+                <a16:creationId xmlns:a16="http://schemas.microsoft.com/office/drawing/2014/main" id="{56AC2D80-8ABF-5B3B-7B85-BACEBE9F05F3}"/>
               </a:ext>
             </a:extLst>
           </p:cNvPr>
@@ -5688,98 +5772,8 @@
         </p:blipFill>
         <p:spPr>
           <a:xfrm>
-            <a:off x="6916313" y="1843423"/>
-            <a:ext cx="2926882" cy="2062968"/>
-          </a:xfrm>
-          <a:prstGeom prst="rect">
-            <a:avLst/>
-          </a:prstGeom>
-        </p:spPr>
-      </p:pic>
-      <p:pic>
-        <p:nvPicPr>
-          <p:cNvPr id="6" name="图片 5">
-            <a:extLst>
-              <a:ext uri="{FF2B5EF4-FFF2-40B4-BE49-F238E27FC236}">
-                <a16:creationId xmlns:a16="http://schemas.microsoft.com/office/drawing/2014/main" id="{3E92E588-1061-E274-CE71-3CAC0131FFE9}"/>
-              </a:ext>
-            </a:extLst>
-          </p:cNvPr>
-          <p:cNvPicPr>
-            <a:picLocks noChangeAspect="1"/>
-          </p:cNvPicPr>
-          <p:nvPr/>
-        </p:nvPicPr>
-        <p:blipFill>
-          <a:blip r:embed="rId3"/>
-          <a:stretch>
-            <a:fillRect/>
-          </a:stretch>
-        </p:blipFill>
-        <p:spPr>
-          <a:xfrm>
-            <a:off x="6897694" y="3906391"/>
-            <a:ext cx="2964120" cy="2062968"/>
-          </a:xfrm>
-          <a:prstGeom prst="rect">
-            <a:avLst/>
-          </a:prstGeom>
-        </p:spPr>
-      </p:pic>
-      <p:pic>
-        <p:nvPicPr>
-          <p:cNvPr id="8" name="图片 7">
-            <a:extLst>
-              <a:ext uri="{FF2B5EF4-FFF2-40B4-BE49-F238E27FC236}">
-                <a16:creationId xmlns:a16="http://schemas.microsoft.com/office/drawing/2014/main" id="{C4C050A9-A14F-DC9A-4737-ECBDFC4F902E}"/>
-              </a:ext>
-            </a:extLst>
-          </p:cNvPr>
-          <p:cNvPicPr>
-            <a:picLocks noChangeAspect="1"/>
-          </p:cNvPicPr>
-          <p:nvPr/>
-        </p:nvPicPr>
-        <p:blipFill>
-          <a:blip r:embed="rId4"/>
-          <a:stretch>
-            <a:fillRect/>
-          </a:stretch>
-        </p:blipFill>
-        <p:spPr>
-          <a:xfrm>
-            <a:off x="2406828" y="3906391"/>
-            <a:ext cx="2971568" cy="2062968"/>
-          </a:xfrm>
-          <a:prstGeom prst="rect">
-            <a:avLst/>
-          </a:prstGeom>
-        </p:spPr>
-      </p:pic>
-      <p:pic>
-        <p:nvPicPr>
-          <p:cNvPr id="10" name="图片 9">
-            <a:extLst>
-              <a:ext uri="{FF2B5EF4-FFF2-40B4-BE49-F238E27FC236}">
-                <a16:creationId xmlns:a16="http://schemas.microsoft.com/office/drawing/2014/main" id="{341DD417-819C-CA7A-C697-B205B67FAFDF}"/>
-              </a:ext>
-            </a:extLst>
-          </p:cNvPr>
-          <p:cNvPicPr>
-            <a:picLocks noChangeAspect="1"/>
-          </p:cNvPicPr>
-          <p:nvPr/>
-        </p:nvPicPr>
-        <p:blipFill>
-          <a:blip r:embed="rId5"/>
-          <a:stretch>
-            <a:fillRect/>
-          </a:stretch>
-        </p:blipFill>
-        <p:spPr>
-          <a:xfrm>
-            <a:off x="2424712" y="1781377"/>
-            <a:ext cx="2979015" cy="2062968"/>
+            <a:off x="2553449" y="2078194"/>
+            <a:ext cx="6140730" cy="4168060"/>
           </a:xfrm>
           <a:prstGeom prst="rect">
             <a:avLst/>
@@ -5789,7 +5783,7 @@
     </p:spTree>
     <p:extLst>
       <p:ext uri="{BB962C8B-B14F-4D97-AF65-F5344CB8AC3E}">
-        <p14:creationId xmlns:p14="http://schemas.microsoft.com/office/powerpoint/2010/main" val="1580764933"/>
+        <p14:creationId xmlns:p14="http://schemas.microsoft.com/office/powerpoint/2010/main" val="3137794201"/>
       </p:ext>
     </p:extLst>
   </p:cSld>
@@ -5956,12 +5950,47 @@
           <a:chExt cx="0" cy="0"/>
         </a:xfrm>
       </p:grpSpPr>
+      <p:sp>
+        <p:nvSpPr>
+          <p:cNvPr id="2" name="标题 1">
+            <a:extLst>
+              <a:ext uri="{FF2B5EF4-FFF2-40B4-BE49-F238E27FC236}">
+                <a16:creationId xmlns:a16="http://schemas.microsoft.com/office/drawing/2014/main" id="{B574F081-54E5-17D9-E2C9-BBB44AFA2875}"/>
+              </a:ext>
+            </a:extLst>
+          </p:cNvPr>
+          <p:cNvSpPr>
+            <a:spLocks noGrp="1"/>
+          </p:cNvSpPr>
+          <p:nvPr>
+            <p:ph type="title"/>
+          </p:nvPr>
+        </p:nvSpPr>
+        <p:spPr>
+          <a:xfrm>
+            <a:off x="838199" y="365125"/>
+            <a:ext cx="10508087" cy="1036449"/>
+          </a:xfrm>
+        </p:spPr>
+        <p:txBody>
+          <a:bodyPr>
+            <a:normAutofit/>
+          </a:bodyPr>
+          <a:lstStyle/>
+          <a:p>
+            <a:r>
+              <a:rPr lang="fr-CA" dirty="0"/>
+              <a:t>Outliers (London, square grids, 25 Bases)</a:t>
+            </a:r>
+          </a:p>
+        </p:txBody>
+      </p:sp>
       <p:pic>
         <p:nvPicPr>
-          <p:cNvPr id="12" name="图片 11">
-            <a:extLst>
-              <a:ext uri="{FF2B5EF4-FFF2-40B4-BE49-F238E27FC236}">
-                <a16:creationId xmlns:a16="http://schemas.microsoft.com/office/drawing/2014/main" id="{737ABC15-5272-F4D6-25DB-44B35D85AAD9}"/>
+          <p:cNvPr id="4" name="图片 3">
+            <a:extLst>
+              <a:ext uri="{FF2B5EF4-FFF2-40B4-BE49-F238E27FC236}">
+                <a16:creationId xmlns:a16="http://schemas.microsoft.com/office/drawing/2014/main" id="{013778C0-087E-3056-6DFF-C3FECAC6EE46}"/>
               </a:ext>
             </a:extLst>
           </p:cNvPr>
@@ -5978,8 +6007,8 @@
         </p:blipFill>
         <p:spPr>
           <a:xfrm>
-            <a:off x="2172168" y="577939"/>
-            <a:ext cx="3571875" cy="2819400"/>
+            <a:off x="6916313" y="1843423"/>
+            <a:ext cx="2926882" cy="2062968"/>
           </a:xfrm>
           <a:prstGeom prst="rect">
             <a:avLst/>
@@ -5988,10 +6017,10 @@
       </p:pic>
       <p:pic>
         <p:nvPicPr>
-          <p:cNvPr id="14" name="图片 13">
-            <a:extLst>
-              <a:ext uri="{FF2B5EF4-FFF2-40B4-BE49-F238E27FC236}">
-                <a16:creationId xmlns:a16="http://schemas.microsoft.com/office/drawing/2014/main" id="{FB86BE1B-DCBD-1C97-6E96-8A09BDEED11D}"/>
+          <p:cNvPr id="6" name="图片 5">
+            <a:extLst>
+              <a:ext uri="{FF2B5EF4-FFF2-40B4-BE49-F238E27FC236}">
+                <a16:creationId xmlns:a16="http://schemas.microsoft.com/office/drawing/2014/main" id="{3E92E588-1061-E274-CE71-3CAC0131FFE9}"/>
               </a:ext>
             </a:extLst>
           </p:cNvPr>
@@ -6008,8 +6037,8 @@
         </p:blipFill>
         <p:spPr>
           <a:xfrm>
-            <a:off x="6145166" y="577939"/>
-            <a:ext cx="3571875" cy="2819400"/>
+            <a:off x="6897694" y="3906391"/>
+            <a:ext cx="2964120" cy="2062968"/>
           </a:xfrm>
           <a:prstGeom prst="rect">
             <a:avLst/>
@@ -6018,10 +6047,10 @@
       </p:pic>
       <p:pic>
         <p:nvPicPr>
-          <p:cNvPr id="16" name="图片 15">
-            <a:extLst>
-              <a:ext uri="{FF2B5EF4-FFF2-40B4-BE49-F238E27FC236}">
-                <a16:creationId xmlns:a16="http://schemas.microsoft.com/office/drawing/2014/main" id="{9FB62688-615C-604B-A7DC-18A6C7C51667}"/>
+          <p:cNvPr id="8" name="图片 7">
+            <a:extLst>
+              <a:ext uri="{FF2B5EF4-FFF2-40B4-BE49-F238E27FC236}">
+                <a16:creationId xmlns:a16="http://schemas.microsoft.com/office/drawing/2014/main" id="{C4C050A9-A14F-DC9A-4737-ECBDFC4F902E}"/>
               </a:ext>
             </a:extLst>
           </p:cNvPr>
@@ -6038,8 +6067,8 @@
         </p:blipFill>
         <p:spPr>
           <a:xfrm>
-            <a:off x="2172167" y="3539007"/>
-            <a:ext cx="3571875" cy="2819400"/>
+            <a:off x="2406828" y="3906391"/>
+            <a:ext cx="2971568" cy="2062968"/>
           </a:xfrm>
           <a:prstGeom prst="rect">
             <a:avLst/>
@@ -6048,10 +6077,10 @@
       </p:pic>
       <p:pic>
         <p:nvPicPr>
-          <p:cNvPr id="18" name="图片 17">
-            <a:extLst>
-              <a:ext uri="{FF2B5EF4-FFF2-40B4-BE49-F238E27FC236}">
-                <a16:creationId xmlns:a16="http://schemas.microsoft.com/office/drawing/2014/main" id="{969FEC4C-1129-8494-43A6-8262DD536EA5}"/>
+          <p:cNvPr id="10" name="图片 9">
+            <a:extLst>
+              <a:ext uri="{FF2B5EF4-FFF2-40B4-BE49-F238E27FC236}">
+                <a16:creationId xmlns:a16="http://schemas.microsoft.com/office/drawing/2014/main" id="{341DD417-819C-CA7A-C697-B205B67FAFDF}"/>
               </a:ext>
             </a:extLst>
           </p:cNvPr>
@@ -6068,8 +6097,8 @@
         </p:blipFill>
         <p:spPr>
           <a:xfrm>
-            <a:off x="5997194" y="3539007"/>
-            <a:ext cx="3571875" cy="2819400"/>
+            <a:off x="2424712" y="1781377"/>
+            <a:ext cx="2979015" cy="2062968"/>
           </a:xfrm>
           <a:prstGeom prst="rect">
             <a:avLst/>
@@ -6079,7 +6108,7 @@
     </p:spTree>
     <p:extLst>
       <p:ext uri="{BB962C8B-B14F-4D97-AF65-F5344CB8AC3E}">
-        <p14:creationId xmlns:p14="http://schemas.microsoft.com/office/powerpoint/2010/main" val="699051418"/>
+        <p14:creationId xmlns:p14="http://schemas.microsoft.com/office/powerpoint/2010/main" val="1580764933"/>
       </p:ext>
     </p:extLst>
   </p:cSld>
@@ -6108,10 +6137,10 @@
       </p:grpSpPr>
       <p:pic>
         <p:nvPicPr>
-          <p:cNvPr id="6" name="图片 5">
-            <a:extLst>
-              <a:ext uri="{FF2B5EF4-FFF2-40B4-BE49-F238E27FC236}">
-                <a16:creationId xmlns:a16="http://schemas.microsoft.com/office/drawing/2014/main" id="{7AE46F71-AA6B-2ED2-A705-D060A5424E7C}"/>
+          <p:cNvPr id="12" name="图片 11">
+            <a:extLst>
+              <a:ext uri="{FF2B5EF4-FFF2-40B4-BE49-F238E27FC236}">
+                <a16:creationId xmlns:a16="http://schemas.microsoft.com/office/drawing/2014/main" id="{737ABC15-5272-F4D6-25DB-44B35D85AAD9}"/>
               </a:ext>
             </a:extLst>
           </p:cNvPr>
@@ -6128,8 +6157,98 @@
         </p:blipFill>
         <p:spPr>
           <a:xfrm>
-            <a:off x="2247364" y="917315"/>
-            <a:ext cx="7172794" cy="5486168"/>
+            <a:off x="2172168" y="577939"/>
+            <a:ext cx="3571875" cy="2819400"/>
+          </a:xfrm>
+          <a:prstGeom prst="rect">
+            <a:avLst/>
+          </a:prstGeom>
+        </p:spPr>
+      </p:pic>
+      <p:pic>
+        <p:nvPicPr>
+          <p:cNvPr id="14" name="图片 13">
+            <a:extLst>
+              <a:ext uri="{FF2B5EF4-FFF2-40B4-BE49-F238E27FC236}">
+                <a16:creationId xmlns:a16="http://schemas.microsoft.com/office/drawing/2014/main" id="{FB86BE1B-DCBD-1C97-6E96-8A09BDEED11D}"/>
+              </a:ext>
+            </a:extLst>
+          </p:cNvPr>
+          <p:cNvPicPr>
+            <a:picLocks noChangeAspect="1"/>
+          </p:cNvPicPr>
+          <p:nvPr/>
+        </p:nvPicPr>
+        <p:blipFill>
+          <a:blip r:embed="rId3"/>
+          <a:stretch>
+            <a:fillRect/>
+          </a:stretch>
+        </p:blipFill>
+        <p:spPr>
+          <a:xfrm>
+            <a:off x="6145166" y="577939"/>
+            <a:ext cx="3571875" cy="2819400"/>
+          </a:xfrm>
+          <a:prstGeom prst="rect">
+            <a:avLst/>
+          </a:prstGeom>
+        </p:spPr>
+      </p:pic>
+      <p:pic>
+        <p:nvPicPr>
+          <p:cNvPr id="16" name="图片 15">
+            <a:extLst>
+              <a:ext uri="{FF2B5EF4-FFF2-40B4-BE49-F238E27FC236}">
+                <a16:creationId xmlns:a16="http://schemas.microsoft.com/office/drawing/2014/main" id="{9FB62688-615C-604B-A7DC-18A6C7C51667}"/>
+              </a:ext>
+            </a:extLst>
+          </p:cNvPr>
+          <p:cNvPicPr>
+            <a:picLocks noChangeAspect="1"/>
+          </p:cNvPicPr>
+          <p:nvPr/>
+        </p:nvPicPr>
+        <p:blipFill>
+          <a:blip r:embed="rId4"/>
+          <a:stretch>
+            <a:fillRect/>
+          </a:stretch>
+        </p:blipFill>
+        <p:spPr>
+          <a:xfrm>
+            <a:off x="2172167" y="3539007"/>
+            <a:ext cx="3571875" cy="2819400"/>
+          </a:xfrm>
+          <a:prstGeom prst="rect">
+            <a:avLst/>
+          </a:prstGeom>
+        </p:spPr>
+      </p:pic>
+      <p:pic>
+        <p:nvPicPr>
+          <p:cNvPr id="18" name="图片 17">
+            <a:extLst>
+              <a:ext uri="{FF2B5EF4-FFF2-40B4-BE49-F238E27FC236}">
+                <a16:creationId xmlns:a16="http://schemas.microsoft.com/office/drawing/2014/main" id="{969FEC4C-1129-8494-43A6-8262DD536EA5}"/>
+              </a:ext>
+            </a:extLst>
+          </p:cNvPr>
+          <p:cNvPicPr>
+            <a:picLocks noChangeAspect="1"/>
+          </p:cNvPicPr>
+          <p:nvPr/>
+        </p:nvPicPr>
+        <p:blipFill>
+          <a:blip r:embed="rId5"/>
+          <a:stretch>
+            <a:fillRect/>
+          </a:stretch>
+        </p:blipFill>
+        <p:spPr>
+          <a:xfrm>
+            <a:off x="5997194" y="3539007"/>
+            <a:ext cx="3571875" cy="2819400"/>
           </a:xfrm>
           <a:prstGeom prst="rect">
             <a:avLst/>
@@ -6139,7 +6258,7 @@
     </p:spTree>
     <p:extLst>
       <p:ext uri="{BB962C8B-B14F-4D97-AF65-F5344CB8AC3E}">
-        <p14:creationId xmlns:p14="http://schemas.microsoft.com/office/powerpoint/2010/main" val="714291204"/>
+        <p14:creationId xmlns:p14="http://schemas.microsoft.com/office/powerpoint/2010/main" val="699051418"/>
       </p:ext>
     </p:extLst>
   </p:cSld>
@@ -6168,10 +6287,10 @@
       </p:grpSpPr>
       <p:pic>
         <p:nvPicPr>
-          <p:cNvPr id="8" name="图片 7">
-            <a:extLst>
-              <a:ext uri="{FF2B5EF4-FFF2-40B4-BE49-F238E27FC236}">
-                <a16:creationId xmlns:a16="http://schemas.microsoft.com/office/drawing/2014/main" id="{F5E18021-CD03-E7AA-3918-F9FBE0238B06}"/>
+          <p:cNvPr id="6" name="图片 5">
+            <a:extLst>
+              <a:ext uri="{FF2B5EF4-FFF2-40B4-BE49-F238E27FC236}">
+                <a16:creationId xmlns:a16="http://schemas.microsoft.com/office/drawing/2014/main" id="{7AE46F71-AA6B-2ED2-A705-D060A5424E7C}"/>
               </a:ext>
             </a:extLst>
           </p:cNvPr>
@@ -6188,8 +6307,8 @@
         </p:blipFill>
         <p:spPr>
           <a:xfrm>
-            <a:off x="2839792" y="1662036"/>
-            <a:ext cx="6111964" cy="3926858"/>
+            <a:off x="2247364" y="917315"/>
+            <a:ext cx="7172794" cy="5486168"/>
           </a:xfrm>
           <a:prstGeom prst="rect">
             <a:avLst/>
@@ -6199,7 +6318,7 @@
     </p:spTree>
     <p:extLst>
       <p:ext uri="{BB962C8B-B14F-4D97-AF65-F5344CB8AC3E}">
-        <p14:creationId xmlns:p14="http://schemas.microsoft.com/office/powerpoint/2010/main" val="192567146"/>
+        <p14:creationId xmlns:p14="http://schemas.microsoft.com/office/powerpoint/2010/main" val="714291204"/>
       </p:ext>
     </p:extLst>
   </p:cSld>
@@ -6228,10 +6347,10 @@
       </p:grpSpPr>
       <p:pic>
         <p:nvPicPr>
-          <p:cNvPr id="2" name="图片 1">
-            <a:extLst>
-              <a:ext uri="{FF2B5EF4-FFF2-40B4-BE49-F238E27FC236}">
-                <a16:creationId xmlns:a16="http://schemas.microsoft.com/office/drawing/2014/main" id="{88BD6629-759E-35D1-676D-797CD4FAA810}"/>
+          <p:cNvPr id="8" name="图片 7">
+            <a:extLst>
+              <a:ext uri="{FF2B5EF4-FFF2-40B4-BE49-F238E27FC236}">
+                <a16:creationId xmlns:a16="http://schemas.microsoft.com/office/drawing/2014/main" id="{F5E18021-CD03-E7AA-3918-F9FBE0238B06}"/>
               </a:ext>
             </a:extLst>
           </p:cNvPr>
@@ -6248,104 +6367,18 @@
         </p:blipFill>
         <p:spPr>
           <a:xfrm>
-            <a:off x="2464471" y="-6439"/>
-            <a:ext cx="7237301" cy="6858000"/>
+            <a:off x="2839792" y="1662036"/>
+            <a:ext cx="6111964" cy="3926858"/>
           </a:xfrm>
           <a:prstGeom prst="rect">
             <a:avLst/>
           </a:prstGeom>
         </p:spPr>
       </p:pic>
-      <p:pic>
-        <p:nvPicPr>
-          <p:cNvPr id="4" name="图片 3">
-            <a:extLst>
-              <a:ext uri="{FF2B5EF4-FFF2-40B4-BE49-F238E27FC236}">
-                <a16:creationId xmlns:a16="http://schemas.microsoft.com/office/drawing/2014/main" id="{721F92C0-E5EC-174A-3740-ECAFE4B49B80}"/>
-              </a:ext>
-            </a:extLst>
-          </p:cNvPr>
-          <p:cNvPicPr>
-            <a:picLocks noChangeAspect="1"/>
-          </p:cNvPicPr>
-          <p:nvPr/>
-        </p:nvPicPr>
-        <p:blipFill>
-          <a:blip r:embed="rId3"/>
-          <a:stretch>
-            <a:fillRect/>
-          </a:stretch>
-        </p:blipFill>
-        <p:spPr>
-          <a:xfrm>
-            <a:off x="349313" y="2860525"/>
-            <a:ext cx="1962445" cy="844205"/>
-          </a:xfrm>
-          <a:prstGeom prst="rect">
-            <a:avLst/>
-          </a:prstGeom>
-        </p:spPr>
-      </p:pic>
-      <p:sp>
-        <p:nvSpPr>
-          <p:cNvPr id="3" name="文本框 2">
-            <a:extLst>
-              <a:ext uri="{FF2B5EF4-FFF2-40B4-BE49-F238E27FC236}">
-                <a16:creationId xmlns:a16="http://schemas.microsoft.com/office/drawing/2014/main" id="{81A46030-76F7-EF1D-A680-9F8670125A52}"/>
-              </a:ext>
-            </a:extLst>
-          </p:cNvPr>
-          <p:cNvSpPr txBox="1"/>
-          <p:nvPr/>
-        </p:nvSpPr>
-        <p:spPr>
-          <a:xfrm>
-            <a:off x="721217" y="746975"/>
-            <a:ext cx="1860998" cy="646331"/>
-          </a:xfrm>
-          <a:prstGeom prst="rect">
-            <a:avLst/>
-          </a:prstGeom>
-          <a:noFill/>
-        </p:spPr>
-        <p:txBody>
-          <a:bodyPr wrap="square" rtlCol="0">
-            <a:spAutoFit/>
-          </a:bodyPr>
-          <a:lstStyle/>
-          <a:p>
-            <a:r>
-              <a:rPr lang="fr-CA" dirty="0">
-                <a:latin typeface="Times New Roman" panose="02020603050405020304" pitchFamily="18" charset="0"/>
-                <a:cs typeface="Times New Roman" panose="02020603050405020304" pitchFamily="18" charset="0"/>
-              </a:rPr>
-              <a:t>R</a:t>
-            </a:r>
-            <a:r>
-              <a:rPr lang="en-US" altLang="zh-CN" dirty="0" err="1">
-                <a:latin typeface="Times New Roman" panose="02020603050405020304" pitchFamily="18" charset="0"/>
-                <a:cs typeface="Times New Roman" panose="02020603050405020304" pitchFamily="18" charset="0"/>
-              </a:rPr>
-              <a:t>esult</a:t>
-            </a:r>
-            <a:r>
-              <a:rPr lang="en-US" altLang="zh-CN" dirty="0">
-                <a:latin typeface="Times New Roman" panose="02020603050405020304" pitchFamily="18" charset="0"/>
-                <a:cs typeface="Times New Roman" panose="02020603050405020304" pitchFamily="18" charset="0"/>
-              </a:rPr>
-              <a:t> based on London map</a:t>
-            </a:r>
-            <a:endParaRPr lang="fr-CA" dirty="0">
-              <a:latin typeface="Times New Roman" panose="02020603050405020304" pitchFamily="18" charset="0"/>
-              <a:cs typeface="Times New Roman" panose="02020603050405020304" pitchFamily="18" charset="0"/>
-            </a:endParaRPr>
-          </a:p>
-        </p:txBody>
-      </p:sp>
     </p:spTree>
     <p:extLst>
       <p:ext uri="{BB962C8B-B14F-4D97-AF65-F5344CB8AC3E}">
-        <p14:creationId xmlns:p14="http://schemas.microsoft.com/office/powerpoint/2010/main" val="2861390289"/>
+        <p14:creationId xmlns:p14="http://schemas.microsoft.com/office/powerpoint/2010/main" val="192567146"/>
       </p:ext>
     </p:extLst>
   </p:cSld>
@@ -6374,10 +6407,10 @@
       </p:grpSpPr>
       <p:pic>
         <p:nvPicPr>
-          <p:cNvPr id="3" name="图片 2">
-            <a:extLst>
-              <a:ext uri="{FF2B5EF4-FFF2-40B4-BE49-F238E27FC236}">
-                <a16:creationId xmlns:a16="http://schemas.microsoft.com/office/drawing/2014/main" id="{78ACA312-3031-C989-FD69-E322EB95D26D}"/>
+          <p:cNvPr id="2" name="图片 1">
+            <a:extLst>
+              <a:ext uri="{FF2B5EF4-FFF2-40B4-BE49-F238E27FC236}">
+                <a16:creationId xmlns:a16="http://schemas.microsoft.com/office/drawing/2014/main" id="{88BD6629-759E-35D1-676D-797CD4FAA810}"/>
               </a:ext>
             </a:extLst>
           </p:cNvPr>
@@ -6394,20 +6427,50 @@
         </p:blipFill>
         <p:spPr>
           <a:xfrm>
-            <a:off x="2459182" y="0"/>
-            <a:ext cx="7273636" cy="6858000"/>
+            <a:off x="2464471" y="-6439"/>
+            <a:ext cx="7237301" cy="6858000"/>
           </a:xfrm>
           <a:prstGeom prst="rect">
             <a:avLst/>
           </a:prstGeom>
         </p:spPr>
       </p:pic>
+      <p:pic>
+        <p:nvPicPr>
+          <p:cNvPr id="4" name="图片 3">
+            <a:extLst>
+              <a:ext uri="{FF2B5EF4-FFF2-40B4-BE49-F238E27FC236}">
+                <a16:creationId xmlns:a16="http://schemas.microsoft.com/office/drawing/2014/main" id="{721F92C0-E5EC-174A-3740-ECAFE4B49B80}"/>
+              </a:ext>
+            </a:extLst>
+          </p:cNvPr>
+          <p:cNvPicPr>
+            <a:picLocks noChangeAspect="1"/>
+          </p:cNvPicPr>
+          <p:nvPr/>
+        </p:nvPicPr>
+        <p:blipFill>
+          <a:blip r:embed="rId3"/>
+          <a:stretch>
+            <a:fillRect/>
+          </a:stretch>
+        </p:blipFill>
+        <p:spPr>
+          <a:xfrm>
+            <a:off x="349313" y="2860525"/>
+            <a:ext cx="1962445" cy="844205"/>
+          </a:xfrm>
+          <a:prstGeom prst="rect">
+            <a:avLst/>
+          </a:prstGeom>
+        </p:spPr>
+      </p:pic>
       <p:sp>
         <p:nvSpPr>
-          <p:cNvPr id="4" name="文本框 3">
-            <a:extLst>
-              <a:ext uri="{FF2B5EF4-FFF2-40B4-BE49-F238E27FC236}">
-                <a16:creationId xmlns:a16="http://schemas.microsoft.com/office/drawing/2014/main" id="{8A045E18-65B1-D4F0-C380-7454C2B4E2B6}"/>
+          <p:cNvPr id="3" name="文本框 2">
+            <a:extLst>
+              <a:ext uri="{FF2B5EF4-FFF2-40B4-BE49-F238E27FC236}">
+                <a16:creationId xmlns:a16="http://schemas.microsoft.com/office/drawing/2014/main" id="{81A46030-76F7-EF1D-A680-9F8670125A52}"/>
               </a:ext>
             </a:extLst>
           </p:cNvPr>
@@ -6416,8 +6479,8 @@
         </p:nvSpPr>
         <p:spPr>
           <a:xfrm>
-            <a:off x="87603" y="2997623"/>
-            <a:ext cx="3272709" cy="646331"/>
+            <a:off x="721217" y="746975"/>
+            <a:ext cx="1860998" cy="646331"/>
           </a:xfrm>
           <a:prstGeom prst="rect">
             <a:avLst/>
@@ -6425,48 +6488,43 @@
           <a:noFill/>
         </p:spPr>
         <p:txBody>
-          <a:bodyPr wrap="square">
+          <a:bodyPr wrap="square" rtlCol="0">
             <a:spAutoFit/>
           </a:bodyPr>
           <a:lstStyle/>
           <a:p>
             <a:r>
-              <a:rPr lang="fr-CA" altLang="zh-CN" dirty="0">
+              <a:rPr lang="fr-CA" dirty="0">
                 <a:latin typeface="Times New Roman" panose="02020603050405020304" pitchFamily="18" charset="0"/>
                 <a:cs typeface="Times New Roman" panose="02020603050405020304" pitchFamily="18" charset="0"/>
               </a:rPr>
-              <a:t>Sampling on larger std </a:t>
-            </a:r>
-          </a:p>
-          <a:p>
-            <a:r>
-              <a:rPr lang="fr-CA" altLang="zh-CN" dirty="0">
+              <a:t>R</a:t>
+            </a:r>
+            <a:r>
+              <a:rPr lang="en-US" altLang="zh-CN" dirty="0" err="1">
                 <a:latin typeface="Times New Roman" panose="02020603050405020304" pitchFamily="18" charset="0"/>
                 <a:cs typeface="Times New Roman" panose="02020603050405020304" pitchFamily="18" charset="0"/>
               </a:rPr>
-              <a:t>1</a:t>
-            </a:r>
-            <a:r>
-              <a:rPr lang="fr-CA" altLang="zh-CN" baseline="30000" dirty="0">
+              <a:t>esult</a:t>
+            </a:r>
+            <a:r>
+              <a:rPr lang="en-US" altLang="zh-CN" dirty="0">
                 <a:latin typeface="Times New Roman" panose="02020603050405020304" pitchFamily="18" charset="0"/>
                 <a:cs typeface="Times New Roman" panose="02020603050405020304" pitchFamily="18" charset="0"/>
               </a:rPr>
-              <a:t>e</a:t>
-            </a:r>
-            <a:r>
-              <a:rPr lang="fr-CA" altLang="zh-CN" dirty="0">
-                <a:latin typeface="Times New Roman" panose="02020603050405020304" pitchFamily="18" charset="0"/>
-                <a:cs typeface="Times New Roman" panose="02020603050405020304" pitchFamily="18" charset="0"/>
-              </a:rPr>
-              <a:t>-6</a:t>
-            </a:r>
+              <a:t> based on London map</a:t>
+            </a:r>
+            <a:endParaRPr lang="fr-CA" dirty="0">
+              <a:latin typeface="Times New Roman" panose="02020603050405020304" pitchFamily="18" charset="0"/>
+              <a:cs typeface="Times New Roman" panose="02020603050405020304" pitchFamily="18" charset="0"/>
+            </a:endParaRPr>
           </a:p>
         </p:txBody>
       </p:sp>
     </p:spTree>
     <p:extLst>
       <p:ext uri="{BB962C8B-B14F-4D97-AF65-F5344CB8AC3E}">
-        <p14:creationId xmlns:p14="http://schemas.microsoft.com/office/powerpoint/2010/main" val="1363589320"/>
+        <p14:creationId xmlns:p14="http://schemas.microsoft.com/office/powerpoint/2010/main" val="2861390289"/>
       </p:ext>
     </p:extLst>
   </p:cSld>
@@ -6495,10 +6553,10 @@
       </p:grpSpPr>
       <p:pic>
         <p:nvPicPr>
-          <p:cNvPr id="4" name="图片 3">
-            <a:extLst>
-              <a:ext uri="{FF2B5EF4-FFF2-40B4-BE49-F238E27FC236}">
-                <a16:creationId xmlns:a16="http://schemas.microsoft.com/office/drawing/2014/main" id="{3D22EE22-DAE0-AE0E-EADE-0986508A76DB}"/>
+          <p:cNvPr id="3" name="图片 2">
+            <a:extLst>
+              <a:ext uri="{FF2B5EF4-FFF2-40B4-BE49-F238E27FC236}">
+                <a16:creationId xmlns:a16="http://schemas.microsoft.com/office/drawing/2014/main" id="{78ACA312-3031-C989-FD69-E322EB95D26D}"/>
               </a:ext>
             </a:extLst>
           </p:cNvPr>
@@ -6515,8 +6573,8 @@
         </p:blipFill>
         <p:spPr>
           <a:xfrm>
-            <a:off x="2458624" y="0"/>
-            <a:ext cx="7274751" cy="6858000"/>
+            <a:off x="2459182" y="0"/>
+            <a:ext cx="7273636" cy="6858000"/>
           </a:xfrm>
           <a:prstGeom prst="rect">
             <a:avLst/>
@@ -6525,10 +6583,10 @@
       </p:pic>
       <p:sp>
         <p:nvSpPr>
-          <p:cNvPr id="2" name="文本框 1">
-            <a:extLst>
-              <a:ext uri="{FF2B5EF4-FFF2-40B4-BE49-F238E27FC236}">
-                <a16:creationId xmlns:a16="http://schemas.microsoft.com/office/drawing/2014/main" id="{E59AE060-78A2-9072-30FE-8E8AE474F250}"/>
+          <p:cNvPr id="4" name="文本框 3">
+            <a:extLst>
+              <a:ext uri="{FF2B5EF4-FFF2-40B4-BE49-F238E27FC236}">
+                <a16:creationId xmlns:a16="http://schemas.microsoft.com/office/drawing/2014/main" id="{8A045E18-65B1-D4F0-C380-7454C2B4E2B6}"/>
               </a:ext>
             </a:extLst>
           </p:cNvPr>
@@ -6537,8 +6595,8 @@
         </p:nvSpPr>
         <p:spPr>
           <a:xfrm>
-            <a:off x="737986" y="3660886"/>
-            <a:ext cx="3272709" cy="369332"/>
+            <a:off x="87603" y="2997623"/>
+            <a:ext cx="3272709" cy="646331"/>
           </a:xfrm>
           <a:prstGeom prst="rect">
             <a:avLst/>
@@ -6556,7 +6614,30 @@
                 <a:latin typeface="Times New Roman" panose="02020603050405020304" pitchFamily="18" charset="0"/>
                 <a:cs typeface="Times New Roman" panose="02020603050405020304" pitchFamily="18" charset="0"/>
               </a:rPr>
-              <a:t>D=tau*c0</a:t>
+              <a:t>Sampling on larger std </a:t>
+            </a:r>
+          </a:p>
+          <a:p>
+            <a:r>
+              <a:rPr lang="fr-CA" altLang="zh-CN" dirty="0">
+                <a:latin typeface="Times New Roman" panose="02020603050405020304" pitchFamily="18" charset="0"/>
+                <a:cs typeface="Times New Roman" panose="02020603050405020304" pitchFamily="18" charset="0"/>
+              </a:rPr>
+              <a:t>1</a:t>
+            </a:r>
+            <a:r>
+              <a:rPr lang="fr-CA" altLang="zh-CN" baseline="30000" dirty="0">
+                <a:latin typeface="Times New Roman" panose="02020603050405020304" pitchFamily="18" charset="0"/>
+                <a:cs typeface="Times New Roman" panose="02020603050405020304" pitchFamily="18" charset="0"/>
+              </a:rPr>
+              <a:t>e</a:t>
+            </a:r>
+            <a:r>
+              <a:rPr lang="fr-CA" altLang="zh-CN" dirty="0">
+                <a:latin typeface="Times New Roman" panose="02020603050405020304" pitchFamily="18" charset="0"/>
+                <a:cs typeface="Times New Roman" panose="02020603050405020304" pitchFamily="18" charset="0"/>
+              </a:rPr>
+              <a:t>-6</a:t>
             </a:r>
           </a:p>
         </p:txBody>
@@ -6564,7 +6645,7 @@
     </p:spTree>
     <p:extLst>
       <p:ext uri="{BB962C8B-B14F-4D97-AF65-F5344CB8AC3E}">
-        <p14:creationId xmlns:p14="http://schemas.microsoft.com/office/powerpoint/2010/main" val="1513030387"/>
+        <p14:creationId xmlns:p14="http://schemas.microsoft.com/office/powerpoint/2010/main" val="1363589320"/>
       </p:ext>
     </p:extLst>
   </p:cSld>
@@ -6593,10 +6674,10 @@
       </p:grpSpPr>
       <p:pic>
         <p:nvPicPr>
-          <p:cNvPr id="5" name="图片 4">
-            <a:extLst>
-              <a:ext uri="{FF2B5EF4-FFF2-40B4-BE49-F238E27FC236}">
-                <a16:creationId xmlns:a16="http://schemas.microsoft.com/office/drawing/2014/main" id="{3A915E48-0978-FDE0-6C15-18740B233395}"/>
+          <p:cNvPr id="4" name="图片 3">
+            <a:extLst>
+              <a:ext uri="{FF2B5EF4-FFF2-40B4-BE49-F238E27FC236}">
+                <a16:creationId xmlns:a16="http://schemas.microsoft.com/office/drawing/2014/main" id="{3D22EE22-DAE0-AE0E-EADE-0986508A76DB}"/>
               </a:ext>
             </a:extLst>
           </p:cNvPr>
@@ -6613,65 +6694,56 @@
         </p:blipFill>
         <p:spPr>
           <a:xfrm>
-            <a:off x="2455937" y="0"/>
-            <a:ext cx="7280125" cy="6858000"/>
+            <a:off x="2458624" y="0"/>
+            <a:ext cx="7274751" cy="6858000"/>
           </a:xfrm>
           <a:prstGeom prst="rect">
             <a:avLst/>
           </a:prstGeom>
         </p:spPr>
       </p:pic>
-      <p:pic>
-        <p:nvPicPr>
-          <p:cNvPr id="1026" name="Picture 2">
-            <a:extLst>
-              <a:ext uri="{FF2B5EF4-FFF2-40B4-BE49-F238E27FC236}">
-                <a16:creationId xmlns:a16="http://schemas.microsoft.com/office/drawing/2014/main" id="{71BCB1EF-78A9-599A-E50A-F7FDCCA610F7}"/>
-              </a:ext>
-            </a:extLst>
-          </p:cNvPr>
-          <p:cNvPicPr>
-            <a:picLocks noChangeAspect="1" noChangeArrowheads="1"/>
-          </p:cNvPicPr>
+      <p:sp>
+        <p:nvSpPr>
+          <p:cNvPr id="2" name="文本框 1">
+            <a:extLst>
+              <a:ext uri="{FF2B5EF4-FFF2-40B4-BE49-F238E27FC236}">
+                <a16:creationId xmlns:a16="http://schemas.microsoft.com/office/drawing/2014/main" id="{E59AE060-78A2-9072-30FE-8E8AE474F250}"/>
+              </a:ext>
+            </a:extLst>
+          </p:cNvPr>
+          <p:cNvSpPr txBox="1"/>
           <p:nvPr/>
-        </p:nvPicPr>
-        <p:blipFill>
-          <a:blip r:embed="rId3">
-            <a:extLst>
-              <a:ext uri="{28A0092B-C50C-407E-A947-70E740481C1C}">
-                <a14:useLocalDpi xmlns:a14="http://schemas.microsoft.com/office/drawing/2010/main" val="0"/>
-              </a:ext>
-            </a:extLst>
-          </a:blip>
-          <a:srcRect/>
-          <a:stretch>
-            <a:fillRect/>
-          </a:stretch>
-        </p:blipFill>
-        <p:spPr bwMode="auto">
+        </p:nvSpPr>
+        <p:spPr>
           <a:xfrm>
-            <a:off x="2571663" y="0"/>
-            <a:ext cx="7048671" cy="6856640"/>
+            <a:off x="737986" y="3660886"/>
+            <a:ext cx="3272709" cy="369332"/>
           </a:xfrm>
           <a:prstGeom prst="rect">
             <a:avLst/>
           </a:prstGeom>
           <a:noFill/>
-          <a:extLst>
-            <a:ext uri="{909E8E84-426E-40DD-AFC4-6F175D3DCCD1}">
-              <a14:hiddenFill xmlns:a14="http://schemas.microsoft.com/office/drawing/2010/main">
-                <a:solidFill>
-                  <a:srgbClr val="FFFFFF"/>
-                </a:solidFill>
-              </a14:hiddenFill>
-            </a:ext>
-          </a:extLst>
-        </p:spPr>
-      </p:pic>
+        </p:spPr>
+        <p:txBody>
+          <a:bodyPr wrap="square">
+            <a:spAutoFit/>
+          </a:bodyPr>
+          <a:lstStyle/>
+          <a:p>
+            <a:r>
+              <a:rPr lang="fr-CA" altLang="zh-CN" dirty="0">
+                <a:latin typeface="Times New Roman" panose="02020603050405020304" pitchFamily="18" charset="0"/>
+                <a:cs typeface="Times New Roman" panose="02020603050405020304" pitchFamily="18" charset="0"/>
+              </a:rPr>
+              <a:t>D=tau*c0</a:t>
+            </a:r>
+          </a:p>
+        </p:txBody>
+      </p:sp>
     </p:spTree>
     <p:extLst>
       <p:ext uri="{BB962C8B-B14F-4D97-AF65-F5344CB8AC3E}">
-        <p14:creationId xmlns:p14="http://schemas.microsoft.com/office/powerpoint/2010/main" val="1772733204"/>
+        <p14:creationId xmlns:p14="http://schemas.microsoft.com/office/powerpoint/2010/main" val="1513030387"/>
       </p:ext>
     </p:extLst>
   </p:cSld>
@@ -6682,7 +6754,7 @@
 </file>
 
 <file path=ppt/slides/slide27.xml><?xml version="1.0" encoding="utf-8"?>
-<p:sld xmlns:a="http://schemas.openxmlformats.org/drawingml/2006/main" xmlns:r="http://schemas.openxmlformats.org/officeDocument/2006/relationships" xmlns:p="http://schemas.openxmlformats.org/presentationml/2006/main" show="0">
+<p:sld xmlns:a="http://schemas.openxmlformats.org/drawingml/2006/main" xmlns:r="http://schemas.openxmlformats.org/officeDocument/2006/relationships" xmlns:p="http://schemas.openxmlformats.org/presentationml/2006/main">
   <p:cSld>
     <p:spTree>
       <p:nvGrpSpPr>
@@ -6698,61 +6770,12 @@
           <a:chExt cx="0" cy="0"/>
         </a:xfrm>
       </p:grpSpPr>
-      <p:sp>
-        <p:nvSpPr>
-          <p:cNvPr id="2" name="标题 1">
-            <a:extLst>
-              <a:ext uri="{FF2B5EF4-FFF2-40B4-BE49-F238E27FC236}">
-                <a16:creationId xmlns:a16="http://schemas.microsoft.com/office/drawing/2014/main" id="{89F29298-542C-434C-7A99-A4FB69A09C79}"/>
-              </a:ext>
-            </a:extLst>
-          </p:cNvPr>
-          <p:cNvSpPr>
-            <a:spLocks noGrp="1"/>
-          </p:cNvSpPr>
-          <p:nvPr>
-            <p:ph type="title"/>
-          </p:nvPr>
-        </p:nvSpPr>
-        <p:spPr/>
-        <p:txBody>
-          <a:bodyPr/>
-          <a:lstStyle/>
-          <a:p>
-            <a:r>
-              <a:rPr lang="fr-CA" dirty="0">
-                <a:latin typeface="Times New Roman" panose="02020603050405020304" pitchFamily="18" charset="0"/>
-                <a:cs typeface="Times New Roman" panose="02020603050405020304" pitchFamily="18" charset="0"/>
-              </a:rPr>
-              <a:t>L</a:t>
-            </a:r>
-            <a:r>
-              <a:rPr lang="en-US" altLang="zh-CN" dirty="0" err="1">
-                <a:latin typeface="Times New Roman" panose="02020603050405020304" pitchFamily="18" charset="0"/>
-                <a:cs typeface="Times New Roman" panose="02020603050405020304" pitchFamily="18" charset="0"/>
-              </a:rPr>
-              <a:t>ondon</a:t>
-            </a:r>
-            <a:r>
-              <a:rPr lang="en-US" altLang="zh-CN" dirty="0">
-                <a:latin typeface="Times New Roman" panose="02020603050405020304" pitchFamily="18" charset="0"/>
-                <a:cs typeface="Times New Roman" panose="02020603050405020304" pitchFamily="18" charset="0"/>
-              </a:rPr>
-              <a:t> (Minimize propagation delay)</a:t>
-            </a:r>
-            <a:endParaRPr lang="fr-CA" dirty="0">
-              <a:latin typeface="Times New Roman" panose="02020603050405020304" pitchFamily="18" charset="0"/>
-              <a:cs typeface="Times New Roman" panose="02020603050405020304" pitchFamily="18" charset="0"/>
-            </a:endParaRPr>
-          </a:p>
-        </p:txBody>
-      </p:sp>
       <p:pic>
         <p:nvPicPr>
-          <p:cNvPr id="8" name="图片 7">
-            <a:extLst>
-              <a:ext uri="{FF2B5EF4-FFF2-40B4-BE49-F238E27FC236}">
-                <a16:creationId xmlns:a16="http://schemas.microsoft.com/office/drawing/2014/main" id="{ABC07FD8-01C9-1059-1951-85EB3C718555}"/>
+          <p:cNvPr id="5" name="图片 4">
+            <a:extLst>
+              <a:ext uri="{FF2B5EF4-FFF2-40B4-BE49-F238E27FC236}">
+                <a16:creationId xmlns:a16="http://schemas.microsoft.com/office/drawing/2014/main" id="{3A915E48-0978-FDE0-6C15-18740B233395}"/>
               </a:ext>
             </a:extLst>
           </p:cNvPr>
@@ -6769,8 +6792,8 @@
         </p:blipFill>
         <p:spPr>
           <a:xfrm>
-            <a:off x="4200525" y="1805660"/>
-            <a:ext cx="3790950" cy="2886075"/>
+            <a:off x="2455937" y="0"/>
+            <a:ext cx="7280125" cy="6858000"/>
           </a:xfrm>
           <a:prstGeom prst="rect">
             <a:avLst/>
@@ -6779,136 +6802,55 @@
       </p:pic>
       <p:pic>
         <p:nvPicPr>
-          <p:cNvPr id="10" name="图片 9">
-            <a:extLst>
-              <a:ext uri="{FF2B5EF4-FFF2-40B4-BE49-F238E27FC236}">
-                <a16:creationId xmlns:a16="http://schemas.microsoft.com/office/drawing/2014/main" id="{DC16B4D0-67DF-9293-D1F1-6A62E318C9CF}"/>
+          <p:cNvPr id="1026" name="Picture 2">
+            <a:extLst>
+              <a:ext uri="{FF2B5EF4-FFF2-40B4-BE49-F238E27FC236}">
+                <a16:creationId xmlns:a16="http://schemas.microsoft.com/office/drawing/2014/main" id="{71BCB1EF-78A9-599A-E50A-F7FDCCA610F7}"/>
               </a:ext>
             </a:extLst>
           </p:cNvPr>
           <p:cNvPicPr>
-            <a:picLocks noChangeAspect="1"/>
+            <a:picLocks noChangeAspect="1" noChangeArrowheads="1"/>
           </p:cNvPicPr>
           <p:nvPr/>
         </p:nvPicPr>
         <p:blipFill>
-          <a:blip r:embed="rId3"/>
+          <a:blip r:embed="rId3">
+            <a:extLst>
+              <a:ext uri="{28A0092B-C50C-407E-A947-70E740481C1C}">
+                <a14:useLocalDpi xmlns:a14="http://schemas.microsoft.com/office/drawing/2010/main" val="0"/>
+              </a:ext>
+            </a:extLst>
+          </a:blip>
+          <a:srcRect/>
           <a:stretch>
             <a:fillRect/>
           </a:stretch>
         </p:blipFill>
-        <p:spPr>
+        <p:spPr bwMode="auto">
           <a:xfrm>
-            <a:off x="7936605" y="1805660"/>
-            <a:ext cx="3505200" cy="2647950"/>
-          </a:xfrm>
-          <a:prstGeom prst="rect">
-            <a:avLst/>
-          </a:prstGeom>
-        </p:spPr>
-      </p:pic>
-      <p:pic>
-        <p:nvPicPr>
-          <p:cNvPr id="12" name="图片 11">
-            <a:extLst>
-              <a:ext uri="{FF2B5EF4-FFF2-40B4-BE49-F238E27FC236}">
-                <a16:creationId xmlns:a16="http://schemas.microsoft.com/office/drawing/2014/main" id="{3FD3D3ED-AE6E-8F1F-A5FC-57667C25C02B}"/>
-              </a:ext>
-            </a:extLst>
-          </p:cNvPr>
-          <p:cNvPicPr>
-            <a:picLocks noChangeAspect="1"/>
-          </p:cNvPicPr>
-          <p:nvPr/>
-        </p:nvPicPr>
-        <p:blipFill>
-          <a:blip r:embed="rId4"/>
-          <a:stretch>
-            <a:fillRect/>
-          </a:stretch>
-        </p:blipFill>
-        <p:spPr>
-          <a:xfrm>
-            <a:off x="584648" y="4203613"/>
-            <a:ext cx="3571875" cy="2647950"/>
-          </a:xfrm>
-          <a:prstGeom prst="rect">
-            <a:avLst/>
-          </a:prstGeom>
-        </p:spPr>
-      </p:pic>
-      <p:pic>
-        <p:nvPicPr>
-          <p:cNvPr id="14" name="图片 13">
-            <a:extLst>
-              <a:ext uri="{FF2B5EF4-FFF2-40B4-BE49-F238E27FC236}">
-                <a16:creationId xmlns:a16="http://schemas.microsoft.com/office/drawing/2014/main" id="{BAB8F56A-869B-AC21-1AF1-9CD534587771}"/>
-              </a:ext>
-            </a:extLst>
-          </p:cNvPr>
-          <p:cNvPicPr>
-            <a:picLocks noChangeAspect="1"/>
-          </p:cNvPicPr>
-          <p:nvPr/>
-        </p:nvPicPr>
-        <p:blipFill>
-          <a:blip r:embed="rId5"/>
-          <a:stretch>
-            <a:fillRect/>
-          </a:stretch>
-        </p:blipFill>
-        <p:spPr>
-          <a:xfrm>
-            <a:off x="508448" y="1805660"/>
-            <a:ext cx="3648075" cy="2638425"/>
-          </a:xfrm>
-          <a:prstGeom prst="rect">
-            <a:avLst/>
-          </a:prstGeom>
-        </p:spPr>
-      </p:pic>
-      <p:sp>
-        <p:nvSpPr>
-          <p:cNvPr id="16" name="文本框 15">
-            <a:extLst>
-              <a:ext uri="{FF2B5EF4-FFF2-40B4-BE49-F238E27FC236}">
-                <a16:creationId xmlns:a16="http://schemas.microsoft.com/office/drawing/2014/main" id="{FF1F2972-9821-A1D0-7171-D7802B8E5B38}"/>
-              </a:ext>
-            </a:extLst>
-          </p:cNvPr>
-          <p:cNvSpPr txBox="1"/>
-          <p:nvPr/>
-        </p:nvSpPr>
-        <p:spPr>
-          <a:xfrm>
-            <a:off x="8169096" y="4624387"/>
-            <a:ext cx="3272709" cy="369332"/>
+            <a:off x="2571663" y="0"/>
+            <a:ext cx="7048671" cy="6856640"/>
           </a:xfrm>
           <a:prstGeom prst="rect">
             <a:avLst/>
           </a:prstGeom>
           <a:noFill/>
-        </p:spPr>
-        <p:txBody>
-          <a:bodyPr wrap="square">
-            <a:spAutoFit/>
-          </a:bodyPr>
-          <a:lstStyle/>
-          <a:p>
-            <a:r>
-              <a:rPr lang="fr-CA" altLang="zh-CN" dirty="0">
-                <a:latin typeface="Times New Roman" panose="02020603050405020304" pitchFamily="18" charset="0"/>
-                <a:cs typeface="Times New Roman" panose="02020603050405020304" pitchFamily="18" charset="0"/>
-              </a:rPr>
-              <a:t>Grid size ~ 0.05 km by 0.14 km</a:t>
-            </a:r>
-          </a:p>
-        </p:txBody>
-      </p:sp>
+          <a:extLst>
+            <a:ext uri="{909E8E84-426E-40DD-AFC4-6F175D3DCCD1}">
+              <a14:hiddenFill xmlns:a14="http://schemas.microsoft.com/office/drawing/2010/main">
+                <a:solidFill>
+                  <a:srgbClr val="FFFFFF"/>
+                </a:solidFill>
+              </a14:hiddenFill>
+            </a:ext>
+          </a:extLst>
+        </p:spPr>
+      </p:pic>
     </p:spTree>
     <p:extLst>
       <p:ext uri="{BB962C8B-B14F-4D97-AF65-F5344CB8AC3E}">
-        <p14:creationId xmlns:p14="http://schemas.microsoft.com/office/powerpoint/2010/main" val="4198413096"/>
+        <p14:creationId xmlns:p14="http://schemas.microsoft.com/office/powerpoint/2010/main" val="1772733204"/>
       </p:ext>
     </p:extLst>
   </p:cSld>
@@ -6935,6 +6877,243 @@
           <a:chExt cx="0" cy="0"/>
         </a:xfrm>
       </p:grpSpPr>
+      <p:sp>
+        <p:nvSpPr>
+          <p:cNvPr id="2" name="标题 1">
+            <a:extLst>
+              <a:ext uri="{FF2B5EF4-FFF2-40B4-BE49-F238E27FC236}">
+                <a16:creationId xmlns:a16="http://schemas.microsoft.com/office/drawing/2014/main" id="{89F29298-542C-434C-7A99-A4FB69A09C79}"/>
+              </a:ext>
+            </a:extLst>
+          </p:cNvPr>
+          <p:cNvSpPr>
+            <a:spLocks noGrp="1"/>
+          </p:cNvSpPr>
+          <p:nvPr>
+            <p:ph type="title"/>
+          </p:nvPr>
+        </p:nvSpPr>
+        <p:spPr/>
+        <p:txBody>
+          <a:bodyPr/>
+          <a:lstStyle/>
+          <a:p>
+            <a:r>
+              <a:rPr lang="fr-CA" dirty="0">
+                <a:latin typeface="Times New Roman" panose="02020603050405020304" pitchFamily="18" charset="0"/>
+                <a:cs typeface="Times New Roman" panose="02020603050405020304" pitchFamily="18" charset="0"/>
+              </a:rPr>
+              <a:t>L</a:t>
+            </a:r>
+            <a:r>
+              <a:rPr lang="en-US" altLang="zh-CN" dirty="0" err="1">
+                <a:latin typeface="Times New Roman" panose="02020603050405020304" pitchFamily="18" charset="0"/>
+                <a:cs typeface="Times New Roman" panose="02020603050405020304" pitchFamily="18" charset="0"/>
+              </a:rPr>
+              <a:t>ondon</a:t>
+            </a:r>
+            <a:r>
+              <a:rPr lang="en-US" altLang="zh-CN" dirty="0">
+                <a:latin typeface="Times New Roman" panose="02020603050405020304" pitchFamily="18" charset="0"/>
+                <a:cs typeface="Times New Roman" panose="02020603050405020304" pitchFamily="18" charset="0"/>
+              </a:rPr>
+              <a:t> (Minimize propagation delay)</a:t>
+            </a:r>
+            <a:endParaRPr lang="fr-CA" dirty="0">
+              <a:latin typeface="Times New Roman" panose="02020603050405020304" pitchFamily="18" charset="0"/>
+              <a:cs typeface="Times New Roman" panose="02020603050405020304" pitchFamily="18" charset="0"/>
+            </a:endParaRPr>
+          </a:p>
+        </p:txBody>
+      </p:sp>
+      <p:pic>
+        <p:nvPicPr>
+          <p:cNvPr id="8" name="图片 7">
+            <a:extLst>
+              <a:ext uri="{FF2B5EF4-FFF2-40B4-BE49-F238E27FC236}">
+                <a16:creationId xmlns:a16="http://schemas.microsoft.com/office/drawing/2014/main" id="{ABC07FD8-01C9-1059-1951-85EB3C718555}"/>
+              </a:ext>
+            </a:extLst>
+          </p:cNvPr>
+          <p:cNvPicPr>
+            <a:picLocks noChangeAspect="1"/>
+          </p:cNvPicPr>
+          <p:nvPr/>
+        </p:nvPicPr>
+        <p:blipFill>
+          <a:blip r:embed="rId2"/>
+          <a:stretch>
+            <a:fillRect/>
+          </a:stretch>
+        </p:blipFill>
+        <p:spPr>
+          <a:xfrm>
+            <a:off x="4200525" y="1805660"/>
+            <a:ext cx="3790950" cy="2886075"/>
+          </a:xfrm>
+          <a:prstGeom prst="rect">
+            <a:avLst/>
+          </a:prstGeom>
+        </p:spPr>
+      </p:pic>
+      <p:pic>
+        <p:nvPicPr>
+          <p:cNvPr id="10" name="图片 9">
+            <a:extLst>
+              <a:ext uri="{FF2B5EF4-FFF2-40B4-BE49-F238E27FC236}">
+                <a16:creationId xmlns:a16="http://schemas.microsoft.com/office/drawing/2014/main" id="{DC16B4D0-67DF-9293-D1F1-6A62E318C9CF}"/>
+              </a:ext>
+            </a:extLst>
+          </p:cNvPr>
+          <p:cNvPicPr>
+            <a:picLocks noChangeAspect="1"/>
+          </p:cNvPicPr>
+          <p:nvPr/>
+        </p:nvPicPr>
+        <p:blipFill>
+          <a:blip r:embed="rId3"/>
+          <a:stretch>
+            <a:fillRect/>
+          </a:stretch>
+        </p:blipFill>
+        <p:spPr>
+          <a:xfrm>
+            <a:off x="7936605" y="1805660"/>
+            <a:ext cx="3505200" cy="2647950"/>
+          </a:xfrm>
+          <a:prstGeom prst="rect">
+            <a:avLst/>
+          </a:prstGeom>
+        </p:spPr>
+      </p:pic>
+      <p:pic>
+        <p:nvPicPr>
+          <p:cNvPr id="12" name="图片 11">
+            <a:extLst>
+              <a:ext uri="{FF2B5EF4-FFF2-40B4-BE49-F238E27FC236}">
+                <a16:creationId xmlns:a16="http://schemas.microsoft.com/office/drawing/2014/main" id="{3FD3D3ED-AE6E-8F1F-A5FC-57667C25C02B}"/>
+              </a:ext>
+            </a:extLst>
+          </p:cNvPr>
+          <p:cNvPicPr>
+            <a:picLocks noChangeAspect="1"/>
+          </p:cNvPicPr>
+          <p:nvPr/>
+        </p:nvPicPr>
+        <p:blipFill>
+          <a:blip r:embed="rId4"/>
+          <a:stretch>
+            <a:fillRect/>
+          </a:stretch>
+        </p:blipFill>
+        <p:spPr>
+          <a:xfrm>
+            <a:off x="584648" y="4203613"/>
+            <a:ext cx="3571875" cy="2647950"/>
+          </a:xfrm>
+          <a:prstGeom prst="rect">
+            <a:avLst/>
+          </a:prstGeom>
+        </p:spPr>
+      </p:pic>
+      <p:pic>
+        <p:nvPicPr>
+          <p:cNvPr id="14" name="图片 13">
+            <a:extLst>
+              <a:ext uri="{FF2B5EF4-FFF2-40B4-BE49-F238E27FC236}">
+                <a16:creationId xmlns:a16="http://schemas.microsoft.com/office/drawing/2014/main" id="{BAB8F56A-869B-AC21-1AF1-9CD534587771}"/>
+              </a:ext>
+            </a:extLst>
+          </p:cNvPr>
+          <p:cNvPicPr>
+            <a:picLocks noChangeAspect="1"/>
+          </p:cNvPicPr>
+          <p:nvPr/>
+        </p:nvPicPr>
+        <p:blipFill>
+          <a:blip r:embed="rId5"/>
+          <a:stretch>
+            <a:fillRect/>
+          </a:stretch>
+        </p:blipFill>
+        <p:spPr>
+          <a:xfrm>
+            <a:off x="508448" y="1805660"/>
+            <a:ext cx="3648075" cy="2638425"/>
+          </a:xfrm>
+          <a:prstGeom prst="rect">
+            <a:avLst/>
+          </a:prstGeom>
+        </p:spPr>
+      </p:pic>
+      <p:sp>
+        <p:nvSpPr>
+          <p:cNvPr id="16" name="文本框 15">
+            <a:extLst>
+              <a:ext uri="{FF2B5EF4-FFF2-40B4-BE49-F238E27FC236}">
+                <a16:creationId xmlns:a16="http://schemas.microsoft.com/office/drawing/2014/main" id="{FF1F2972-9821-A1D0-7171-D7802B8E5B38}"/>
+              </a:ext>
+            </a:extLst>
+          </p:cNvPr>
+          <p:cNvSpPr txBox="1"/>
+          <p:nvPr/>
+        </p:nvSpPr>
+        <p:spPr>
+          <a:xfrm>
+            <a:off x="8169096" y="4624387"/>
+            <a:ext cx="3272709" cy="369332"/>
+          </a:xfrm>
+          <a:prstGeom prst="rect">
+            <a:avLst/>
+          </a:prstGeom>
+          <a:noFill/>
+        </p:spPr>
+        <p:txBody>
+          <a:bodyPr wrap="square">
+            <a:spAutoFit/>
+          </a:bodyPr>
+          <a:lstStyle/>
+          <a:p>
+            <a:r>
+              <a:rPr lang="fr-CA" altLang="zh-CN" dirty="0">
+                <a:latin typeface="Times New Roman" panose="02020603050405020304" pitchFamily="18" charset="0"/>
+                <a:cs typeface="Times New Roman" panose="02020603050405020304" pitchFamily="18" charset="0"/>
+              </a:rPr>
+              <a:t>Grid size ~ 0.05 km by 0.14 km</a:t>
+            </a:r>
+          </a:p>
+        </p:txBody>
+      </p:sp>
+    </p:spTree>
+    <p:extLst>
+      <p:ext uri="{BB962C8B-B14F-4D97-AF65-F5344CB8AC3E}">
+        <p14:creationId xmlns:p14="http://schemas.microsoft.com/office/powerpoint/2010/main" val="4198413096"/>
+      </p:ext>
+    </p:extLst>
+  </p:cSld>
+  <p:clrMapOvr>
+    <a:masterClrMapping/>
+  </p:clrMapOvr>
+</p:sld>
+</file>
+
+<file path=ppt/slides/slide29.xml><?xml version="1.0" encoding="utf-8"?>
+<p:sld xmlns:a="http://schemas.openxmlformats.org/drawingml/2006/main" xmlns:r="http://schemas.openxmlformats.org/officeDocument/2006/relationships" xmlns:p="http://schemas.openxmlformats.org/presentationml/2006/main" show="0">
+  <p:cSld>
+    <p:spTree>
+      <p:nvGrpSpPr>
+        <p:cNvPr id="1" name=""/>
+        <p:cNvGrpSpPr/>
+        <p:nvPr/>
+      </p:nvGrpSpPr>
+      <p:grpSpPr>
+        <a:xfrm>
+          <a:off x="0" y="0"/>
+          <a:ext cx="0" cy="0"/>
+          <a:chOff x="0" y="0"/>
+          <a:chExt cx="0" cy="0"/>
+        </a:xfrm>
+      </p:grpSpPr>
       <p:pic>
         <p:nvPicPr>
           <p:cNvPr id="5" name="图片 4">
@@ -7137,7 +7316,1629 @@
 </p:sld>
 </file>
 
-<file path=ppt/slides/slide29.xml><?xml version="1.0" encoding="utf-8"?>
+<file path=ppt/slides/slide3.xml><?xml version="1.0" encoding="utf-8"?>
+<p:sld xmlns:a="http://schemas.openxmlformats.org/drawingml/2006/main" xmlns:r="http://schemas.openxmlformats.org/officeDocument/2006/relationships" xmlns:p="http://schemas.openxmlformats.org/presentationml/2006/main">
+  <p:cSld>
+    <p:spTree>
+      <p:nvGrpSpPr>
+        <p:cNvPr id="1" name=""/>
+        <p:cNvGrpSpPr/>
+        <p:nvPr/>
+      </p:nvGrpSpPr>
+      <p:grpSpPr>
+        <a:xfrm>
+          <a:off x="0" y="0"/>
+          <a:ext cx="0" cy="0"/>
+          <a:chOff x="0" y="0"/>
+          <a:chExt cx="0" cy="0"/>
+        </a:xfrm>
+      </p:grpSpPr>
+      <p:sp>
+        <p:nvSpPr>
+          <p:cNvPr id="4" name="椭圆 3">
+            <a:extLst>
+              <a:ext uri="{FF2B5EF4-FFF2-40B4-BE49-F238E27FC236}">
+                <a16:creationId xmlns:a16="http://schemas.microsoft.com/office/drawing/2014/main" id="{F11E6BE3-7BEE-6002-EE05-EE6069633DE7}"/>
+              </a:ext>
+            </a:extLst>
+          </p:cNvPr>
+          <p:cNvSpPr/>
+          <p:nvPr/>
+        </p:nvSpPr>
+        <p:spPr>
+          <a:xfrm>
+            <a:off x="1131570" y="1613735"/>
+            <a:ext cx="617220" cy="617220"/>
+          </a:xfrm>
+          <a:prstGeom prst="ellipse">
+            <a:avLst/>
+          </a:prstGeom>
+        </p:spPr>
+        <p:style>
+          <a:lnRef idx="2">
+            <a:schemeClr val="accent2">
+              <a:shade val="50000"/>
+            </a:schemeClr>
+          </a:lnRef>
+          <a:fillRef idx="1">
+            <a:schemeClr val="accent2"/>
+          </a:fillRef>
+          <a:effectRef idx="0">
+            <a:schemeClr val="accent2"/>
+          </a:effectRef>
+          <a:fontRef idx="minor">
+            <a:schemeClr val="lt1"/>
+          </a:fontRef>
+        </p:style>
+        <p:txBody>
+          <a:bodyPr rtlCol="0" anchor="ctr"/>
+          <a:lstStyle/>
+          <a:p>
+            <a:pPr algn="ctr"/>
+            <a:endParaRPr lang="fr-CA"/>
+          </a:p>
+        </p:txBody>
+      </p:sp>
+      <p:sp>
+        <p:nvSpPr>
+          <p:cNvPr id="5" name="椭圆 4">
+            <a:extLst>
+              <a:ext uri="{FF2B5EF4-FFF2-40B4-BE49-F238E27FC236}">
+                <a16:creationId xmlns:a16="http://schemas.microsoft.com/office/drawing/2014/main" id="{161ED828-3CB8-246A-1845-C9F6E7803DEF}"/>
+              </a:ext>
+            </a:extLst>
+          </p:cNvPr>
+          <p:cNvSpPr/>
+          <p:nvPr/>
+        </p:nvSpPr>
+        <p:spPr>
+          <a:xfrm>
+            <a:off x="7861766" y="1361222"/>
+            <a:ext cx="617220" cy="617220"/>
+          </a:xfrm>
+          <a:prstGeom prst="ellipse">
+            <a:avLst/>
+          </a:prstGeom>
+        </p:spPr>
+        <p:style>
+          <a:lnRef idx="2">
+            <a:schemeClr val="accent2">
+              <a:shade val="50000"/>
+            </a:schemeClr>
+          </a:lnRef>
+          <a:fillRef idx="1">
+            <a:schemeClr val="accent2"/>
+          </a:fillRef>
+          <a:effectRef idx="0">
+            <a:schemeClr val="accent2"/>
+          </a:effectRef>
+          <a:fontRef idx="minor">
+            <a:schemeClr val="lt1"/>
+          </a:fontRef>
+        </p:style>
+        <p:txBody>
+          <a:bodyPr rtlCol="0" anchor="ctr"/>
+          <a:lstStyle/>
+          <a:p>
+            <a:pPr algn="ctr"/>
+            <a:endParaRPr lang="fr-CA"/>
+          </a:p>
+        </p:txBody>
+      </p:sp>
+      <p:sp>
+        <p:nvSpPr>
+          <p:cNvPr id="6" name="椭圆 5">
+            <a:extLst>
+              <a:ext uri="{FF2B5EF4-FFF2-40B4-BE49-F238E27FC236}">
+                <a16:creationId xmlns:a16="http://schemas.microsoft.com/office/drawing/2014/main" id="{2D90CDAE-3837-CD76-A14B-347B0495B465}"/>
+              </a:ext>
+            </a:extLst>
+          </p:cNvPr>
+          <p:cNvSpPr/>
+          <p:nvPr/>
+        </p:nvSpPr>
+        <p:spPr>
+          <a:xfrm>
+            <a:off x="4011930" y="2562837"/>
+            <a:ext cx="617220" cy="617220"/>
+          </a:xfrm>
+          <a:prstGeom prst="ellipse">
+            <a:avLst/>
+          </a:prstGeom>
+        </p:spPr>
+        <p:style>
+          <a:lnRef idx="2">
+            <a:schemeClr val="accent2">
+              <a:shade val="50000"/>
+            </a:schemeClr>
+          </a:lnRef>
+          <a:fillRef idx="1">
+            <a:schemeClr val="accent2"/>
+          </a:fillRef>
+          <a:effectRef idx="0">
+            <a:schemeClr val="accent2"/>
+          </a:effectRef>
+          <a:fontRef idx="minor">
+            <a:schemeClr val="lt1"/>
+          </a:fontRef>
+        </p:style>
+        <p:txBody>
+          <a:bodyPr rtlCol="0" anchor="ctr"/>
+          <a:lstStyle/>
+          <a:p>
+            <a:pPr algn="ctr"/>
+            <a:endParaRPr lang="fr-CA"/>
+          </a:p>
+        </p:txBody>
+      </p:sp>
+      <p:sp>
+        <p:nvSpPr>
+          <p:cNvPr id="7" name="椭圆 6">
+            <a:extLst>
+              <a:ext uri="{FF2B5EF4-FFF2-40B4-BE49-F238E27FC236}">
+                <a16:creationId xmlns:a16="http://schemas.microsoft.com/office/drawing/2014/main" id="{38ADF9A1-A8E1-0018-911F-D332392E4AD2}"/>
+              </a:ext>
+            </a:extLst>
+          </p:cNvPr>
+          <p:cNvSpPr/>
+          <p:nvPr/>
+        </p:nvSpPr>
+        <p:spPr>
+          <a:xfrm>
+            <a:off x="5463427" y="1518472"/>
+            <a:ext cx="617220" cy="617220"/>
+          </a:xfrm>
+          <a:prstGeom prst="ellipse">
+            <a:avLst/>
+          </a:prstGeom>
+        </p:spPr>
+        <p:style>
+          <a:lnRef idx="2">
+            <a:schemeClr val="accent2">
+              <a:shade val="50000"/>
+            </a:schemeClr>
+          </a:lnRef>
+          <a:fillRef idx="1">
+            <a:schemeClr val="accent2"/>
+          </a:fillRef>
+          <a:effectRef idx="0">
+            <a:schemeClr val="accent2"/>
+          </a:effectRef>
+          <a:fontRef idx="minor">
+            <a:schemeClr val="lt1"/>
+          </a:fontRef>
+        </p:style>
+        <p:txBody>
+          <a:bodyPr rtlCol="0" anchor="ctr"/>
+          <a:lstStyle/>
+          <a:p>
+            <a:pPr algn="ctr"/>
+            <a:endParaRPr lang="fr-CA"/>
+          </a:p>
+        </p:txBody>
+      </p:sp>
+      <p:sp>
+        <p:nvSpPr>
+          <p:cNvPr id="8" name="椭圆 7">
+            <a:extLst>
+              <a:ext uri="{FF2B5EF4-FFF2-40B4-BE49-F238E27FC236}">
+                <a16:creationId xmlns:a16="http://schemas.microsoft.com/office/drawing/2014/main" id="{A41241A6-4978-F2A8-5093-445179A32606}"/>
+              </a:ext>
+            </a:extLst>
+          </p:cNvPr>
+          <p:cNvSpPr/>
+          <p:nvPr/>
+        </p:nvSpPr>
+        <p:spPr>
+          <a:xfrm>
+            <a:off x="2861310" y="4260855"/>
+            <a:ext cx="617220" cy="617220"/>
+          </a:xfrm>
+          <a:prstGeom prst="ellipse">
+            <a:avLst/>
+          </a:prstGeom>
+        </p:spPr>
+        <p:style>
+          <a:lnRef idx="2">
+            <a:schemeClr val="accent2">
+              <a:shade val="50000"/>
+            </a:schemeClr>
+          </a:lnRef>
+          <a:fillRef idx="1">
+            <a:schemeClr val="accent2"/>
+          </a:fillRef>
+          <a:effectRef idx="0">
+            <a:schemeClr val="accent2"/>
+          </a:effectRef>
+          <a:fontRef idx="minor">
+            <a:schemeClr val="lt1"/>
+          </a:fontRef>
+        </p:style>
+        <p:txBody>
+          <a:bodyPr rtlCol="0" anchor="ctr"/>
+          <a:lstStyle/>
+          <a:p>
+            <a:pPr algn="ctr"/>
+            <a:endParaRPr lang="fr-CA"/>
+          </a:p>
+        </p:txBody>
+      </p:sp>
+      <p:sp>
+        <p:nvSpPr>
+          <p:cNvPr id="9" name="椭圆 8">
+            <a:extLst>
+              <a:ext uri="{FF2B5EF4-FFF2-40B4-BE49-F238E27FC236}">
+                <a16:creationId xmlns:a16="http://schemas.microsoft.com/office/drawing/2014/main" id="{2112D4F1-D9FE-6431-32F1-43831A1EBA31}"/>
+              </a:ext>
+            </a:extLst>
+          </p:cNvPr>
+          <p:cNvSpPr/>
+          <p:nvPr/>
+        </p:nvSpPr>
+        <p:spPr>
+          <a:xfrm>
+            <a:off x="3688080" y="744002"/>
+            <a:ext cx="617220" cy="617220"/>
+          </a:xfrm>
+          <a:prstGeom prst="ellipse">
+            <a:avLst/>
+          </a:prstGeom>
+        </p:spPr>
+        <p:style>
+          <a:lnRef idx="2">
+            <a:schemeClr val="accent2">
+              <a:shade val="50000"/>
+            </a:schemeClr>
+          </a:lnRef>
+          <a:fillRef idx="1">
+            <a:schemeClr val="accent2"/>
+          </a:fillRef>
+          <a:effectRef idx="0">
+            <a:schemeClr val="accent2"/>
+          </a:effectRef>
+          <a:fontRef idx="minor">
+            <a:schemeClr val="lt1"/>
+          </a:fontRef>
+        </p:style>
+        <p:txBody>
+          <a:bodyPr rtlCol="0" anchor="ctr"/>
+          <a:lstStyle/>
+          <a:p>
+            <a:pPr algn="ctr"/>
+            <a:endParaRPr lang="fr-CA"/>
+          </a:p>
+        </p:txBody>
+      </p:sp>
+      <p:cxnSp>
+        <p:nvCxnSpPr>
+          <p:cNvPr id="10" name="直接箭头连接符 9">
+            <a:extLst>
+              <a:ext uri="{FF2B5EF4-FFF2-40B4-BE49-F238E27FC236}">
+                <a16:creationId xmlns:a16="http://schemas.microsoft.com/office/drawing/2014/main" id="{DBB21A4F-0784-7A9A-1CAE-64338FAC5C48}"/>
+              </a:ext>
+            </a:extLst>
+          </p:cNvPr>
+          <p:cNvCxnSpPr>
+            <a:cxnSpLocks/>
+            <a:stCxn id="9" idx="3"/>
+            <a:endCxn id="4" idx="7"/>
+          </p:cNvCxnSpPr>
+          <p:nvPr/>
+        </p:nvCxnSpPr>
+        <p:spPr>
+          <a:xfrm flipH="1">
+            <a:off x="1658400" y="1270832"/>
+            <a:ext cx="2120070" cy="433293"/>
+          </a:xfrm>
+          <a:prstGeom prst="straightConnector1">
+            <a:avLst/>
+          </a:prstGeom>
+          <a:ln>
+            <a:headEnd type="triangle"/>
+            <a:tailEnd type="triangle"/>
+          </a:ln>
+        </p:spPr>
+        <p:style>
+          <a:lnRef idx="1">
+            <a:schemeClr val="accent2"/>
+          </a:lnRef>
+          <a:fillRef idx="0">
+            <a:schemeClr val="accent2"/>
+          </a:fillRef>
+          <a:effectRef idx="0">
+            <a:schemeClr val="accent2"/>
+          </a:effectRef>
+          <a:fontRef idx="minor">
+            <a:schemeClr val="tx1"/>
+          </a:fontRef>
+        </p:style>
+      </p:cxnSp>
+      <p:cxnSp>
+        <p:nvCxnSpPr>
+          <p:cNvPr id="11" name="直接箭头连接符 10">
+            <a:extLst>
+              <a:ext uri="{FF2B5EF4-FFF2-40B4-BE49-F238E27FC236}">
+                <a16:creationId xmlns:a16="http://schemas.microsoft.com/office/drawing/2014/main" id="{2A9CAE48-FABD-1FCF-04CD-CCB86475484A}"/>
+              </a:ext>
+            </a:extLst>
+          </p:cNvPr>
+          <p:cNvCxnSpPr>
+            <a:cxnSpLocks/>
+            <a:stCxn id="9" idx="5"/>
+            <a:endCxn id="6" idx="0"/>
+          </p:cNvCxnSpPr>
+          <p:nvPr/>
+        </p:nvCxnSpPr>
+        <p:spPr>
+          <a:xfrm>
+            <a:off x="4214910" y="1270832"/>
+            <a:ext cx="105630" cy="1292005"/>
+          </a:xfrm>
+          <a:prstGeom prst="straightConnector1">
+            <a:avLst/>
+          </a:prstGeom>
+          <a:ln>
+            <a:headEnd type="triangle"/>
+            <a:tailEnd type="triangle"/>
+          </a:ln>
+        </p:spPr>
+        <p:style>
+          <a:lnRef idx="1">
+            <a:schemeClr val="accent2"/>
+          </a:lnRef>
+          <a:fillRef idx="0">
+            <a:schemeClr val="accent2"/>
+          </a:fillRef>
+          <a:effectRef idx="0">
+            <a:schemeClr val="accent2"/>
+          </a:effectRef>
+          <a:fontRef idx="minor">
+            <a:schemeClr val="tx1"/>
+          </a:fontRef>
+        </p:style>
+      </p:cxnSp>
+      <p:cxnSp>
+        <p:nvCxnSpPr>
+          <p:cNvPr id="12" name="直接箭头连接符 11">
+            <a:extLst>
+              <a:ext uri="{FF2B5EF4-FFF2-40B4-BE49-F238E27FC236}">
+                <a16:creationId xmlns:a16="http://schemas.microsoft.com/office/drawing/2014/main" id="{8C04B19E-2915-BF3B-E371-DE84D53DC61F}"/>
+              </a:ext>
+            </a:extLst>
+          </p:cNvPr>
+          <p:cNvCxnSpPr>
+            <a:stCxn id="6" idx="3"/>
+            <a:endCxn id="8" idx="7"/>
+          </p:cNvCxnSpPr>
+          <p:nvPr/>
+        </p:nvCxnSpPr>
+        <p:spPr>
+          <a:xfrm flipH="1">
+            <a:off x="3388140" y="3089667"/>
+            <a:ext cx="714180" cy="1261578"/>
+          </a:xfrm>
+          <a:prstGeom prst="straightConnector1">
+            <a:avLst/>
+          </a:prstGeom>
+          <a:ln>
+            <a:headEnd type="triangle"/>
+            <a:tailEnd type="triangle"/>
+          </a:ln>
+        </p:spPr>
+        <p:style>
+          <a:lnRef idx="1">
+            <a:schemeClr val="accent2"/>
+          </a:lnRef>
+          <a:fillRef idx="0">
+            <a:schemeClr val="accent2"/>
+          </a:fillRef>
+          <a:effectRef idx="0">
+            <a:schemeClr val="accent2"/>
+          </a:effectRef>
+          <a:fontRef idx="minor">
+            <a:schemeClr val="tx1"/>
+          </a:fontRef>
+        </p:style>
+      </p:cxnSp>
+      <p:cxnSp>
+        <p:nvCxnSpPr>
+          <p:cNvPr id="13" name="直接箭头连接符 12">
+            <a:extLst>
+              <a:ext uri="{FF2B5EF4-FFF2-40B4-BE49-F238E27FC236}">
+                <a16:creationId xmlns:a16="http://schemas.microsoft.com/office/drawing/2014/main" id="{A4F10A53-F7F7-AB61-7CAF-3094364859B2}"/>
+              </a:ext>
+            </a:extLst>
+          </p:cNvPr>
+          <p:cNvCxnSpPr>
+            <a:stCxn id="6" idx="7"/>
+            <a:endCxn id="7" idx="3"/>
+          </p:cNvCxnSpPr>
+          <p:nvPr/>
+        </p:nvCxnSpPr>
+        <p:spPr>
+          <a:xfrm flipV="1">
+            <a:off x="4538760" y="2045302"/>
+            <a:ext cx="1015057" cy="607925"/>
+          </a:xfrm>
+          <a:prstGeom prst="straightConnector1">
+            <a:avLst/>
+          </a:prstGeom>
+          <a:ln>
+            <a:headEnd type="triangle"/>
+            <a:tailEnd type="triangle"/>
+          </a:ln>
+        </p:spPr>
+        <p:style>
+          <a:lnRef idx="1">
+            <a:schemeClr val="accent2"/>
+          </a:lnRef>
+          <a:fillRef idx="0">
+            <a:schemeClr val="accent2"/>
+          </a:fillRef>
+          <a:effectRef idx="0">
+            <a:schemeClr val="accent2"/>
+          </a:effectRef>
+          <a:fontRef idx="minor">
+            <a:schemeClr val="tx1"/>
+          </a:fontRef>
+        </p:style>
+      </p:cxnSp>
+      <p:cxnSp>
+        <p:nvCxnSpPr>
+          <p:cNvPr id="14" name="直接箭头连接符 13">
+            <a:extLst>
+              <a:ext uri="{FF2B5EF4-FFF2-40B4-BE49-F238E27FC236}">
+                <a16:creationId xmlns:a16="http://schemas.microsoft.com/office/drawing/2014/main" id="{1B5D9FFE-479F-4915-9FC2-8785E9D180C5}"/>
+              </a:ext>
+            </a:extLst>
+          </p:cNvPr>
+          <p:cNvCxnSpPr>
+            <a:stCxn id="9" idx="5"/>
+            <a:endCxn id="7" idx="3"/>
+          </p:cNvCxnSpPr>
+          <p:nvPr/>
+        </p:nvCxnSpPr>
+        <p:spPr>
+          <a:xfrm>
+            <a:off x="4214910" y="1270832"/>
+            <a:ext cx="1338907" cy="774470"/>
+          </a:xfrm>
+          <a:prstGeom prst="straightConnector1">
+            <a:avLst/>
+          </a:prstGeom>
+          <a:ln>
+            <a:headEnd type="triangle"/>
+            <a:tailEnd type="triangle"/>
+          </a:ln>
+        </p:spPr>
+        <p:style>
+          <a:lnRef idx="1">
+            <a:schemeClr val="accent2"/>
+          </a:lnRef>
+          <a:fillRef idx="0">
+            <a:schemeClr val="accent2"/>
+          </a:fillRef>
+          <a:effectRef idx="0">
+            <a:schemeClr val="accent2"/>
+          </a:effectRef>
+          <a:fontRef idx="minor">
+            <a:schemeClr val="tx1"/>
+          </a:fontRef>
+        </p:style>
+      </p:cxnSp>
+      <p:cxnSp>
+        <p:nvCxnSpPr>
+          <p:cNvPr id="15" name="直接箭头连接符 14">
+            <a:extLst>
+              <a:ext uri="{FF2B5EF4-FFF2-40B4-BE49-F238E27FC236}">
+                <a16:creationId xmlns:a16="http://schemas.microsoft.com/office/drawing/2014/main" id="{5C4397B6-A349-FA21-3571-8CDF9364341B}"/>
+              </a:ext>
+            </a:extLst>
+          </p:cNvPr>
+          <p:cNvCxnSpPr>
+            <a:stCxn id="7" idx="6"/>
+            <a:endCxn id="5" idx="2"/>
+          </p:cNvCxnSpPr>
+          <p:nvPr/>
+        </p:nvCxnSpPr>
+        <p:spPr>
+          <a:xfrm flipV="1">
+            <a:off x="6080647" y="1669832"/>
+            <a:ext cx="1781119" cy="157250"/>
+          </a:xfrm>
+          <a:prstGeom prst="straightConnector1">
+            <a:avLst/>
+          </a:prstGeom>
+          <a:ln>
+            <a:headEnd type="triangle"/>
+            <a:tailEnd type="triangle"/>
+          </a:ln>
+        </p:spPr>
+        <p:style>
+          <a:lnRef idx="1">
+            <a:schemeClr val="accent2"/>
+          </a:lnRef>
+          <a:fillRef idx="0">
+            <a:schemeClr val="accent2"/>
+          </a:fillRef>
+          <a:effectRef idx="0">
+            <a:schemeClr val="accent2"/>
+          </a:effectRef>
+          <a:fontRef idx="minor">
+            <a:schemeClr val="tx1"/>
+          </a:fontRef>
+        </p:style>
+      </p:cxnSp>
+      <p:cxnSp>
+        <p:nvCxnSpPr>
+          <p:cNvPr id="16" name="直接箭头连接符 15">
+            <a:extLst>
+              <a:ext uri="{FF2B5EF4-FFF2-40B4-BE49-F238E27FC236}">
+                <a16:creationId xmlns:a16="http://schemas.microsoft.com/office/drawing/2014/main" id="{42A21616-6CBD-5A76-0ADE-C5D4E9CBC941}"/>
+              </a:ext>
+            </a:extLst>
+          </p:cNvPr>
+          <p:cNvCxnSpPr>
+            <a:stCxn id="4" idx="5"/>
+            <a:endCxn id="8" idx="1"/>
+          </p:cNvCxnSpPr>
+          <p:nvPr/>
+        </p:nvCxnSpPr>
+        <p:spPr>
+          <a:xfrm>
+            <a:off x="1658400" y="2140565"/>
+            <a:ext cx="1293300" cy="2210680"/>
+          </a:xfrm>
+          <a:prstGeom prst="straightConnector1">
+            <a:avLst/>
+          </a:prstGeom>
+          <a:ln>
+            <a:headEnd type="triangle"/>
+            <a:tailEnd type="triangle"/>
+          </a:ln>
+        </p:spPr>
+        <p:style>
+          <a:lnRef idx="1">
+            <a:schemeClr val="accent2"/>
+          </a:lnRef>
+          <a:fillRef idx="0">
+            <a:schemeClr val="accent2"/>
+          </a:fillRef>
+          <a:effectRef idx="0">
+            <a:schemeClr val="accent2"/>
+          </a:effectRef>
+          <a:fontRef idx="minor">
+            <a:schemeClr val="tx1"/>
+          </a:fontRef>
+        </p:style>
+      </p:cxnSp>
+      <p:cxnSp>
+        <p:nvCxnSpPr>
+          <p:cNvPr id="17" name="直接箭头连接符 16">
+            <a:extLst>
+              <a:ext uri="{FF2B5EF4-FFF2-40B4-BE49-F238E27FC236}">
+                <a16:creationId xmlns:a16="http://schemas.microsoft.com/office/drawing/2014/main" id="{ED85BACB-65C0-CB6F-85CF-4ABF9821D744}"/>
+              </a:ext>
+            </a:extLst>
+          </p:cNvPr>
+          <p:cNvCxnSpPr>
+            <a:stCxn id="9" idx="6"/>
+            <a:endCxn id="5" idx="1"/>
+          </p:cNvCxnSpPr>
+          <p:nvPr/>
+        </p:nvCxnSpPr>
+        <p:spPr>
+          <a:xfrm>
+            <a:off x="4305300" y="1052612"/>
+            <a:ext cx="3646856" cy="399000"/>
+          </a:xfrm>
+          <a:prstGeom prst="straightConnector1">
+            <a:avLst/>
+          </a:prstGeom>
+          <a:ln>
+            <a:headEnd type="triangle"/>
+            <a:tailEnd type="triangle"/>
+          </a:ln>
+        </p:spPr>
+        <p:style>
+          <a:lnRef idx="1">
+            <a:schemeClr val="accent2"/>
+          </a:lnRef>
+          <a:fillRef idx="0">
+            <a:schemeClr val="accent2"/>
+          </a:fillRef>
+          <a:effectRef idx="0">
+            <a:schemeClr val="accent2"/>
+          </a:effectRef>
+          <a:fontRef idx="minor">
+            <a:schemeClr val="tx1"/>
+          </a:fontRef>
+        </p:style>
+      </p:cxnSp>
+      <p:sp>
+        <p:nvSpPr>
+          <p:cNvPr id="18" name="椭圆 17">
+            <a:extLst>
+              <a:ext uri="{FF2B5EF4-FFF2-40B4-BE49-F238E27FC236}">
+                <a16:creationId xmlns:a16="http://schemas.microsoft.com/office/drawing/2014/main" id="{51B52818-DFB2-CE39-519A-E18D3368ECA4}"/>
+              </a:ext>
+            </a:extLst>
+          </p:cNvPr>
+          <p:cNvSpPr/>
+          <p:nvPr/>
+        </p:nvSpPr>
+        <p:spPr>
+          <a:xfrm>
+            <a:off x="581880" y="1748457"/>
+            <a:ext cx="220980" cy="220980"/>
+          </a:xfrm>
+          <a:prstGeom prst="ellipse">
+            <a:avLst/>
+          </a:prstGeom>
+        </p:spPr>
+        <p:style>
+          <a:lnRef idx="2">
+            <a:schemeClr val="accent1">
+              <a:shade val="50000"/>
+            </a:schemeClr>
+          </a:lnRef>
+          <a:fillRef idx="1">
+            <a:schemeClr val="accent1"/>
+          </a:fillRef>
+          <a:effectRef idx="0">
+            <a:schemeClr val="accent1"/>
+          </a:effectRef>
+          <a:fontRef idx="minor">
+            <a:schemeClr val="lt1"/>
+          </a:fontRef>
+        </p:style>
+        <p:txBody>
+          <a:bodyPr rtlCol="0" anchor="ctr"/>
+          <a:lstStyle/>
+          <a:p>
+            <a:pPr algn="ctr"/>
+            <a:endParaRPr lang="fr-CA"/>
+          </a:p>
+        </p:txBody>
+      </p:sp>
+      <p:sp>
+        <p:nvSpPr>
+          <p:cNvPr id="19" name="椭圆 18">
+            <a:extLst>
+              <a:ext uri="{FF2B5EF4-FFF2-40B4-BE49-F238E27FC236}">
+                <a16:creationId xmlns:a16="http://schemas.microsoft.com/office/drawing/2014/main" id="{FDC9B07C-0993-CCD0-F950-E14FA82F7F62}"/>
+              </a:ext>
+            </a:extLst>
+          </p:cNvPr>
+          <p:cNvSpPr/>
+          <p:nvPr/>
+        </p:nvSpPr>
+        <p:spPr>
+          <a:xfrm rot="2289680">
+            <a:off x="3835620" y="256745"/>
+            <a:ext cx="220980" cy="220980"/>
+          </a:xfrm>
+          <a:prstGeom prst="ellipse">
+            <a:avLst/>
+          </a:prstGeom>
+        </p:spPr>
+        <p:style>
+          <a:lnRef idx="2">
+            <a:schemeClr val="accent1">
+              <a:shade val="50000"/>
+            </a:schemeClr>
+          </a:lnRef>
+          <a:fillRef idx="1">
+            <a:schemeClr val="accent1"/>
+          </a:fillRef>
+          <a:effectRef idx="0">
+            <a:schemeClr val="accent1"/>
+          </a:effectRef>
+          <a:fontRef idx="minor">
+            <a:schemeClr val="lt1"/>
+          </a:fontRef>
+        </p:style>
+        <p:txBody>
+          <a:bodyPr rtlCol="0" anchor="ctr"/>
+          <a:lstStyle/>
+          <a:p>
+            <a:pPr algn="ctr"/>
+            <a:endParaRPr lang="fr-CA"/>
+          </a:p>
+        </p:txBody>
+      </p:sp>
+      <p:sp>
+        <p:nvSpPr>
+          <p:cNvPr id="20" name="椭圆 19">
+            <a:extLst>
+              <a:ext uri="{FF2B5EF4-FFF2-40B4-BE49-F238E27FC236}">
+                <a16:creationId xmlns:a16="http://schemas.microsoft.com/office/drawing/2014/main" id="{604CAC38-43D0-FF84-0F6F-000379D64098}"/>
+              </a:ext>
+            </a:extLst>
+          </p:cNvPr>
+          <p:cNvSpPr/>
+          <p:nvPr/>
+        </p:nvSpPr>
+        <p:spPr>
+          <a:xfrm>
+            <a:off x="1269641" y="1028789"/>
+            <a:ext cx="220980" cy="220980"/>
+          </a:xfrm>
+          <a:prstGeom prst="ellipse">
+            <a:avLst/>
+          </a:prstGeom>
+        </p:spPr>
+        <p:style>
+          <a:lnRef idx="2">
+            <a:schemeClr val="accent1">
+              <a:shade val="50000"/>
+            </a:schemeClr>
+          </a:lnRef>
+          <a:fillRef idx="1">
+            <a:schemeClr val="accent1"/>
+          </a:fillRef>
+          <a:effectRef idx="0">
+            <a:schemeClr val="accent1"/>
+          </a:effectRef>
+          <a:fontRef idx="minor">
+            <a:schemeClr val="lt1"/>
+          </a:fontRef>
+        </p:style>
+        <p:txBody>
+          <a:bodyPr rtlCol="0" anchor="ctr"/>
+          <a:lstStyle/>
+          <a:p>
+            <a:pPr algn="ctr"/>
+            <a:endParaRPr lang="fr-CA"/>
+          </a:p>
+        </p:txBody>
+      </p:sp>
+      <p:sp>
+        <p:nvSpPr>
+          <p:cNvPr id="21" name="椭圆 20">
+            <a:extLst>
+              <a:ext uri="{FF2B5EF4-FFF2-40B4-BE49-F238E27FC236}">
+                <a16:creationId xmlns:a16="http://schemas.microsoft.com/office/drawing/2014/main" id="{8ACCBE9A-C24C-BBCB-3C2B-8A06415365A7}"/>
+              </a:ext>
+            </a:extLst>
+          </p:cNvPr>
+          <p:cNvSpPr/>
+          <p:nvPr/>
+        </p:nvSpPr>
+        <p:spPr>
+          <a:xfrm rot="19259415">
+            <a:off x="1255312" y="2760957"/>
+            <a:ext cx="220980" cy="220980"/>
+          </a:xfrm>
+          <a:prstGeom prst="ellipse">
+            <a:avLst/>
+          </a:prstGeom>
+        </p:spPr>
+        <p:style>
+          <a:lnRef idx="2">
+            <a:schemeClr val="accent1">
+              <a:shade val="50000"/>
+            </a:schemeClr>
+          </a:lnRef>
+          <a:fillRef idx="1">
+            <a:schemeClr val="accent1"/>
+          </a:fillRef>
+          <a:effectRef idx="0">
+            <a:schemeClr val="accent1"/>
+          </a:effectRef>
+          <a:fontRef idx="minor">
+            <a:schemeClr val="lt1"/>
+          </a:fontRef>
+        </p:style>
+        <p:txBody>
+          <a:bodyPr rtlCol="0" anchor="ctr"/>
+          <a:lstStyle/>
+          <a:p>
+            <a:pPr algn="ctr"/>
+            <a:endParaRPr lang="fr-CA"/>
+          </a:p>
+        </p:txBody>
+      </p:sp>
+      <p:sp>
+        <p:nvSpPr>
+          <p:cNvPr id="22" name="椭圆 21">
+            <a:extLst>
+              <a:ext uri="{FF2B5EF4-FFF2-40B4-BE49-F238E27FC236}">
+                <a16:creationId xmlns:a16="http://schemas.microsoft.com/office/drawing/2014/main" id="{5E775DFA-EE10-52BC-4572-56F8C6CFB923}"/>
+              </a:ext>
+            </a:extLst>
+          </p:cNvPr>
+          <p:cNvSpPr/>
+          <p:nvPr/>
+        </p:nvSpPr>
+        <p:spPr>
+          <a:xfrm>
+            <a:off x="3881340" y="4530516"/>
+            <a:ext cx="220980" cy="220980"/>
+          </a:xfrm>
+          <a:prstGeom prst="ellipse">
+            <a:avLst/>
+          </a:prstGeom>
+        </p:spPr>
+        <p:style>
+          <a:lnRef idx="2">
+            <a:schemeClr val="accent1">
+              <a:shade val="50000"/>
+            </a:schemeClr>
+          </a:lnRef>
+          <a:fillRef idx="1">
+            <a:schemeClr val="accent1"/>
+          </a:fillRef>
+          <a:effectRef idx="0">
+            <a:schemeClr val="accent1"/>
+          </a:effectRef>
+          <a:fontRef idx="minor">
+            <a:schemeClr val="lt1"/>
+          </a:fontRef>
+        </p:style>
+        <p:txBody>
+          <a:bodyPr rtlCol="0" anchor="ctr"/>
+          <a:lstStyle/>
+          <a:p>
+            <a:pPr algn="ctr"/>
+            <a:endParaRPr lang="fr-CA"/>
+          </a:p>
+        </p:txBody>
+      </p:sp>
+      <p:sp>
+        <p:nvSpPr>
+          <p:cNvPr id="23" name="椭圆 22">
+            <a:extLst>
+              <a:ext uri="{FF2B5EF4-FFF2-40B4-BE49-F238E27FC236}">
+                <a16:creationId xmlns:a16="http://schemas.microsoft.com/office/drawing/2014/main" id="{B41F54A3-AD65-72FD-16B1-179C314452D0}"/>
+              </a:ext>
+            </a:extLst>
+          </p:cNvPr>
+          <p:cNvSpPr/>
+          <p:nvPr/>
+        </p:nvSpPr>
+        <p:spPr>
+          <a:xfrm rot="1828118">
+            <a:off x="2305050" y="4852053"/>
+            <a:ext cx="220980" cy="220980"/>
+          </a:xfrm>
+          <a:prstGeom prst="ellipse">
+            <a:avLst/>
+          </a:prstGeom>
+        </p:spPr>
+        <p:style>
+          <a:lnRef idx="2">
+            <a:schemeClr val="accent1">
+              <a:shade val="50000"/>
+            </a:schemeClr>
+          </a:lnRef>
+          <a:fillRef idx="1">
+            <a:schemeClr val="accent1"/>
+          </a:fillRef>
+          <a:effectRef idx="0">
+            <a:schemeClr val="accent1"/>
+          </a:effectRef>
+          <a:fontRef idx="minor">
+            <a:schemeClr val="lt1"/>
+          </a:fontRef>
+        </p:style>
+        <p:txBody>
+          <a:bodyPr rtlCol="0" anchor="ctr"/>
+          <a:lstStyle/>
+          <a:p>
+            <a:pPr algn="ctr"/>
+            <a:endParaRPr lang="fr-CA"/>
+          </a:p>
+        </p:txBody>
+      </p:sp>
+      <p:sp>
+        <p:nvSpPr>
+          <p:cNvPr id="24" name="椭圆 23">
+            <a:extLst>
+              <a:ext uri="{FF2B5EF4-FFF2-40B4-BE49-F238E27FC236}">
+                <a16:creationId xmlns:a16="http://schemas.microsoft.com/office/drawing/2014/main" id="{0D7D9DDB-92BA-E79D-1725-CCDC443964BE}"/>
+              </a:ext>
+            </a:extLst>
+          </p:cNvPr>
+          <p:cNvSpPr/>
+          <p:nvPr/>
+        </p:nvSpPr>
+        <p:spPr>
+          <a:xfrm>
+            <a:off x="8774661" y="1916834"/>
+            <a:ext cx="220980" cy="220980"/>
+          </a:xfrm>
+          <a:prstGeom prst="ellipse">
+            <a:avLst/>
+          </a:prstGeom>
+        </p:spPr>
+        <p:style>
+          <a:lnRef idx="2">
+            <a:schemeClr val="accent1">
+              <a:shade val="50000"/>
+            </a:schemeClr>
+          </a:lnRef>
+          <a:fillRef idx="1">
+            <a:schemeClr val="accent1"/>
+          </a:fillRef>
+          <a:effectRef idx="0">
+            <a:schemeClr val="accent1"/>
+          </a:effectRef>
+          <a:fontRef idx="minor">
+            <a:schemeClr val="lt1"/>
+          </a:fontRef>
+        </p:style>
+        <p:txBody>
+          <a:bodyPr rtlCol="0" anchor="ctr"/>
+          <a:lstStyle/>
+          <a:p>
+            <a:pPr algn="ctr"/>
+            <a:endParaRPr lang="fr-CA"/>
+          </a:p>
+        </p:txBody>
+      </p:sp>
+      <p:sp>
+        <p:nvSpPr>
+          <p:cNvPr id="25" name="椭圆 24">
+            <a:extLst>
+              <a:ext uri="{FF2B5EF4-FFF2-40B4-BE49-F238E27FC236}">
+                <a16:creationId xmlns:a16="http://schemas.microsoft.com/office/drawing/2014/main" id="{AF3EC18F-0E35-745D-11B3-1CB9E50F3B9C}"/>
+              </a:ext>
+            </a:extLst>
+          </p:cNvPr>
+          <p:cNvSpPr/>
+          <p:nvPr/>
+        </p:nvSpPr>
+        <p:spPr>
+          <a:xfrm>
+            <a:off x="3256500" y="5238955"/>
+            <a:ext cx="220980" cy="220980"/>
+          </a:xfrm>
+          <a:prstGeom prst="ellipse">
+            <a:avLst/>
+          </a:prstGeom>
+        </p:spPr>
+        <p:style>
+          <a:lnRef idx="2">
+            <a:schemeClr val="accent1">
+              <a:shade val="50000"/>
+            </a:schemeClr>
+          </a:lnRef>
+          <a:fillRef idx="1">
+            <a:schemeClr val="accent1"/>
+          </a:fillRef>
+          <a:effectRef idx="0">
+            <a:schemeClr val="accent1"/>
+          </a:effectRef>
+          <a:fontRef idx="minor">
+            <a:schemeClr val="lt1"/>
+          </a:fontRef>
+        </p:style>
+        <p:txBody>
+          <a:bodyPr rtlCol="0" anchor="ctr"/>
+          <a:lstStyle/>
+          <a:p>
+            <a:pPr algn="ctr"/>
+            <a:endParaRPr lang="fr-CA"/>
+          </a:p>
+        </p:txBody>
+      </p:sp>
+      <p:sp>
+        <p:nvSpPr>
+          <p:cNvPr id="26" name="椭圆 25">
+            <a:extLst>
+              <a:ext uri="{FF2B5EF4-FFF2-40B4-BE49-F238E27FC236}">
+                <a16:creationId xmlns:a16="http://schemas.microsoft.com/office/drawing/2014/main" id="{2CA2D4B0-E2A1-EDD9-3057-45FAD7611962}"/>
+              </a:ext>
+            </a:extLst>
+          </p:cNvPr>
+          <p:cNvSpPr/>
+          <p:nvPr/>
+        </p:nvSpPr>
+        <p:spPr>
+          <a:xfrm>
+            <a:off x="699135" y="1297492"/>
+            <a:ext cx="220980" cy="220980"/>
+          </a:xfrm>
+          <a:prstGeom prst="ellipse">
+            <a:avLst/>
+          </a:prstGeom>
+        </p:spPr>
+        <p:style>
+          <a:lnRef idx="2">
+            <a:schemeClr val="accent1">
+              <a:shade val="50000"/>
+            </a:schemeClr>
+          </a:lnRef>
+          <a:fillRef idx="1">
+            <a:schemeClr val="accent1"/>
+          </a:fillRef>
+          <a:effectRef idx="0">
+            <a:schemeClr val="accent1"/>
+          </a:effectRef>
+          <a:fontRef idx="minor">
+            <a:schemeClr val="lt1"/>
+          </a:fontRef>
+        </p:style>
+        <p:txBody>
+          <a:bodyPr rtlCol="0" anchor="ctr"/>
+          <a:lstStyle/>
+          <a:p>
+            <a:pPr algn="ctr"/>
+            <a:endParaRPr lang="fr-CA"/>
+          </a:p>
+        </p:txBody>
+      </p:sp>
+      <p:sp>
+        <p:nvSpPr>
+          <p:cNvPr id="27" name="椭圆 26">
+            <a:extLst>
+              <a:ext uri="{FF2B5EF4-FFF2-40B4-BE49-F238E27FC236}">
+                <a16:creationId xmlns:a16="http://schemas.microsoft.com/office/drawing/2014/main" id="{FC3D4F95-6FC3-5AFC-B15E-D5C987B43925}"/>
+              </a:ext>
+            </a:extLst>
+          </p:cNvPr>
+          <p:cNvSpPr/>
+          <p:nvPr/>
+        </p:nvSpPr>
+        <p:spPr>
+          <a:xfrm rot="1571783">
+            <a:off x="7861766" y="798927"/>
+            <a:ext cx="220980" cy="220980"/>
+          </a:xfrm>
+          <a:prstGeom prst="ellipse">
+            <a:avLst/>
+          </a:prstGeom>
+        </p:spPr>
+        <p:style>
+          <a:lnRef idx="2">
+            <a:schemeClr val="accent1">
+              <a:shade val="50000"/>
+            </a:schemeClr>
+          </a:lnRef>
+          <a:fillRef idx="1">
+            <a:schemeClr val="accent1"/>
+          </a:fillRef>
+          <a:effectRef idx="0">
+            <a:schemeClr val="accent1"/>
+          </a:effectRef>
+          <a:fontRef idx="minor">
+            <a:schemeClr val="lt1"/>
+          </a:fontRef>
+        </p:style>
+        <p:txBody>
+          <a:bodyPr rtlCol="0" anchor="ctr"/>
+          <a:lstStyle/>
+          <a:p>
+            <a:pPr algn="ctr"/>
+            <a:endParaRPr lang="fr-CA"/>
+          </a:p>
+        </p:txBody>
+      </p:sp>
+      <p:sp>
+        <p:nvSpPr>
+          <p:cNvPr id="28" name="椭圆 27">
+            <a:extLst>
+              <a:ext uri="{FF2B5EF4-FFF2-40B4-BE49-F238E27FC236}">
+                <a16:creationId xmlns:a16="http://schemas.microsoft.com/office/drawing/2014/main" id="{08A51D31-E3D6-C037-292C-C38151724E71}"/>
+              </a:ext>
+            </a:extLst>
+          </p:cNvPr>
+          <p:cNvSpPr/>
+          <p:nvPr/>
+        </p:nvSpPr>
+        <p:spPr>
+          <a:xfrm rot="2356054">
+            <a:off x="3642087" y="1616384"/>
+            <a:ext cx="220980" cy="220980"/>
+          </a:xfrm>
+          <a:prstGeom prst="ellipse">
+            <a:avLst/>
+          </a:prstGeom>
+        </p:spPr>
+        <p:style>
+          <a:lnRef idx="2">
+            <a:schemeClr val="accent1">
+              <a:shade val="50000"/>
+            </a:schemeClr>
+          </a:lnRef>
+          <a:fillRef idx="1">
+            <a:schemeClr val="accent1"/>
+          </a:fillRef>
+          <a:effectRef idx="0">
+            <a:schemeClr val="accent1"/>
+          </a:effectRef>
+          <a:fontRef idx="minor">
+            <a:schemeClr val="lt1"/>
+          </a:fontRef>
+        </p:style>
+        <p:txBody>
+          <a:bodyPr rtlCol="0" anchor="ctr"/>
+          <a:lstStyle/>
+          <a:p>
+            <a:pPr algn="ctr"/>
+            <a:endParaRPr lang="fr-CA"/>
+          </a:p>
+        </p:txBody>
+      </p:sp>
+      <p:cxnSp>
+        <p:nvCxnSpPr>
+          <p:cNvPr id="29" name="直接箭头连接符 28">
+            <a:extLst>
+              <a:ext uri="{FF2B5EF4-FFF2-40B4-BE49-F238E27FC236}">
+                <a16:creationId xmlns:a16="http://schemas.microsoft.com/office/drawing/2014/main" id="{0BAB1BF7-1B25-97ED-B186-4C3A8ACEDB26}"/>
+              </a:ext>
+            </a:extLst>
+          </p:cNvPr>
+          <p:cNvCxnSpPr>
+            <a:stCxn id="20" idx="4"/>
+            <a:endCxn id="4" idx="0"/>
+          </p:cNvCxnSpPr>
+          <p:nvPr/>
+        </p:nvCxnSpPr>
+        <p:spPr>
+          <a:xfrm>
+            <a:off x="1380131" y="1249769"/>
+            <a:ext cx="60049" cy="363966"/>
+          </a:xfrm>
+          <a:prstGeom prst="straightConnector1">
+            <a:avLst/>
+          </a:prstGeom>
+          <a:ln>
+            <a:tailEnd type="triangle"/>
+          </a:ln>
+        </p:spPr>
+        <p:style>
+          <a:lnRef idx="1">
+            <a:schemeClr val="accent1"/>
+          </a:lnRef>
+          <a:fillRef idx="0">
+            <a:schemeClr val="accent1"/>
+          </a:fillRef>
+          <a:effectRef idx="0">
+            <a:schemeClr val="accent1"/>
+          </a:effectRef>
+          <a:fontRef idx="minor">
+            <a:schemeClr val="tx1"/>
+          </a:fontRef>
+        </p:style>
+      </p:cxnSp>
+      <p:cxnSp>
+        <p:nvCxnSpPr>
+          <p:cNvPr id="30" name="直接箭头连接符 29">
+            <a:extLst>
+              <a:ext uri="{FF2B5EF4-FFF2-40B4-BE49-F238E27FC236}">
+                <a16:creationId xmlns:a16="http://schemas.microsoft.com/office/drawing/2014/main" id="{668D7E78-8868-6403-C375-FEA33AAFCDE4}"/>
+              </a:ext>
+            </a:extLst>
+          </p:cNvPr>
+          <p:cNvCxnSpPr>
+            <a:stCxn id="26" idx="5"/>
+            <a:endCxn id="4" idx="1"/>
+          </p:cNvCxnSpPr>
+          <p:nvPr/>
+        </p:nvCxnSpPr>
+        <p:spPr>
+          <a:xfrm>
+            <a:off x="887753" y="1486110"/>
+            <a:ext cx="334207" cy="218015"/>
+          </a:xfrm>
+          <a:prstGeom prst="straightConnector1">
+            <a:avLst/>
+          </a:prstGeom>
+          <a:ln>
+            <a:tailEnd type="triangle"/>
+          </a:ln>
+        </p:spPr>
+        <p:style>
+          <a:lnRef idx="1">
+            <a:schemeClr val="accent1"/>
+          </a:lnRef>
+          <a:fillRef idx="0">
+            <a:schemeClr val="accent1"/>
+          </a:fillRef>
+          <a:effectRef idx="0">
+            <a:schemeClr val="accent1"/>
+          </a:effectRef>
+          <a:fontRef idx="minor">
+            <a:schemeClr val="tx1"/>
+          </a:fontRef>
+        </p:style>
+      </p:cxnSp>
+      <p:cxnSp>
+        <p:nvCxnSpPr>
+          <p:cNvPr id="31" name="直接箭头连接符 30">
+            <a:extLst>
+              <a:ext uri="{FF2B5EF4-FFF2-40B4-BE49-F238E27FC236}">
+                <a16:creationId xmlns:a16="http://schemas.microsoft.com/office/drawing/2014/main" id="{8F020919-963B-E1CC-8CD9-1748205571D0}"/>
+              </a:ext>
+            </a:extLst>
+          </p:cNvPr>
+          <p:cNvCxnSpPr>
+            <a:cxnSpLocks/>
+            <a:stCxn id="18" idx="6"/>
+            <a:endCxn id="4" idx="2"/>
+          </p:cNvCxnSpPr>
+          <p:nvPr/>
+        </p:nvCxnSpPr>
+        <p:spPr>
+          <a:xfrm>
+            <a:off x="802860" y="1858947"/>
+            <a:ext cx="328710" cy="63398"/>
+          </a:xfrm>
+          <a:prstGeom prst="straightConnector1">
+            <a:avLst/>
+          </a:prstGeom>
+          <a:ln>
+            <a:tailEnd type="triangle"/>
+          </a:ln>
+        </p:spPr>
+        <p:style>
+          <a:lnRef idx="1">
+            <a:schemeClr val="accent1"/>
+          </a:lnRef>
+          <a:fillRef idx="0">
+            <a:schemeClr val="accent1"/>
+          </a:fillRef>
+          <a:effectRef idx="0">
+            <a:schemeClr val="accent1"/>
+          </a:effectRef>
+          <a:fontRef idx="minor">
+            <a:schemeClr val="tx1"/>
+          </a:fontRef>
+        </p:style>
+      </p:cxnSp>
+      <p:cxnSp>
+        <p:nvCxnSpPr>
+          <p:cNvPr id="32" name="直接箭头连接符 31">
+            <a:extLst>
+              <a:ext uri="{FF2B5EF4-FFF2-40B4-BE49-F238E27FC236}">
+                <a16:creationId xmlns:a16="http://schemas.microsoft.com/office/drawing/2014/main" id="{B1078748-4720-7277-6A79-1B00E21BBB74}"/>
+              </a:ext>
+            </a:extLst>
+          </p:cNvPr>
+          <p:cNvCxnSpPr>
+            <a:cxnSpLocks/>
+            <a:stCxn id="21" idx="7"/>
+            <a:endCxn id="4" idx="4"/>
+          </p:cNvCxnSpPr>
+          <p:nvPr/>
+        </p:nvCxnSpPr>
+        <p:spPr>
+          <a:xfrm flipV="1">
+            <a:off x="1377333" y="2230955"/>
+            <a:ext cx="62847" cy="530606"/>
+          </a:xfrm>
+          <a:prstGeom prst="straightConnector1">
+            <a:avLst/>
+          </a:prstGeom>
+          <a:ln>
+            <a:tailEnd type="triangle"/>
+          </a:ln>
+        </p:spPr>
+        <p:style>
+          <a:lnRef idx="1">
+            <a:schemeClr val="accent1"/>
+          </a:lnRef>
+          <a:fillRef idx="0">
+            <a:schemeClr val="accent1"/>
+          </a:fillRef>
+          <a:effectRef idx="0">
+            <a:schemeClr val="accent1"/>
+          </a:effectRef>
+          <a:fontRef idx="minor">
+            <a:schemeClr val="tx1"/>
+          </a:fontRef>
+        </p:style>
+      </p:cxnSp>
+      <p:cxnSp>
+        <p:nvCxnSpPr>
+          <p:cNvPr id="33" name="直接箭头连接符 32">
+            <a:extLst>
+              <a:ext uri="{FF2B5EF4-FFF2-40B4-BE49-F238E27FC236}">
+                <a16:creationId xmlns:a16="http://schemas.microsoft.com/office/drawing/2014/main" id="{58A8E5D2-08FB-C1C0-D266-3A4F635417D9}"/>
+              </a:ext>
+            </a:extLst>
+          </p:cNvPr>
+          <p:cNvCxnSpPr>
+            <a:stCxn id="19" idx="5"/>
+            <a:endCxn id="9" idx="0"/>
+          </p:cNvCxnSpPr>
+          <p:nvPr/>
+        </p:nvCxnSpPr>
+        <p:spPr>
+          <a:xfrm>
+            <a:off x="3959266" y="476939"/>
+            <a:ext cx="37424" cy="267063"/>
+          </a:xfrm>
+          <a:prstGeom prst="straightConnector1">
+            <a:avLst/>
+          </a:prstGeom>
+          <a:ln>
+            <a:tailEnd type="triangle"/>
+          </a:ln>
+        </p:spPr>
+        <p:style>
+          <a:lnRef idx="1">
+            <a:schemeClr val="accent1"/>
+          </a:lnRef>
+          <a:fillRef idx="0">
+            <a:schemeClr val="accent1"/>
+          </a:fillRef>
+          <a:effectRef idx="0">
+            <a:schemeClr val="accent1"/>
+          </a:effectRef>
+          <a:fontRef idx="minor">
+            <a:schemeClr val="tx1"/>
+          </a:fontRef>
+        </p:style>
+      </p:cxnSp>
+      <p:cxnSp>
+        <p:nvCxnSpPr>
+          <p:cNvPr id="34" name="直接箭头连接符 33">
+            <a:extLst>
+              <a:ext uri="{FF2B5EF4-FFF2-40B4-BE49-F238E27FC236}">
+                <a16:creationId xmlns:a16="http://schemas.microsoft.com/office/drawing/2014/main" id="{BBBF7F81-E035-EBFC-880E-9117A8E1ACB1}"/>
+              </a:ext>
+            </a:extLst>
+          </p:cNvPr>
+          <p:cNvCxnSpPr>
+            <a:stCxn id="28" idx="0"/>
+            <a:endCxn id="9" idx="4"/>
+          </p:cNvCxnSpPr>
+          <p:nvPr/>
+        </p:nvCxnSpPr>
+        <p:spPr>
+          <a:xfrm flipV="1">
+            <a:off x="3822511" y="1361222"/>
+            <a:ext cx="174179" cy="280111"/>
+          </a:xfrm>
+          <a:prstGeom prst="straightConnector1">
+            <a:avLst/>
+          </a:prstGeom>
+          <a:ln>
+            <a:tailEnd type="triangle"/>
+          </a:ln>
+        </p:spPr>
+        <p:style>
+          <a:lnRef idx="1">
+            <a:schemeClr val="accent1"/>
+          </a:lnRef>
+          <a:fillRef idx="0">
+            <a:schemeClr val="accent1"/>
+          </a:fillRef>
+          <a:effectRef idx="0">
+            <a:schemeClr val="accent1"/>
+          </a:effectRef>
+          <a:fontRef idx="minor">
+            <a:schemeClr val="tx1"/>
+          </a:fontRef>
+        </p:style>
+      </p:cxnSp>
+      <p:cxnSp>
+        <p:nvCxnSpPr>
+          <p:cNvPr id="35" name="直接箭头连接符 34">
+            <a:extLst>
+              <a:ext uri="{FF2B5EF4-FFF2-40B4-BE49-F238E27FC236}">
+                <a16:creationId xmlns:a16="http://schemas.microsoft.com/office/drawing/2014/main" id="{CFB68DD2-EBE6-E13A-9CF2-F61D8009EDD0}"/>
+              </a:ext>
+            </a:extLst>
+          </p:cNvPr>
+          <p:cNvCxnSpPr>
+            <a:stCxn id="25" idx="0"/>
+            <a:endCxn id="8" idx="5"/>
+          </p:cNvCxnSpPr>
+          <p:nvPr/>
+        </p:nvCxnSpPr>
+        <p:spPr>
+          <a:xfrm flipV="1">
+            <a:off x="3366990" y="4787685"/>
+            <a:ext cx="21150" cy="451270"/>
+          </a:xfrm>
+          <a:prstGeom prst="straightConnector1">
+            <a:avLst/>
+          </a:prstGeom>
+          <a:ln>
+            <a:tailEnd type="triangle"/>
+          </a:ln>
+        </p:spPr>
+        <p:style>
+          <a:lnRef idx="1">
+            <a:schemeClr val="accent1"/>
+          </a:lnRef>
+          <a:fillRef idx="0">
+            <a:schemeClr val="accent1"/>
+          </a:fillRef>
+          <a:effectRef idx="0">
+            <a:schemeClr val="accent1"/>
+          </a:effectRef>
+          <a:fontRef idx="minor">
+            <a:schemeClr val="tx1"/>
+          </a:fontRef>
+        </p:style>
+      </p:cxnSp>
+      <p:cxnSp>
+        <p:nvCxnSpPr>
+          <p:cNvPr id="36" name="直接箭头连接符 35">
+            <a:extLst>
+              <a:ext uri="{FF2B5EF4-FFF2-40B4-BE49-F238E27FC236}">
+                <a16:creationId xmlns:a16="http://schemas.microsoft.com/office/drawing/2014/main" id="{490D9112-56D1-77AB-1A67-A9295286CFC6}"/>
+              </a:ext>
+            </a:extLst>
+          </p:cNvPr>
+          <p:cNvCxnSpPr>
+            <a:stCxn id="22" idx="2"/>
+            <a:endCxn id="8" idx="6"/>
+          </p:cNvCxnSpPr>
+          <p:nvPr/>
+        </p:nvCxnSpPr>
+        <p:spPr>
+          <a:xfrm flipH="1" flipV="1">
+            <a:off x="3478530" y="4569465"/>
+            <a:ext cx="402810" cy="71541"/>
+          </a:xfrm>
+          <a:prstGeom prst="straightConnector1">
+            <a:avLst/>
+          </a:prstGeom>
+          <a:ln>
+            <a:tailEnd type="triangle"/>
+          </a:ln>
+        </p:spPr>
+        <p:style>
+          <a:lnRef idx="1">
+            <a:schemeClr val="accent1"/>
+          </a:lnRef>
+          <a:fillRef idx="0">
+            <a:schemeClr val="accent1"/>
+          </a:fillRef>
+          <a:effectRef idx="0">
+            <a:schemeClr val="accent1"/>
+          </a:effectRef>
+          <a:fontRef idx="minor">
+            <a:schemeClr val="tx1"/>
+          </a:fontRef>
+        </p:style>
+      </p:cxnSp>
+      <p:cxnSp>
+        <p:nvCxnSpPr>
+          <p:cNvPr id="37" name="直接箭头连接符 36">
+            <a:extLst>
+              <a:ext uri="{FF2B5EF4-FFF2-40B4-BE49-F238E27FC236}">
+                <a16:creationId xmlns:a16="http://schemas.microsoft.com/office/drawing/2014/main" id="{0A2CA7EC-6CE2-8CFB-7D74-08EF0CE549C3}"/>
+              </a:ext>
+            </a:extLst>
+          </p:cNvPr>
+          <p:cNvCxnSpPr>
+            <a:stCxn id="23" idx="7"/>
+            <a:endCxn id="8" idx="3"/>
+          </p:cNvCxnSpPr>
+          <p:nvPr/>
+        </p:nvCxnSpPr>
+        <p:spPr>
+          <a:xfrm flipV="1">
+            <a:off x="2522495" y="4787685"/>
+            <a:ext cx="429205" cy="147135"/>
+          </a:xfrm>
+          <a:prstGeom prst="straightConnector1">
+            <a:avLst/>
+          </a:prstGeom>
+          <a:ln>
+            <a:tailEnd type="triangle"/>
+          </a:ln>
+        </p:spPr>
+        <p:style>
+          <a:lnRef idx="1">
+            <a:schemeClr val="accent1"/>
+          </a:lnRef>
+          <a:fillRef idx="0">
+            <a:schemeClr val="accent1"/>
+          </a:fillRef>
+          <a:effectRef idx="0">
+            <a:schemeClr val="accent1"/>
+          </a:effectRef>
+          <a:fontRef idx="minor">
+            <a:schemeClr val="tx1"/>
+          </a:fontRef>
+        </p:style>
+      </p:cxnSp>
+      <p:cxnSp>
+        <p:nvCxnSpPr>
+          <p:cNvPr id="38" name="直接箭头连接符 37">
+            <a:extLst>
+              <a:ext uri="{FF2B5EF4-FFF2-40B4-BE49-F238E27FC236}">
+                <a16:creationId xmlns:a16="http://schemas.microsoft.com/office/drawing/2014/main" id="{DD4EA8F0-8E0F-8CAD-4931-4E6226C69309}"/>
+              </a:ext>
+            </a:extLst>
+          </p:cNvPr>
+          <p:cNvCxnSpPr>
+            <a:stCxn id="27" idx="5"/>
+            <a:endCxn id="5" idx="0"/>
+          </p:cNvCxnSpPr>
+          <p:nvPr/>
+        </p:nvCxnSpPr>
+        <p:spPr>
+          <a:xfrm>
+            <a:off x="8007870" y="1014010"/>
+            <a:ext cx="162506" cy="347212"/>
+          </a:xfrm>
+          <a:prstGeom prst="straightConnector1">
+            <a:avLst/>
+          </a:prstGeom>
+          <a:ln>
+            <a:tailEnd type="triangle"/>
+          </a:ln>
+        </p:spPr>
+        <p:style>
+          <a:lnRef idx="1">
+            <a:schemeClr val="accent1"/>
+          </a:lnRef>
+          <a:fillRef idx="0">
+            <a:schemeClr val="accent1"/>
+          </a:fillRef>
+          <a:effectRef idx="0">
+            <a:schemeClr val="accent1"/>
+          </a:effectRef>
+          <a:fontRef idx="minor">
+            <a:schemeClr val="tx1"/>
+          </a:fontRef>
+        </p:style>
+      </p:cxnSp>
+      <p:cxnSp>
+        <p:nvCxnSpPr>
+          <p:cNvPr id="39" name="直接箭头连接符 38">
+            <a:extLst>
+              <a:ext uri="{FF2B5EF4-FFF2-40B4-BE49-F238E27FC236}">
+                <a16:creationId xmlns:a16="http://schemas.microsoft.com/office/drawing/2014/main" id="{5918BEB2-766F-8F32-45E7-5D8E9AA337ED}"/>
+              </a:ext>
+            </a:extLst>
+          </p:cNvPr>
+          <p:cNvCxnSpPr>
+            <a:stCxn id="24" idx="2"/>
+            <a:endCxn id="5" idx="5"/>
+          </p:cNvCxnSpPr>
+          <p:nvPr/>
+        </p:nvCxnSpPr>
+        <p:spPr>
+          <a:xfrm flipH="1" flipV="1">
+            <a:off x="8388596" y="1888052"/>
+            <a:ext cx="386065" cy="139272"/>
+          </a:xfrm>
+          <a:prstGeom prst="straightConnector1">
+            <a:avLst/>
+          </a:prstGeom>
+          <a:ln>
+            <a:tailEnd type="triangle"/>
+          </a:ln>
+        </p:spPr>
+        <p:style>
+          <a:lnRef idx="1">
+            <a:schemeClr val="accent1"/>
+          </a:lnRef>
+          <a:fillRef idx="0">
+            <a:schemeClr val="accent1"/>
+          </a:fillRef>
+          <a:effectRef idx="0">
+            <a:schemeClr val="accent1"/>
+          </a:effectRef>
+          <a:fontRef idx="minor">
+            <a:schemeClr val="tx1"/>
+          </a:fontRef>
+        </p:style>
+      </p:cxnSp>
+    </p:spTree>
+    <p:extLst>
+      <p:ext uri="{BB962C8B-B14F-4D97-AF65-F5344CB8AC3E}">
+        <p14:creationId xmlns:p14="http://schemas.microsoft.com/office/powerpoint/2010/main" val="3601329730"/>
+      </p:ext>
+    </p:extLst>
+  </p:cSld>
+  <p:clrMapOvr>
+    <a:masterClrMapping/>
+  </p:clrMapOvr>
+</p:sld>
+</file>
+
+<file path=ppt/slides/slide30.xml><?xml version="1.0" encoding="utf-8"?>
 <p:sld xmlns:a="http://schemas.openxmlformats.org/drawingml/2006/main" xmlns:r="http://schemas.openxmlformats.org/officeDocument/2006/relationships" xmlns:p="http://schemas.openxmlformats.org/presentationml/2006/main">
   <p:cSld>
     <p:spTree>
@@ -7387,7 +9188,7 @@
 </p:sld>
 </file>
 
-<file path=ppt/slides/slide3.xml><?xml version="1.0" encoding="utf-8"?>
+<file path=ppt/slides/slide4.xml><?xml version="1.0" encoding="utf-8"?>
 <p:sld xmlns:a="http://schemas.openxmlformats.org/drawingml/2006/main" xmlns:r="http://schemas.openxmlformats.org/officeDocument/2006/relationships" xmlns:p="http://schemas.openxmlformats.org/presentationml/2006/main">
   <p:cSld>
     <p:spTree>
@@ -10434,225 +12235,6 @@
 </p:sld>
 </file>
 
-<file path=ppt/slides/slide4.xml><?xml version="1.0" encoding="utf-8"?>
-<p:sld xmlns:a="http://schemas.openxmlformats.org/drawingml/2006/main" xmlns:r="http://schemas.openxmlformats.org/officeDocument/2006/relationships" xmlns:p="http://schemas.openxmlformats.org/presentationml/2006/main">
-  <p:cSld>
-    <p:spTree>
-      <p:nvGrpSpPr>
-        <p:cNvPr id="1" name=""/>
-        <p:cNvGrpSpPr/>
-        <p:nvPr/>
-      </p:nvGrpSpPr>
-      <p:grpSpPr>
-        <a:xfrm>
-          <a:off x="0" y="0"/>
-          <a:ext cx="0" cy="0"/>
-          <a:chOff x="0" y="0"/>
-          <a:chExt cx="0" cy="0"/>
-        </a:xfrm>
-      </p:grpSpPr>
-      <p:sp>
-        <p:nvSpPr>
-          <p:cNvPr id="10" name="标题 9">
-            <a:extLst>
-              <a:ext uri="{FF2B5EF4-FFF2-40B4-BE49-F238E27FC236}">
-                <a16:creationId xmlns:a16="http://schemas.microsoft.com/office/drawing/2014/main" id="{B93F8AA6-32C2-5BD7-054E-F282C6545631}"/>
-              </a:ext>
-            </a:extLst>
-          </p:cNvPr>
-          <p:cNvSpPr>
-            <a:spLocks noGrp="1"/>
-          </p:cNvSpPr>
-          <p:nvPr>
-            <p:ph type="title"/>
-          </p:nvPr>
-        </p:nvSpPr>
-        <p:spPr/>
-        <p:txBody>
-          <a:bodyPr/>
-          <a:lstStyle/>
-          <a:p>
-            <a:r>
-              <a:rPr lang="fr-CA" dirty="0">
-                <a:latin typeface="Times New Roman" panose="02020603050405020304" pitchFamily="18" charset="0"/>
-                <a:cs typeface="Times New Roman" panose="02020603050405020304" pitchFamily="18" charset="0"/>
-              </a:rPr>
-              <a:t>Sahara</a:t>
-            </a:r>
-          </a:p>
-        </p:txBody>
-      </p:sp>
-      <p:sp>
-        <p:nvSpPr>
-          <p:cNvPr id="13" name="文本框 12">
-            <a:extLst>
-              <a:ext uri="{FF2B5EF4-FFF2-40B4-BE49-F238E27FC236}">
-                <a16:creationId xmlns:a16="http://schemas.microsoft.com/office/drawing/2014/main" id="{4F6C37EB-B1ED-14EE-0710-DFD39C43CBDB}"/>
-              </a:ext>
-            </a:extLst>
-          </p:cNvPr>
-          <p:cNvSpPr txBox="1"/>
-          <p:nvPr/>
-        </p:nvSpPr>
-        <p:spPr>
-          <a:xfrm>
-            <a:off x="8983014" y="4210050"/>
-            <a:ext cx="2981592" cy="369332"/>
-          </a:xfrm>
-          <a:prstGeom prst="rect">
-            <a:avLst/>
-          </a:prstGeom>
-          <a:noFill/>
-        </p:spPr>
-        <p:txBody>
-          <a:bodyPr wrap="square" rtlCol="0">
-            <a:spAutoFit/>
-          </a:bodyPr>
-          <a:lstStyle/>
-          <a:p>
-            <a:r>
-              <a:rPr lang="fr-CA" dirty="0">
-                <a:latin typeface="Times New Roman" panose="02020603050405020304" pitchFamily="18" charset="0"/>
-                <a:cs typeface="Times New Roman" panose="02020603050405020304" pitchFamily="18" charset="0"/>
-              </a:rPr>
-              <a:t>Grid size ~ 1.1 km by 1.7 km</a:t>
-            </a:r>
-          </a:p>
-        </p:txBody>
-      </p:sp>
-      <p:pic>
-        <p:nvPicPr>
-          <p:cNvPr id="3" name="图片 2">
-            <a:extLst>
-              <a:ext uri="{FF2B5EF4-FFF2-40B4-BE49-F238E27FC236}">
-                <a16:creationId xmlns:a16="http://schemas.microsoft.com/office/drawing/2014/main" id="{54893C97-250F-E25F-1574-18CE2AA18A03}"/>
-              </a:ext>
-            </a:extLst>
-          </p:cNvPr>
-          <p:cNvPicPr>
-            <a:picLocks noChangeAspect="1"/>
-          </p:cNvPicPr>
-          <p:nvPr/>
-        </p:nvPicPr>
-        <p:blipFill>
-          <a:blip r:embed="rId2"/>
-          <a:stretch>
-            <a:fillRect/>
-          </a:stretch>
-        </p:blipFill>
-        <p:spPr>
-          <a:xfrm>
-            <a:off x="8449881" y="1626394"/>
-            <a:ext cx="3514725" cy="2647950"/>
-          </a:xfrm>
-          <a:prstGeom prst="rect">
-            <a:avLst/>
-          </a:prstGeom>
-        </p:spPr>
-      </p:pic>
-      <p:pic>
-        <p:nvPicPr>
-          <p:cNvPr id="6" name="图片 5">
-            <a:extLst>
-              <a:ext uri="{FF2B5EF4-FFF2-40B4-BE49-F238E27FC236}">
-                <a16:creationId xmlns:a16="http://schemas.microsoft.com/office/drawing/2014/main" id="{8814A3D4-8076-2548-ECFA-3E0286C96BF7}"/>
-              </a:ext>
-            </a:extLst>
-          </p:cNvPr>
-          <p:cNvPicPr>
-            <a:picLocks noChangeAspect="1"/>
-          </p:cNvPicPr>
-          <p:nvPr/>
-        </p:nvPicPr>
-        <p:blipFill>
-          <a:blip r:embed="rId3"/>
-          <a:stretch>
-            <a:fillRect/>
-          </a:stretch>
-        </p:blipFill>
-        <p:spPr>
-          <a:xfrm>
-            <a:off x="4638408" y="1649145"/>
-            <a:ext cx="3733800" cy="2886075"/>
-          </a:xfrm>
-          <a:prstGeom prst="rect">
-            <a:avLst/>
-          </a:prstGeom>
-        </p:spPr>
-      </p:pic>
-      <p:pic>
-        <p:nvPicPr>
-          <p:cNvPr id="11" name="图片 10">
-            <a:extLst>
-              <a:ext uri="{FF2B5EF4-FFF2-40B4-BE49-F238E27FC236}">
-                <a16:creationId xmlns:a16="http://schemas.microsoft.com/office/drawing/2014/main" id="{B314DA76-032E-5F4C-ED6C-AEF12488C734}"/>
-              </a:ext>
-            </a:extLst>
-          </p:cNvPr>
-          <p:cNvPicPr>
-            <a:picLocks noChangeAspect="1"/>
-          </p:cNvPicPr>
-          <p:nvPr/>
-        </p:nvPicPr>
-        <p:blipFill>
-          <a:blip r:embed="rId4"/>
-          <a:stretch>
-            <a:fillRect/>
-          </a:stretch>
-        </p:blipFill>
-        <p:spPr>
-          <a:xfrm>
-            <a:off x="866774" y="1649145"/>
-            <a:ext cx="3571875" cy="2514600"/>
-          </a:xfrm>
-          <a:prstGeom prst="rect">
-            <a:avLst/>
-          </a:prstGeom>
-        </p:spPr>
-      </p:pic>
-      <p:pic>
-        <p:nvPicPr>
-          <p:cNvPr id="15" name="图片 14">
-            <a:extLst>
-              <a:ext uri="{FF2B5EF4-FFF2-40B4-BE49-F238E27FC236}">
-                <a16:creationId xmlns:a16="http://schemas.microsoft.com/office/drawing/2014/main" id="{BD9438F1-2717-A59F-2F29-6CB69EA18CCE}"/>
-              </a:ext>
-            </a:extLst>
-          </p:cNvPr>
-          <p:cNvPicPr>
-            <a:picLocks noChangeAspect="1"/>
-          </p:cNvPicPr>
-          <p:nvPr/>
-        </p:nvPicPr>
-        <p:blipFill>
-          <a:blip r:embed="rId5"/>
-          <a:stretch>
-            <a:fillRect/>
-          </a:stretch>
-        </p:blipFill>
-        <p:spPr>
-          <a:xfrm>
-            <a:off x="838200" y="4210050"/>
-            <a:ext cx="3571875" cy="2647950"/>
-          </a:xfrm>
-          <a:prstGeom prst="rect">
-            <a:avLst/>
-          </a:prstGeom>
-        </p:spPr>
-      </p:pic>
-    </p:spTree>
-    <p:extLst>
-      <p:ext uri="{BB962C8B-B14F-4D97-AF65-F5344CB8AC3E}">
-        <p14:creationId xmlns:p14="http://schemas.microsoft.com/office/powerpoint/2010/main" val="3036209631"/>
-      </p:ext>
-    </p:extLst>
-  </p:cSld>
-  <p:clrMapOvr>
-    <a:masterClrMapping/>
-  </p:clrMapOvr>
-</p:sld>
-</file>
-
 <file path=ppt/slides/slide5.xml><?xml version="1.0" encoding="utf-8"?>
 <p:sld xmlns:a="http://schemas.openxmlformats.org/drawingml/2006/main" xmlns:r="http://schemas.openxmlformats.org/officeDocument/2006/relationships" xmlns:p="http://schemas.openxmlformats.org/presentationml/2006/main">
   <p:cSld>
@@ -10696,7 +12278,7 @@
                 <a:latin typeface="Times New Roman" panose="02020603050405020304" pitchFamily="18" charset="0"/>
                 <a:cs typeface="Times New Roman" panose="02020603050405020304" pitchFamily="18" charset="0"/>
               </a:rPr>
-              <a:t>Sahara small</a:t>
+              <a:t>Sahara</a:t>
             </a:r>
           </a:p>
         </p:txBody>
@@ -10715,8 +12297,8 @@
         </p:nvSpPr>
         <p:spPr>
           <a:xfrm>
-            <a:off x="8667482" y="4210050"/>
-            <a:ext cx="3297124" cy="369332"/>
+            <a:off x="8983014" y="4210050"/>
+            <a:ext cx="2981592" cy="369332"/>
           </a:xfrm>
           <a:prstGeom prst="rect">
             <a:avLst/>
@@ -10734,17 +12316,17 @@
                 <a:latin typeface="Times New Roman" panose="02020603050405020304" pitchFamily="18" charset="0"/>
                 <a:cs typeface="Times New Roman" panose="02020603050405020304" pitchFamily="18" charset="0"/>
               </a:rPr>
-              <a:t>Grid size ~ 0.05 km by 0.13 km</a:t>
+              <a:t>Grid size ~ 1.1 km by 1.7 km</a:t>
             </a:r>
           </a:p>
         </p:txBody>
       </p:sp>
       <p:pic>
         <p:nvPicPr>
-          <p:cNvPr id="4" name="图片 3">
-            <a:extLst>
-              <a:ext uri="{FF2B5EF4-FFF2-40B4-BE49-F238E27FC236}">
-                <a16:creationId xmlns:a16="http://schemas.microsoft.com/office/drawing/2014/main" id="{3B6D37DC-F3B1-3985-232B-2591CE0DCC02}"/>
+          <p:cNvPr id="3" name="图片 2">
+            <a:extLst>
+              <a:ext uri="{FF2B5EF4-FFF2-40B4-BE49-F238E27FC236}">
+                <a16:creationId xmlns:a16="http://schemas.microsoft.com/office/drawing/2014/main" id="{54893C97-250F-E25F-1574-18CE2AA18A03}"/>
               </a:ext>
             </a:extLst>
           </p:cNvPr>
@@ -10761,8 +12343,8 @@
         </p:blipFill>
         <p:spPr>
           <a:xfrm>
-            <a:off x="838200" y="1626394"/>
-            <a:ext cx="3571875" cy="2638425"/>
+            <a:off x="8449881" y="1626394"/>
+            <a:ext cx="3514725" cy="2647950"/>
           </a:xfrm>
           <a:prstGeom prst="rect">
             <a:avLst/>
@@ -10771,10 +12353,10 @@
       </p:pic>
       <p:pic>
         <p:nvPicPr>
-          <p:cNvPr id="7" name="图片 6">
-            <a:extLst>
-              <a:ext uri="{FF2B5EF4-FFF2-40B4-BE49-F238E27FC236}">
-                <a16:creationId xmlns:a16="http://schemas.microsoft.com/office/drawing/2014/main" id="{6BF6C1AD-8540-5FEC-945E-4466D4815D6A}"/>
+          <p:cNvPr id="6" name="图片 5">
+            <a:extLst>
+              <a:ext uri="{FF2B5EF4-FFF2-40B4-BE49-F238E27FC236}">
+                <a16:creationId xmlns:a16="http://schemas.microsoft.com/office/drawing/2014/main" id="{8814A3D4-8076-2548-ECFA-3E0286C96BF7}"/>
               </a:ext>
             </a:extLst>
           </p:cNvPr>
@@ -10791,8 +12373,8 @@
         </p:blipFill>
         <p:spPr>
           <a:xfrm>
-            <a:off x="726183" y="4210050"/>
-            <a:ext cx="3629025" cy="2647950"/>
+            <a:off x="4638408" y="1649145"/>
+            <a:ext cx="3733800" cy="2886075"/>
           </a:xfrm>
           <a:prstGeom prst="rect">
             <a:avLst/>
@@ -10801,10 +12383,10 @@
       </p:pic>
       <p:pic>
         <p:nvPicPr>
-          <p:cNvPr id="9" name="图片 8">
-            <a:extLst>
-              <a:ext uri="{FF2B5EF4-FFF2-40B4-BE49-F238E27FC236}">
-                <a16:creationId xmlns:a16="http://schemas.microsoft.com/office/drawing/2014/main" id="{269ADC90-BAC4-078C-666B-A045AF51F52B}"/>
+          <p:cNvPr id="11" name="图片 10">
+            <a:extLst>
+              <a:ext uri="{FF2B5EF4-FFF2-40B4-BE49-F238E27FC236}">
+                <a16:creationId xmlns:a16="http://schemas.microsoft.com/office/drawing/2014/main" id="{B314DA76-032E-5F4C-ED6C-AEF12488C734}"/>
               </a:ext>
             </a:extLst>
           </p:cNvPr>
@@ -10821,8 +12403,8 @@
         </p:blipFill>
         <p:spPr>
           <a:xfrm>
-            <a:off x="4355208" y="1626394"/>
-            <a:ext cx="3790950" cy="2886075"/>
+            <a:off x="866774" y="1649145"/>
+            <a:ext cx="3571875" cy="2514600"/>
           </a:xfrm>
           <a:prstGeom prst="rect">
             <a:avLst/>
@@ -10831,10 +12413,10 @@
       </p:pic>
       <p:pic>
         <p:nvPicPr>
-          <p:cNvPr id="17" name="图片 16">
-            <a:extLst>
-              <a:ext uri="{FF2B5EF4-FFF2-40B4-BE49-F238E27FC236}">
-                <a16:creationId xmlns:a16="http://schemas.microsoft.com/office/drawing/2014/main" id="{889EC8F4-B045-7A48-0B84-7EA28E0D4C1A}"/>
+          <p:cNvPr id="15" name="图片 14">
+            <a:extLst>
+              <a:ext uri="{FF2B5EF4-FFF2-40B4-BE49-F238E27FC236}">
+                <a16:creationId xmlns:a16="http://schemas.microsoft.com/office/drawing/2014/main" id="{BD9438F1-2717-A59F-2F29-6CB69EA18CCE}"/>
               </a:ext>
             </a:extLst>
           </p:cNvPr>
@@ -10851,38 +12433,8 @@
         </p:blipFill>
         <p:spPr>
           <a:xfrm>
-            <a:off x="5069017" y="4512469"/>
-            <a:ext cx="2767777" cy="2183950"/>
-          </a:xfrm>
-          <a:prstGeom prst="rect">
-            <a:avLst/>
-          </a:prstGeom>
-        </p:spPr>
-      </p:pic>
-      <p:pic>
-        <p:nvPicPr>
-          <p:cNvPr id="3" name="图片 2">
-            <a:extLst>
-              <a:ext uri="{FF2B5EF4-FFF2-40B4-BE49-F238E27FC236}">
-                <a16:creationId xmlns:a16="http://schemas.microsoft.com/office/drawing/2014/main" id="{B9518E38-7015-22F4-9DE4-4F6DD7CD614E}"/>
-              </a:ext>
-            </a:extLst>
-          </p:cNvPr>
-          <p:cNvPicPr>
-            <a:picLocks noChangeAspect="1"/>
-          </p:cNvPicPr>
-          <p:nvPr/>
-        </p:nvPicPr>
-        <p:blipFill>
-          <a:blip r:embed="rId6"/>
-          <a:stretch>
-            <a:fillRect/>
-          </a:stretch>
-        </p:blipFill>
-        <p:spPr>
-          <a:xfrm>
-            <a:off x="8269983" y="1653779"/>
-            <a:ext cx="3505200" cy="2647950"/>
+            <a:off x="838200" y="4210050"/>
+            <a:ext cx="3571875" cy="2647950"/>
           </a:xfrm>
           <a:prstGeom prst="rect">
             <a:avLst/>
@@ -10892,7 +12444,7 @@
     </p:spTree>
     <p:extLst>
       <p:ext uri="{BB962C8B-B14F-4D97-AF65-F5344CB8AC3E}">
-        <p14:creationId xmlns:p14="http://schemas.microsoft.com/office/powerpoint/2010/main" val="552831489"/>
+        <p14:creationId xmlns:p14="http://schemas.microsoft.com/office/powerpoint/2010/main" val="3036209631"/>
       </p:ext>
     </p:extLst>
   </p:cSld>
@@ -10945,17 +12497,55 @@
                 <a:latin typeface="Times New Roman" panose="02020603050405020304" pitchFamily="18" charset="0"/>
                 <a:cs typeface="Times New Roman" panose="02020603050405020304" pitchFamily="18" charset="0"/>
               </a:rPr>
-              <a:t>Sahara small - RF</a:t>
+              <a:t>Sahara small</a:t>
+            </a:r>
+          </a:p>
+        </p:txBody>
+      </p:sp>
+      <p:sp>
+        <p:nvSpPr>
+          <p:cNvPr id="13" name="文本框 12">
+            <a:extLst>
+              <a:ext uri="{FF2B5EF4-FFF2-40B4-BE49-F238E27FC236}">
+                <a16:creationId xmlns:a16="http://schemas.microsoft.com/office/drawing/2014/main" id="{4F6C37EB-B1ED-14EE-0710-DFD39C43CBDB}"/>
+              </a:ext>
+            </a:extLst>
+          </p:cNvPr>
+          <p:cNvSpPr txBox="1"/>
+          <p:nvPr/>
+        </p:nvSpPr>
+        <p:spPr>
+          <a:xfrm>
+            <a:off x="8667482" y="4210050"/>
+            <a:ext cx="3297124" cy="369332"/>
+          </a:xfrm>
+          <a:prstGeom prst="rect">
+            <a:avLst/>
+          </a:prstGeom>
+          <a:noFill/>
+        </p:spPr>
+        <p:txBody>
+          <a:bodyPr wrap="square" rtlCol="0">
+            <a:spAutoFit/>
+          </a:bodyPr>
+          <a:lstStyle/>
+          <a:p>
+            <a:r>
+              <a:rPr lang="fr-CA" dirty="0">
+                <a:latin typeface="Times New Roman" panose="02020603050405020304" pitchFamily="18" charset="0"/>
+                <a:cs typeface="Times New Roman" panose="02020603050405020304" pitchFamily="18" charset="0"/>
+              </a:rPr>
+              <a:t>Grid size ~ 0.05 km by 0.13 km</a:t>
             </a:r>
           </a:p>
         </p:txBody>
       </p:sp>
       <p:pic>
         <p:nvPicPr>
-          <p:cNvPr id="3" name="图片 2">
-            <a:extLst>
-              <a:ext uri="{FF2B5EF4-FFF2-40B4-BE49-F238E27FC236}">
-                <a16:creationId xmlns:a16="http://schemas.microsoft.com/office/drawing/2014/main" id="{B2582C8C-BD5C-71F5-D239-4E5BCE743FC7}"/>
+          <p:cNvPr id="4" name="图片 3">
+            <a:extLst>
+              <a:ext uri="{FF2B5EF4-FFF2-40B4-BE49-F238E27FC236}">
+                <a16:creationId xmlns:a16="http://schemas.microsoft.com/office/drawing/2014/main" id="{3B6D37DC-F3B1-3985-232B-2591CE0DCC02}"/>
               </a:ext>
             </a:extLst>
           </p:cNvPr>
@@ -10972,8 +12562,8 @@
         </p:blipFill>
         <p:spPr>
           <a:xfrm>
-            <a:off x="414138" y="2601844"/>
-            <a:ext cx="3790950" cy="2886075"/>
+            <a:off x="838200" y="1626394"/>
+            <a:ext cx="3571875" cy="2638425"/>
           </a:xfrm>
           <a:prstGeom prst="rect">
             <a:avLst/>
@@ -10982,10 +12572,10 @@
       </p:pic>
       <p:pic>
         <p:nvPicPr>
-          <p:cNvPr id="6" name="图片 5">
-            <a:extLst>
-              <a:ext uri="{FF2B5EF4-FFF2-40B4-BE49-F238E27FC236}">
-                <a16:creationId xmlns:a16="http://schemas.microsoft.com/office/drawing/2014/main" id="{161AD905-7B6B-5AB9-F2E1-2B345F143BA1}"/>
+          <p:cNvPr id="7" name="图片 6">
+            <a:extLst>
+              <a:ext uri="{FF2B5EF4-FFF2-40B4-BE49-F238E27FC236}">
+                <a16:creationId xmlns:a16="http://schemas.microsoft.com/office/drawing/2014/main" id="{6BF6C1AD-8540-5FEC-945E-4466D4815D6A}"/>
               </a:ext>
             </a:extLst>
           </p:cNvPr>
@@ -11002,8 +12592,8 @@
         </p:blipFill>
         <p:spPr>
           <a:xfrm>
-            <a:off x="3264796" y="1070745"/>
-            <a:ext cx="5097054" cy="4021894"/>
+            <a:off x="726183" y="4210050"/>
+            <a:ext cx="3629025" cy="2647950"/>
           </a:xfrm>
           <a:prstGeom prst="rect">
             <a:avLst/>
@@ -11012,10 +12602,10 @@
       </p:pic>
       <p:pic>
         <p:nvPicPr>
-          <p:cNvPr id="5" name="图片 4">
-            <a:extLst>
-              <a:ext uri="{FF2B5EF4-FFF2-40B4-BE49-F238E27FC236}">
-                <a16:creationId xmlns:a16="http://schemas.microsoft.com/office/drawing/2014/main" id="{DC28220A-57D8-DEE2-B1BE-1CD7A8F289D2}"/>
+          <p:cNvPr id="9" name="图片 8">
+            <a:extLst>
+              <a:ext uri="{FF2B5EF4-FFF2-40B4-BE49-F238E27FC236}">
+                <a16:creationId xmlns:a16="http://schemas.microsoft.com/office/drawing/2014/main" id="{269ADC90-BAC4-078C-666B-A045AF51F52B}"/>
               </a:ext>
             </a:extLst>
           </p:cNvPr>
@@ -11032,8 +12622,68 @@
         </p:blipFill>
         <p:spPr>
           <a:xfrm>
-            <a:off x="8030648" y="2601844"/>
-            <a:ext cx="3600450" cy="2647950"/>
+            <a:off x="4355208" y="1626394"/>
+            <a:ext cx="3790950" cy="2886075"/>
+          </a:xfrm>
+          <a:prstGeom prst="rect">
+            <a:avLst/>
+          </a:prstGeom>
+        </p:spPr>
+      </p:pic>
+      <p:pic>
+        <p:nvPicPr>
+          <p:cNvPr id="17" name="图片 16">
+            <a:extLst>
+              <a:ext uri="{FF2B5EF4-FFF2-40B4-BE49-F238E27FC236}">
+                <a16:creationId xmlns:a16="http://schemas.microsoft.com/office/drawing/2014/main" id="{889EC8F4-B045-7A48-0B84-7EA28E0D4C1A}"/>
+              </a:ext>
+            </a:extLst>
+          </p:cNvPr>
+          <p:cNvPicPr>
+            <a:picLocks noChangeAspect="1"/>
+          </p:cNvPicPr>
+          <p:nvPr/>
+        </p:nvPicPr>
+        <p:blipFill>
+          <a:blip r:embed="rId5"/>
+          <a:stretch>
+            <a:fillRect/>
+          </a:stretch>
+        </p:blipFill>
+        <p:spPr>
+          <a:xfrm>
+            <a:off x="5069017" y="4512469"/>
+            <a:ext cx="2767777" cy="2183950"/>
+          </a:xfrm>
+          <a:prstGeom prst="rect">
+            <a:avLst/>
+          </a:prstGeom>
+        </p:spPr>
+      </p:pic>
+      <p:pic>
+        <p:nvPicPr>
+          <p:cNvPr id="3" name="图片 2">
+            <a:extLst>
+              <a:ext uri="{FF2B5EF4-FFF2-40B4-BE49-F238E27FC236}">
+                <a16:creationId xmlns:a16="http://schemas.microsoft.com/office/drawing/2014/main" id="{B9518E38-7015-22F4-9DE4-4F6DD7CD614E}"/>
+              </a:ext>
+            </a:extLst>
+          </p:cNvPr>
+          <p:cNvPicPr>
+            <a:picLocks noChangeAspect="1"/>
+          </p:cNvPicPr>
+          <p:nvPr/>
+        </p:nvPicPr>
+        <p:blipFill>
+          <a:blip r:embed="rId6"/>
+          <a:stretch>
+            <a:fillRect/>
+          </a:stretch>
+        </p:blipFill>
+        <p:spPr>
+          <a:xfrm>
+            <a:off x="8269983" y="1653779"/>
+            <a:ext cx="3505200" cy="2647950"/>
           </a:xfrm>
           <a:prstGeom prst="rect">
             <a:avLst/>
@@ -11043,7 +12693,7 @@
     </p:spTree>
     <p:extLst>
       <p:ext uri="{BB962C8B-B14F-4D97-AF65-F5344CB8AC3E}">
-        <p14:creationId xmlns:p14="http://schemas.microsoft.com/office/powerpoint/2010/main" val="3216382604"/>
+        <p14:creationId xmlns:p14="http://schemas.microsoft.com/office/powerpoint/2010/main" val="552831489"/>
       </p:ext>
     </p:extLst>
   </p:cSld>
@@ -11072,10 +12722,10 @@
       </p:grpSpPr>
       <p:sp>
         <p:nvSpPr>
-          <p:cNvPr id="2" name="标题 1">
-            <a:extLst>
-              <a:ext uri="{FF2B5EF4-FFF2-40B4-BE49-F238E27FC236}">
-                <a16:creationId xmlns:a16="http://schemas.microsoft.com/office/drawing/2014/main" id="{540B0F44-4ECD-FB35-52AE-32E8D204B181}"/>
+          <p:cNvPr id="10" name="标题 9">
+            <a:extLst>
+              <a:ext uri="{FF2B5EF4-FFF2-40B4-BE49-F238E27FC236}">
+                <a16:creationId xmlns:a16="http://schemas.microsoft.com/office/drawing/2014/main" id="{B93F8AA6-32C2-5BD7-054E-F282C6545631}"/>
               </a:ext>
             </a:extLst>
           </p:cNvPr>
@@ -11096,35 +12746,17 @@
                 <a:latin typeface="Times New Roman" panose="02020603050405020304" pitchFamily="18" charset="0"/>
                 <a:cs typeface="Times New Roman" panose="02020603050405020304" pitchFamily="18" charset="0"/>
               </a:rPr>
-              <a:t>S</a:t>
-            </a:r>
-            <a:r>
-              <a:rPr lang="en-US" altLang="zh-CN" dirty="0" err="1">
-                <a:latin typeface="Times New Roman" panose="02020603050405020304" pitchFamily="18" charset="0"/>
-                <a:cs typeface="Times New Roman" panose="02020603050405020304" pitchFamily="18" charset="0"/>
-              </a:rPr>
-              <a:t>ahara</a:t>
-            </a:r>
-            <a:r>
-              <a:rPr lang="en-US" altLang="zh-CN" dirty="0">
-                <a:latin typeface="Times New Roman" panose="02020603050405020304" pitchFamily="18" charset="0"/>
-                <a:cs typeface="Times New Roman" panose="02020603050405020304" pitchFamily="18" charset="0"/>
-              </a:rPr>
-              <a:t> small – DT</a:t>
-            </a:r>
-            <a:endParaRPr lang="fr-CA" dirty="0">
-              <a:latin typeface="Times New Roman" panose="02020603050405020304" pitchFamily="18" charset="0"/>
-              <a:cs typeface="Times New Roman" panose="02020603050405020304" pitchFamily="18" charset="0"/>
-            </a:endParaRPr>
+              <a:t>Sahara small - RF</a:t>
+            </a:r>
           </a:p>
         </p:txBody>
       </p:sp>
       <p:pic>
         <p:nvPicPr>
-          <p:cNvPr id="4" name="图片 3">
-            <a:extLst>
-              <a:ext uri="{FF2B5EF4-FFF2-40B4-BE49-F238E27FC236}">
-                <a16:creationId xmlns:a16="http://schemas.microsoft.com/office/drawing/2014/main" id="{43AFBE6F-7157-5F4A-664D-9FE726B4571C}"/>
+          <p:cNvPr id="3" name="图片 2">
+            <a:extLst>
+              <a:ext uri="{FF2B5EF4-FFF2-40B4-BE49-F238E27FC236}">
+                <a16:creationId xmlns:a16="http://schemas.microsoft.com/office/drawing/2014/main" id="{B2582C8C-BD5C-71F5-D239-4E5BCE743FC7}"/>
               </a:ext>
             </a:extLst>
           </p:cNvPr>
@@ -11141,7 +12773,7 @@
         </p:blipFill>
         <p:spPr>
           <a:xfrm>
-            <a:off x="278919" y="2494677"/>
+            <a:off x="414138" y="2601844"/>
             <a:ext cx="3790950" cy="2886075"/>
           </a:xfrm>
           <a:prstGeom prst="rect">
@@ -11154,7 +12786,7 @@
           <p:cNvPr id="6" name="图片 5">
             <a:extLst>
               <a:ext uri="{FF2B5EF4-FFF2-40B4-BE49-F238E27FC236}">
-                <a16:creationId xmlns:a16="http://schemas.microsoft.com/office/drawing/2014/main" id="{941450D0-381C-A971-6E17-EF74BB980890}"/>
+                <a16:creationId xmlns:a16="http://schemas.microsoft.com/office/drawing/2014/main" id="{161AD905-7B6B-5AB9-F2E1-2B345F143BA1}"/>
               </a:ext>
             </a:extLst>
           </p:cNvPr>
@@ -11171,8 +12803,8 @@
         </p:blipFill>
         <p:spPr>
           <a:xfrm>
-            <a:off x="4366083" y="2452821"/>
-            <a:ext cx="3657600" cy="2886075"/>
+            <a:off x="3264796" y="1070745"/>
+            <a:ext cx="5097054" cy="4021894"/>
           </a:xfrm>
           <a:prstGeom prst="rect">
             <a:avLst/>
@@ -11181,10 +12813,10 @@
       </p:pic>
       <p:pic>
         <p:nvPicPr>
-          <p:cNvPr id="10" name="图片 9">
-            <a:extLst>
-              <a:ext uri="{FF2B5EF4-FFF2-40B4-BE49-F238E27FC236}">
-                <a16:creationId xmlns:a16="http://schemas.microsoft.com/office/drawing/2014/main" id="{5AE6F441-23EF-8B13-F6AC-A3DAE42B71FD}"/>
+          <p:cNvPr id="5" name="图片 4">
+            <a:extLst>
+              <a:ext uri="{FF2B5EF4-FFF2-40B4-BE49-F238E27FC236}">
+                <a16:creationId xmlns:a16="http://schemas.microsoft.com/office/drawing/2014/main" id="{DC28220A-57D8-DEE2-B1BE-1CD7A8F289D2}"/>
               </a:ext>
             </a:extLst>
           </p:cNvPr>
@@ -11201,56 +12833,18 @@
         </p:blipFill>
         <p:spPr>
           <a:xfrm>
-            <a:off x="8129789" y="2472139"/>
-            <a:ext cx="3505200" cy="2647950"/>
+            <a:off x="8030648" y="2601844"/>
+            <a:ext cx="3600450" cy="2647950"/>
           </a:xfrm>
           <a:prstGeom prst="rect">
             <a:avLst/>
           </a:prstGeom>
         </p:spPr>
       </p:pic>
-      <p:sp>
-        <p:nvSpPr>
-          <p:cNvPr id="11" name="文本框 10">
-            <a:extLst>
-              <a:ext uri="{FF2B5EF4-FFF2-40B4-BE49-F238E27FC236}">
-                <a16:creationId xmlns:a16="http://schemas.microsoft.com/office/drawing/2014/main" id="{C965C5F8-BA4D-6B3E-1491-F4518110D644}"/>
-              </a:ext>
-            </a:extLst>
-          </p:cNvPr>
-          <p:cNvSpPr txBox="1"/>
-          <p:nvPr/>
-        </p:nvSpPr>
-        <p:spPr>
-          <a:xfrm>
-            <a:off x="8443971" y="5120089"/>
-            <a:ext cx="3297124" cy="369332"/>
-          </a:xfrm>
-          <a:prstGeom prst="rect">
-            <a:avLst/>
-          </a:prstGeom>
-          <a:noFill/>
-        </p:spPr>
-        <p:txBody>
-          <a:bodyPr wrap="square" rtlCol="0">
-            <a:spAutoFit/>
-          </a:bodyPr>
-          <a:lstStyle/>
-          <a:p>
-            <a:r>
-              <a:rPr lang="fr-CA" dirty="0">
-                <a:latin typeface="Times New Roman" panose="02020603050405020304" pitchFamily="18" charset="0"/>
-                <a:cs typeface="Times New Roman" panose="02020603050405020304" pitchFamily="18" charset="0"/>
-              </a:rPr>
-              <a:t>Grid size ~ 0.05 km by 0.13 km</a:t>
-            </a:r>
-          </a:p>
-        </p:txBody>
-      </p:sp>
     </p:spTree>
     <p:extLst>
       <p:ext uri="{BB962C8B-B14F-4D97-AF65-F5344CB8AC3E}">
-        <p14:creationId xmlns:p14="http://schemas.microsoft.com/office/powerpoint/2010/main" val="3716565682"/>
+        <p14:creationId xmlns:p14="http://schemas.microsoft.com/office/powerpoint/2010/main" val="3216382604"/>
       </p:ext>
     </p:extLst>
   </p:cSld>
@@ -11277,12 +12871,61 @@
           <a:chExt cx="0" cy="0"/>
         </a:xfrm>
       </p:grpSpPr>
+      <p:sp>
+        <p:nvSpPr>
+          <p:cNvPr id="2" name="标题 1">
+            <a:extLst>
+              <a:ext uri="{FF2B5EF4-FFF2-40B4-BE49-F238E27FC236}">
+                <a16:creationId xmlns:a16="http://schemas.microsoft.com/office/drawing/2014/main" id="{540B0F44-4ECD-FB35-52AE-32E8D204B181}"/>
+              </a:ext>
+            </a:extLst>
+          </p:cNvPr>
+          <p:cNvSpPr>
+            <a:spLocks noGrp="1"/>
+          </p:cNvSpPr>
+          <p:nvPr>
+            <p:ph type="title"/>
+          </p:nvPr>
+        </p:nvSpPr>
+        <p:spPr/>
+        <p:txBody>
+          <a:bodyPr/>
+          <a:lstStyle/>
+          <a:p>
+            <a:r>
+              <a:rPr lang="fr-CA" dirty="0">
+                <a:latin typeface="Times New Roman" panose="02020603050405020304" pitchFamily="18" charset="0"/>
+                <a:cs typeface="Times New Roman" panose="02020603050405020304" pitchFamily="18" charset="0"/>
+              </a:rPr>
+              <a:t>S</a:t>
+            </a:r>
+            <a:r>
+              <a:rPr lang="en-US" altLang="zh-CN" dirty="0" err="1">
+                <a:latin typeface="Times New Roman" panose="02020603050405020304" pitchFamily="18" charset="0"/>
+                <a:cs typeface="Times New Roman" panose="02020603050405020304" pitchFamily="18" charset="0"/>
+              </a:rPr>
+              <a:t>ahara</a:t>
+            </a:r>
+            <a:r>
+              <a:rPr lang="en-US" altLang="zh-CN" dirty="0">
+                <a:latin typeface="Times New Roman" panose="02020603050405020304" pitchFamily="18" charset="0"/>
+                <a:cs typeface="Times New Roman" panose="02020603050405020304" pitchFamily="18" charset="0"/>
+              </a:rPr>
+              <a:t> small – DT</a:t>
+            </a:r>
+            <a:endParaRPr lang="fr-CA" dirty="0">
+              <a:latin typeface="Times New Roman" panose="02020603050405020304" pitchFamily="18" charset="0"/>
+              <a:cs typeface="Times New Roman" panose="02020603050405020304" pitchFamily="18" charset="0"/>
+            </a:endParaRPr>
+          </a:p>
+        </p:txBody>
+      </p:sp>
       <p:pic>
         <p:nvPicPr>
-          <p:cNvPr id="17" name="图片 16">
-            <a:extLst>
-              <a:ext uri="{FF2B5EF4-FFF2-40B4-BE49-F238E27FC236}">
-                <a16:creationId xmlns:a16="http://schemas.microsoft.com/office/drawing/2014/main" id="{6E658AB8-02C6-29F0-2547-19B96777217E}"/>
+          <p:cNvPr id="4" name="图片 3">
+            <a:extLst>
+              <a:ext uri="{FF2B5EF4-FFF2-40B4-BE49-F238E27FC236}">
+                <a16:creationId xmlns:a16="http://schemas.microsoft.com/office/drawing/2014/main" id="{43AFBE6F-7157-5F4A-664D-9FE726B4571C}"/>
               </a:ext>
             </a:extLst>
           </p:cNvPr>
@@ -11299,18 +12942,116 @@
         </p:blipFill>
         <p:spPr>
           <a:xfrm>
-            <a:off x="1557337" y="1128712"/>
-            <a:ext cx="9077325" cy="4600575"/>
+            <a:off x="278919" y="2494677"/>
+            <a:ext cx="3790950" cy="2886075"/>
           </a:xfrm>
           <a:prstGeom prst="rect">
             <a:avLst/>
           </a:prstGeom>
         </p:spPr>
       </p:pic>
+      <p:pic>
+        <p:nvPicPr>
+          <p:cNvPr id="6" name="图片 5">
+            <a:extLst>
+              <a:ext uri="{FF2B5EF4-FFF2-40B4-BE49-F238E27FC236}">
+                <a16:creationId xmlns:a16="http://schemas.microsoft.com/office/drawing/2014/main" id="{941450D0-381C-A971-6E17-EF74BB980890}"/>
+              </a:ext>
+            </a:extLst>
+          </p:cNvPr>
+          <p:cNvPicPr>
+            <a:picLocks noChangeAspect="1"/>
+          </p:cNvPicPr>
+          <p:nvPr/>
+        </p:nvPicPr>
+        <p:blipFill>
+          <a:blip r:embed="rId3"/>
+          <a:stretch>
+            <a:fillRect/>
+          </a:stretch>
+        </p:blipFill>
+        <p:spPr>
+          <a:xfrm>
+            <a:off x="4366083" y="2452821"/>
+            <a:ext cx="3657600" cy="2886075"/>
+          </a:xfrm>
+          <a:prstGeom prst="rect">
+            <a:avLst/>
+          </a:prstGeom>
+        </p:spPr>
+      </p:pic>
+      <p:pic>
+        <p:nvPicPr>
+          <p:cNvPr id="10" name="图片 9">
+            <a:extLst>
+              <a:ext uri="{FF2B5EF4-FFF2-40B4-BE49-F238E27FC236}">
+                <a16:creationId xmlns:a16="http://schemas.microsoft.com/office/drawing/2014/main" id="{5AE6F441-23EF-8B13-F6AC-A3DAE42B71FD}"/>
+              </a:ext>
+            </a:extLst>
+          </p:cNvPr>
+          <p:cNvPicPr>
+            <a:picLocks noChangeAspect="1"/>
+          </p:cNvPicPr>
+          <p:nvPr/>
+        </p:nvPicPr>
+        <p:blipFill>
+          <a:blip r:embed="rId4"/>
+          <a:stretch>
+            <a:fillRect/>
+          </a:stretch>
+        </p:blipFill>
+        <p:spPr>
+          <a:xfrm>
+            <a:off x="8129789" y="2472139"/>
+            <a:ext cx="3505200" cy="2647950"/>
+          </a:xfrm>
+          <a:prstGeom prst="rect">
+            <a:avLst/>
+          </a:prstGeom>
+        </p:spPr>
+      </p:pic>
+      <p:sp>
+        <p:nvSpPr>
+          <p:cNvPr id="11" name="文本框 10">
+            <a:extLst>
+              <a:ext uri="{FF2B5EF4-FFF2-40B4-BE49-F238E27FC236}">
+                <a16:creationId xmlns:a16="http://schemas.microsoft.com/office/drawing/2014/main" id="{C965C5F8-BA4D-6B3E-1491-F4518110D644}"/>
+              </a:ext>
+            </a:extLst>
+          </p:cNvPr>
+          <p:cNvSpPr txBox="1"/>
+          <p:nvPr/>
+        </p:nvSpPr>
+        <p:spPr>
+          <a:xfrm>
+            <a:off x="8443971" y="5120089"/>
+            <a:ext cx="3297124" cy="369332"/>
+          </a:xfrm>
+          <a:prstGeom prst="rect">
+            <a:avLst/>
+          </a:prstGeom>
+          <a:noFill/>
+        </p:spPr>
+        <p:txBody>
+          <a:bodyPr wrap="square" rtlCol="0">
+            <a:spAutoFit/>
+          </a:bodyPr>
+          <a:lstStyle/>
+          <a:p>
+            <a:r>
+              <a:rPr lang="fr-CA" dirty="0">
+                <a:latin typeface="Times New Roman" panose="02020603050405020304" pitchFamily="18" charset="0"/>
+                <a:cs typeface="Times New Roman" panose="02020603050405020304" pitchFamily="18" charset="0"/>
+              </a:rPr>
+              <a:t>Grid size ~ 0.05 km by 0.13 km</a:t>
+            </a:r>
+          </a:p>
+        </p:txBody>
+      </p:sp>
     </p:spTree>
     <p:extLst>
       <p:ext uri="{BB962C8B-B14F-4D97-AF65-F5344CB8AC3E}">
-        <p14:creationId xmlns:p14="http://schemas.microsoft.com/office/powerpoint/2010/main" val="1342261577"/>
+        <p14:creationId xmlns:p14="http://schemas.microsoft.com/office/powerpoint/2010/main" val="3716565682"/>
       </p:ext>
     </p:extLst>
   </p:cSld>
@@ -11339,10 +13080,10 @@
       </p:grpSpPr>
       <p:pic>
         <p:nvPicPr>
-          <p:cNvPr id="4" name="图片 3">
-            <a:extLst>
-              <a:ext uri="{FF2B5EF4-FFF2-40B4-BE49-F238E27FC236}">
-                <a16:creationId xmlns:a16="http://schemas.microsoft.com/office/drawing/2014/main" id="{162F3E36-522D-2284-79EE-394E17281C4C}"/>
+          <p:cNvPr id="17" name="图片 16">
+            <a:extLst>
+              <a:ext uri="{FF2B5EF4-FFF2-40B4-BE49-F238E27FC236}">
+                <a16:creationId xmlns:a16="http://schemas.microsoft.com/office/drawing/2014/main" id="{6E658AB8-02C6-29F0-2547-19B96777217E}"/>
               </a:ext>
             </a:extLst>
           </p:cNvPr>
@@ -11359,136 +13100,18 @@
         </p:blipFill>
         <p:spPr>
           <a:xfrm>
-            <a:off x="1700078" y="1520579"/>
-            <a:ext cx="2707615" cy="1908421"/>
+            <a:off x="1557337" y="1128712"/>
+            <a:ext cx="9077325" cy="4600575"/>
           </a:xfrm>
           <a:prstGeom prst="rect">
             <a:avLst/>
           </a:prstGeom>
         </p:spPr>
       </p:pic>
-      <p:pic>
-        <p:nvPicPr>
-          <p:cNvPr id="6" name="图片 5">
-            <a:extLst>
-              <a:ext uri="{FF2B5EF4-FFF2-40B4-BE49-F238E27FC236}">
-                <a16:creationId xmlns:a16="http://schemas.microsoft.com/office/drawing/2014/main" id="{0DB2B530-E933-030D-7D49-2C717762E8B7}"/>
-              </a:ext>
-            </a:extLst>
-          </p:cNvPr>
-          <p:cNvPicPr>
-            <a:picLocks noChangeAspect="1"/>
-          </p:cNvPicPr>
-          <p:nvPr/>
-        </p:nvPicPr>
-        <p:blipFill>
-          <a:blip r:embed="rId3"/>
-          <a:stretch>
-            <a:fillRect/>
-          </a:stretch>
-        </p:blipFill>
-        <p:spPr>
-          <a:xfrm>
-            <a:off x="7283070" y="1520578"/>
-            <a:ext cx="2707615" cy="1908421"/>
-          </a:xfrm>
-          <a:prstGeom prst="rect">
-            <a:avLst/>
-          </a:prstGeom>
-        </p:spPr>
-      </p:pic>
-      <p:pic>
-        <p:nvPicPr>
-          <p:cNvPr id="8" name="图片 7">
-            <a:extLst>
-              <a:ext uri="{FF2B5EF4-FFF2-40B4-BE49-F238E27FC236}">
-                <a16:creationId xmlns:a16="http://schemas.microsoft.com/office/drawing/2014/main" id="{B1F3C4C8-EBB5-1BE2-1DB8-E9373A3E4AF5}"/>
-              </a:ext>
-            </a:extLst>
-          </p:cNvPr>
-          <p:cNvPicPr>
-            <a:picLocks noChangeAspect="1"/>
-          </p:cNvPicPr>
-          <p:nvPr/>
-        </p:nvPicPr>
-        <p:blipFill>
-          <a:blip r:embed="rId4"/>
-          <a:stretch>
-            <a:fillRect/>
-          </a:stretch>
-        </p:blipFill>
-        <p:spPr>
-          <a:xfrm>
-            <a:off x="4407693" y="1520579"/>
-            <a:ext cx="2707615" cy="1908421"/>
-          </a:xfrm>
-          <a:prstGeom prst="rect">
-            <a:avLst/>
-          </a:prstGeom>
-        </p:spPr>
-      </p:pic>
-      <p:pic>
-        <p:nvPicPr>
-          <p:cNvPr id="10" name="图片 9">
-            <a:extLst>
-              <a:ext uri="{FF2B5EF4-FFF2-40B4-BE49-F238E27FC236}">
-                <a16:creationId xmlns:a16="http://schemas.microsoft.com/office/drawing/2014/main" id="{0B6F52FD-3031-8BC8-BCEF-FBC10A4E537C}"/>
-              </a:ext>
-            </a:extLst>
-          </p:cNvPr>
-          <p:cNvPicPr>
-            <a:picLocks noChangeAspect="1"/>
-          </p:cNvPicPr>
-          <p:nvPr/>
-        </p:nvPicPr>
-        <p:blipFill>
-          <a:blip r:embed="rId5"/>
-          <a:stretch>
-            <a:fillRect/>
-          </a:stretch>
-        </p:blipFill>
-        <p:spPr>
-          <a:xfrm>
-            <a:off x="1700078" y="3428999"/>
-            <a:ext cx="2707615" cy="1908421"/>
-          </a:xfrm>
-          <a:prstGeom prst="rect">
-            <a:avLst/>
-          </a:prstGeom>
-        </p:spPr>
-      </p:pic>
-      <p:sp>
-        <p:nvSpPr>
-          <p:cNvPr id="11" name="标题 10">
-            <a:extLst>
-              <a:ext uri="{FF2B5EF4-FFF2-40B4-BE49-F238E27FC236}">
-                <a16:creationId xmlns:a16="http://schemas.microsoft.com/office/drawing/2014/main" id="{4369D9B2-48AB-E1EF-084A-751636809DBB}"/>
-              </a:ext>
-            </a:extLst>
-          </p:cNvPr>
-          <p:cNvSpPr>
-            <a:spLocks noGrp="1"/>
-          </p:cNvSpPr>
-          <p:nvPr>
-            <p:ph type="title"/>
-          </p:nvPr>
-        </p:nvSpPr>
-        <p:spPr/>
-        <p:txBody>
-          <a:bodyPr/>
-          <a:lstStyle/>
-          <a:p>
-            <a:r>
-              <a:rPr lang="fr-CA" dirty="0"/>
-              <a:t>Outliers on sahara_small</a:t>
-            </a:r>
-          </a:p>
-        </p:txBody>
-      </p:sp>
     </p:spTree>
     <p:extLst>
       <p:ext uri="{BB962C8B-B14F-4D97-AF65-F5344CB8AC3E}">
-        <p14:creationId xmlns:p14="http://schemas.microsoft.com/office/powerpoint/2010/main" val="2987150356"/>
+        <p14:creationId xmlns:p14="http://schemas.microsoft.com/office/powerpoint/2010/main" val="1342261577"/>
       </p:ext>
     </p:extLst>
   </p:cSld>
